--- a/docs/slides/07/07_streams.pptx
+++ b/docs/slides/07/07_streams.pptx
@@ -2180,7 +2180,7 @@
           </a:ln>
           <a:extLst>
             <a:ext uri="{C572A759-6A51-4108-AA02-DFA0A04FC94B}">
-              <ma14:wrappingTextBoxFlag xmlns:ma14="http://schemas.microsoft.com/office/mac/drawingml/2011/main" xmlns="" val="1"/>
+              <ma14:wrappingTextBoxFlag xmlns="" xmlns:ma14="http://schemas.microsoft.com/office/mac/drawingml/2011/main" val="1"/>
             </a:ext>
           </a:extLst>
         </p:spPr>
@@ -2219,7 +2219,7 @@
           </a:ln>
           <a:extLst>
             <a:ext uri="{C572A759-6A51-4108-AA02-DFA0A04FC94B}">
-              <ma14:wrappingTextBoxFlag xmlns:ma14="http://schemas.microsoft.com/office/mac/drawingml/2011/main" xmlns="" val="1"/>
+              <ma14:wrappingTextBoxFlag xmlns="" xmlns:ma14="http://schemas.microsoft.com/office/mac/drawingml/2011/main" val="1"/>
             </a:ext>
           </a:extLst>
         </p:spPr>
@@ -3201,8 +3201,16 @@
           <a:p>
             <a:pPr algn="r"/>
             <a:r>
+              <a:rPr lang="en-US" smtClean="0"/>
+              <a:t>Prof</a:t>
+            </a:r>
+            <a:r>
+              <a:rPr lang="en-US" smtClean="0"/>
+              <a:t>. </a:t>
+            </a:r>
+            <a:r>
               <a:rPr lang="en-US" dirty="0" smtClean="0"/>
-              <a:t>Dr. Andrea Arcuri</a:t>
+              <a:t>Andrea Arcuri</a:t>
             </a:r>
             <a:endParaRPr lang="en-US" dirty="0"/>
           </a:p>

--- a/docs/slides/07/07_streams.pptx
+++ b/docs/slides/07/07_streams.pptx
@@ -2180,7 +2180,7 @@
           </a:ln>
           <a:extLst>
             <a:ext uri="{C572A759-6A51-4108-AA02-DFA0A04FC94B}">
-              <ma14:wrappingTextBoxFlag xmlns="" xmlns:ma14="http://schemas.microsoft.com/office/mac/drawingml/2011/main" val="1"/>
+              <ma14:wrappingTextBoxFlag xmlns:ma14="http://schemas.microsoft.com/office/mac/drawingml/2011/main" xmlns="" val="1"/>
             </a:ext>
           </a:extLst>
         </p:spPr>
@@ -2219,7 +2219,7 @@
           </a:ln>
           <a:extLst>
             <a:ext uri="{C572A759-6A51-4108-AA02-DFA0A04FC94B}">
-              <ma14:wrappingTextBoxFlag xmlns="" xmlns:ma14="http://schemas.microsoft.com/office/mac/drawingml/2011/main" val="1"/>
+              <ma14:wrappingTextBoxFlag xmlns:ma14="http://schemas.microsoft.com/office/mac/drawingml/2011/main" xmlns="" val="1"/>
             </a:ext>
           </a:extLst>
         </p:spPr>
@@ -3202,11 +3202,7 @@
             <a:pPr algn="r"/>
             <a:r>
               <a:rPr lang="en-US" smtClean="0"/>
-              <a:t>Prof</a:t>
-            </a:r>
-            <a:r>
-              <a:rPr lang="en-US" smtClean="0"/>
-              <a:t>. </a:t>
+              <a:t>Prof. </a:t>
             </a:r>
             <a:r>
               <a:rPr lang="en-US" dirty="0" smtClean="0"/>
@@ -5306,6 +5302,47 @@
           </a:p>
         </p:txBody>
       </p:sp>
+      <p:pic>
+        <p:nvPicPr>
+          <p:cNvPr id="1026" name="Picture 2" descr="Image result for mario"/>
+          <p:cNvPicPr>
+            <a:picLocks noChangeAspect="1" noChangeArrowheads="1"/>
+          </p:cNvPicPr>
+          <p:nvPr/>
+        </p:nvPicPr>
+        <p:blipFill>
+          <a:blip r:embed="rId3" cstate="print">
+            <a:extLst>
+              <a:ext uri="{28A0092B-C50C-407E-A947-70E740481C1C}">
+                <a14:useLocalDpi xmlns:a14="http://schemas.microsoft.com/office/drawing/2010/main" val="0"/>
+              </a:ext>
+            </a:extLst>
+          </a:blip>
+          <a:srcRect/>
+          <a:stretch>
+            <a:fillRect/>
+          </a:stretch>
+        </p:blipFill>
+        <p:spPr bwMode="auto">
+          <a:xfrm>
+            <a:off x="7010572" y="5430680"/>
+            <a:ext cx="1671554" cy="940249"/>
+          </a:xfrm>
+          <a:prstGeom prst="rect">
+            <a:avLst/>
+          </a:prstGeom>
+          <a:noFill/>
+          <a:extLst>
+            <a:ext uri="{909E8E84-426E-40DD-AFC4-6F175D3DCCD1}">
+              <a14:hiddenFill xmlns:a14="http://schemas.microsoft.com/office/drawing/2010/main">
+                <a:solidFill>
+                  <a:srgbClr val="FFFFFF"/>
+                </a:solidFill>
+              </a14:hiddenFill>
+            </a:ext>
+          </a:extLst>
+        </p:spPr>
+      </p:pic>
     </p:spTree>
     <p:extLst>
       <p:ext uri="{BB962C8B-B14F-4D97-AF65-F5344CB8AC3E}">
@@ -12208,7 +12245,19 @@
             </a:r>
             <a:r>
               <a:rPr lang="en-US" dirty="0" smtClean="0"/>
-              <a:t>, can look at indices from 0 to N-1</a:t>
+              <a:t>, can look at indices from </a:t>
+            </a:r>
+            <a:r>
+              <a:rPr lang="en-US" i="1" dirty="0" smtClean="0"/>
+              <a:t>0</a:t>
+            </a:r>
+            <a:r>
+              <a:rPr lang="en-US" dirty="0" smtClean="0"/>
+              <a:t> to </a:t>
+            </a:r>
+            <a:r>
+              <a:rPr lang="en-US" i="1" dirty="0" smtClean="0"/>
+              <a:t>N-1</a:t>
             </a:r>
           </a:p>
           <a:p>

--- a/docs/slides/07/07_streams.pptx
+++ b/docs/slides/07/07_streams.pptx
@@ -2180,7 +2180,7 @@
           </a:ln>
           <a:extLst>
             <a:ext uri="{C572A759-6A51-4108-AA02-DFA0A04FC94B}">
-              <ma14:wrappingTextBoxFlag xmlns:ma14="http://schemas.microsoft.com/office/mac/drawingml/2011/main" xmlns="" val="1"/>
+              <ma14:wrappingTextBoxFlag xmlns="" xmlns:ma14="http://schemas.microsoft.com/office/mac/drawingml/2011/main" val="1"/>
             </a:ext>
           </a:extLst>
         </p:spPr>
@@ -2219,7 +2219,7 @@
           </a:ln>
           <a:extLst>
             <a:ext uri="{C572A759-6A51-4108-AA02-DFA0A04FC94B}">
-              <ma14:wrappingTextBoxFlag xmlns:ma14="http://schemas.microsoft.com/office/mac/drawingml/2011/main" xmlns="" val="1"/>
+              <ma14:wrappingTextBoxFlag xmlns="" xmlns:ma14="http://schemas.microsoft.com/office/mac/drawingml/2011/main" val="1"/>
             </a:ext>
           </a:extLst>
         </p:spPr>
@@ -3151,31 +3151,26 @@
           <a:p>
             <a:pPr algn="l"/>
             <a:r>
-              <a:rPr lang="en-US" sz="6600" dirty="0" smtClean="0"/>
+              <a:rPr lang="en-US" sz="6600" dirty="0"/>
               <a:t>PG4200: Algorithms And Data Structures</a:t>
             </a:r>
             <a:br>
-              <a:rPr lang="en-US" sz="6600" dirty="0" smtClean="0"/>
+              <a:rPr lang="en-US" sz="6600" dirty="0"/>
             </a:br>
-            <a:r>
-              <a:rPr lang="en-US" sz="6600" dirty="0" smtClean="0"/>
-              <a:t/>
-            </a:r>
             <a:br>
-              <a:rPr lang="en-US" sz="6600" dirty="0" smtClean="0"/>
+              <a:rPr lang="en-US" sz="6600" dirty="0"/>
             </a:br>
             <a:r>
-              <a:rPr lang="en-US" sz="6600" dirty="0" smtClean="0"/>
+              <a:rPr lang="en-US" sz="6600" dirty="0"/>
               <a:t>Lesson 07: </a:t>
             </a:r>
             <a:br>
-              <a:rPr lang="en-US" sz="6600" dirty="0" smtClean="0"/>
+              <a:rPr lang="en-US" sz="6600" dirty="0"/>
             </a:br>
             <a:r>
-              <a:rPr lang="en-US" sz="6600" dirty="0" smtClean="0"/>
+              <a:rPr lang="en-US" sz="6600" dirty="0"/>
               <a:t>Iterators, Lambdas and Streams</a:t>
             </a:r>
-            <a:endParaRPr lang="en-US" sz="6600" dirty="0"/>
           </a:p>
         </p:txBody>
       </p:sp>
@@ -3201,14 +3196,13 @@
           <a:p>
             <a:pPr algn="r"/>
             <a:r>
-              <a:rPr lang="en-US" smtClean="0"/>
+              <a:rPr lang="en-US"/>
               <a:t>Prof. </a:t>
             </a:r>
             <a:r>
-              <a:rPr lang="en-US" dirty="0" smtClean="0"/>
+              <a:rPr lang="en-US" dirty="0"/>
               <a:t>Andrea Arcuri</a:t>
             </a:r>
-            <a:endParaRPr lang="en-US" dirty="0"/>
           </a:p>
         </p:txBody>
       </p:sp>
@@ -3223,13 +3217,6 @@
     <a:masterClrMapping/>
   </p:clrMapOvr>
   <p:transition spd="med"/>
-  <p:timing>
-    <p:tnLst>
-      <p:par>
-        <p:cTn id="1" dur="indefinite" restart="never" nodeType="tmRoot"/>
-      </p:par>
-    </p:tnLst>
-  </p:timing>
 </p:sld>
 </file>
 
@@ -3266,10 +3253,9 @@
           <a:lstStyle/>
           <a:p>
             <a:r>
-              <a:rPr lang="en-US" dirty="0" smtClean="0"/>
+              <a:rPr lang="en-US" dirty="0"/>
               <a:t>Anonymous Classes</a:t>
             </a:r>
-            <a:endParaRPr lang="en-US" dirty="0"/>
           </a:p>
         </p:txBody>
       </p:sp>
@@ -3296,34 +3282,33 @@
           <a:lstStyle/>
           <a:p>
             <a:r>
-              <a:rPr lang="en-US" dirty="0" smtClean="0"/>
+              <a:rPr lang="en-US" dirty="0"/>
               <a:t>Because interfaces, need to create concrete instances with our implementations</a:t>
             </a:r>
           </a:p>
           <a:p>
             <a:r>
-              <a:rPr lang="en-US" dirty="0" smtClean="0"/>
+              <a:rPr lang="en-US" dirty="0"/>
               <a:t>If used only once, can create class on the fly</a:t>
             </a:r>
           </a:p>
           <a:p>
             <a:r>
-              <a:rPr lang="en-US" dirty="0" smtClean="0"/>
+              <a:rPr lang="en-US" dirty="0"/>
               <a:t>Note that </a:t>
             </a:r>
             <a:r>
-              <a:rPr lang="en-US" i="1" dirty="0" smtClean="0"/>
+              <a:rPr lang="en-US" i="1" dirty="0"/>
               <a:t>Consumer</a:t>
             </a:r>
             <a:r>
-              <a:rPr lang="en-US" dirty="0" smtClean="0"/>
+              <a:rPr lang="en-US" dirty="0"/>
               <a:t> is an interface with method </a:t>
             </a:r>
             <a:r>
-              <a:rPr lang="en-US" i="1" dirty="0" smtClean="0"/>
+              <a:rPr lang="en-US" i="1" dirty="0"/>
               <a:t>accept()</a:t>
             </a:r>
-            <a:endParaRPr lang="en-US" i="1" dirty="0"/>
           </a:p>
         </p:txBody>
       </p:sp>
@@ -3398,7 +3383,7 @@
               <a:tabLst/>
             </a:pPr>
             <a:r>
-              <a:rPr kumimoji="0" lang="en-US" altLang="en-US" sz="2800" b="0" i="0" u="none" strike="noStrike" cap="none" normalizeH="0" baseline="0" dirty="0" smtClean="0">
+              <a:rPr kumimoji="0" lang="en-US" altLang="en-US" sz="2800" b="0" i="0" u="none" strike="noStrike" cap="none" normalizeH="0" baseline="0" dirty="0">
                 <a:ln>
                   <a:noFill/>
                 </a:ln>
@@ -3412,7 +3397,7 @@
               <a:t>Consumer&lt;String&gt; </a:t>
             </a:r>
             <a:r>
-              <a:rPr kumimoji="0" lang="en-US" altLang="en-US" sz="2800" b="0" i="0" u="none" strike="noStrike" cap="none" normalizeH="0" baseline="0" dirty="0" err="1" smtClean="0">
+              <a:rPr kumimoji="0" lang="en-US" altLang="en-US" sz="2800" b="0" i="0" u="none" strike="noStrike" cap="none" normalizeH="0" baseline="0" dirty="0" err="1">
                 <a:ln>
                   <a:noFill/>
                 </a:ln>
@@ -3426,7 +3411,7 @@
               <a:t>anonymousClass</a:t>
             </a:r>
             <a:r>
-              <a:rPr kumimoji="0" lang="en-US" altLang="en-US" sz="2800" b="0" i="0" u="none" strike="noStrike" cap="none" normalizeH="0" baseline="0" dirty="0" smtClean="0">
+              <a:rPr kumimoji="0" lang="en-US" altLang="en-US" sz="2800" b="0" i="0" u="none" strike="noStrike" cap="none" normalizeH="0" baseline="0" dirty="0">
                 <a:ln>
                   <a:noFill/>
                 </a:ln>
@@ -3440,7 +3425,7 @@
               <a:t> = </a:t>
             </a:r>
             <a:r>
-              <a:rPr kumimoji="0" lang="en-US" altLang="en-US" sz="2800" b="1" i="0" u="none" strike="noStrike" cap="none" normalizeH="0" baseline="0" dirty="0" smtClean="0">
+              <a:rPr kumimoji="0" lang="en-US" altLang="en-US" sz="2800" b="1" i="0" u="none" strike="noStrike" cap="none" normalizeH="0" baseline="0" dirty="0">
                 <a:ln>
                   <a:noFill/>
                 </a:ln>
@@ -3454,7 +3439,7 @@
               <a:t>new </a:t>
             </a:r>
             <a:r>
-              <a:rPr kumimoji="0" lang="en-US" altLang="en-US" sz="2800" b="0" i="0" u="none" strike="noStrike" cap="none" normalizeH="0" baseline="0" dirty="0" smtClean="0">
+              <a:rPr kumimoji="0" lang="en-US" altLang="en-US" sz="2800" b="0" i="0" u="none" strike="noStrike" cap="none" normalizeH="0" baseline="0" dirty="0">
                 <a:ln>
                   <a:noFill/>
                 </a:ln>
@@ -3468,7 +3453,7 @@
               <a:t>Consumer&lt;String&gt;() {</a:t>
             </a:r>
             <a:br>
-              <a:rPr kumimoji="0" lang="en-US" altLang="en-US" sz="2800" b="0" i="0" u="none" strike="noStrike" cap="none" normalizeH="0" baseline="0" dirty="0" smtClean="0">
+              <a:rPr kumimoji="0" lang="en-US" altLang="en-US" sz="2800" b="0" i="0" u="none" strike="noStrike" cap="none" normalizeH="0" baseline="0" dirty="0">
                 <a:ln>
                   <a:noFill/>
                 </a:ln>
@@ -3481,7 +3466,7 @@
               </a:rPr>
             </a:br>
             <a:r>
-              <a:rPr kumimoji="0" lang="en-US" altLang="en-US" sz="2800" b="0" i="0" u="none" strike="noStrike" cap="none" normalizeH="0" baseline="0" dirty="0" smtClean="0">
+              <a:rPr kumimoji="0" lang="en-US" altLang="en-US" sz="2800" b="0" i="0" u="none" strike="noStrike" cap="none" normalizeH="0" baseline="0" dirty="0">
                 <a:ln>
                   <a:noFill/>
                 </a:ln>
@@ -3495,7 +3480,7 @@
               <a:t>    </a:t>
             </a:r>
             <a:r>
-              <a:rPr kumimoji="0" lang="en-US" altLang="en-US" sz="2800" b="1" i="0" u="none" strike="noStrike" cap="none" normalizeH="0" baseline="0" dirty="0" smtClean="0">
+              <a:rPr kumimoji="0" lang="en-US" altLang="en-US" sz="2800" b="1" i="0" u="none" strike="noStrike" cap="none" normalizeH="0" baseline="0" dirty="0">
                 <a:ln>
                   <a:noFill/>
                 </a:ln>
@@ -3509,7 +3494,7 @@
               <a:t>@Override</a:t>
             </a:r>
             <a:br>
-              <a:rPr kumimoji="0" lang="en-US" altLang="en-US" sz="2800" b="1" i="0" u="none" strike="noStrike" cap="none" normalizeH="0" baseline="0" dirty="0" smtClean="0">
+              <a:rPr kumimoji="0" lang="en-US" altLang="en-US" sz="2800" b="1" i="0" u="none" strike="noStrike" cap="none" normalizeH="0" baseline="0" dirty="0">
                 <a:ln>
                   <a:noFill/>
                 </a:ln>
@@ -3522,7 +3507,7 @@
               </a:rPr>
             </a:br>
             <a:r>
-              <a:rPr kumimoji="0" lang="en-US" altLang="en-US" sz="2800" b="1" i="0" u="none" strike="noStrike" cap="none" normalizeH="0" baseline="0" dirty="0" smtClean="0">
+              <a:rPr kumimoji="0" lang="en-US" altLang="en-US" sz="2800" b="1" i="0" u="none" strike="noStrike" cap="none" normalizeH="0" baseline="0" dirty="0">
                 <a:ln>
                   <a:noFill/>
                 </a:ln>
@@ -3536,7 +3521,7 @@
               <a:t>    </a:t>
             </a:r>
             <a:r>
-              <a:rPr kumimoji="0" lang="en-US" altLang="en-US" sz="2800" b="1" i="0" u="none" strike="noStrike" cap="none" normalizeH="0" baseline="0" dirty="0" smtClean="0">
+              <a:rPr kumimoji="0" lang="en-US" altLang="en-US" sz="2800" b="1" i="0" u="none" strike="noStrike" cap="none" normalizeH="0" baseline="0" dirty="0">
                 <a:ln>
                   <a:noFill/>
                 </a:ln>
@@ -3550,7 +3535,7 @@
               <a:t>public void </a:t>
             </a:r>
             <a:r>
-              <a:rPr kumimoji="0" lang="en-US" altLang="en-US" sz="2800" b="0" i="0" u="none" strike="noStrike" cap="none" normalizeH="0" baseline="0" dirty="0" smtClean="0">
+              <a:rPr kumimoji="0" lang="en-US" altLang="en-US" sz="2800" b="0" i="0" u="none" strike="noStrike" cap="none" normalizeH="0" baseline="0" dirty="0">
                 <a:ln>
                   <a:noFill/>
                 </a:ln>
@@ -3564,7 +3549,7 @@
               <a:t>accept(String s) {</a:t>
             </a:r>
             <a:br>
-              <a:rPr kumimoji="0" lang="en-US" altLang="en-US" sz="2800" b="0" i="0" u="none" strike="noStrike" cap="none" normalizeH="0" baseline="0" dirty="0" smtClean="0">
+              <a:rPr kumimoji="0" lang="en-US" altLang="en-US" sz="2800" b="0" i="0" u="none" strike="noStrike" cap="none" normalizeH="0" baseline="0" dirty="0">
                 <a:ln>
                   <a:noFill/>
                 </a:ln>
@@ -3577,7 +3562,7 @@
               </a:rPr>
             </a:br>
             <a:r>
-              <a:rPr kumimoji="0" lang="en-US" altLang="en-US" sz="2800" b="0" i="0" u="none" strike="noStrike" cap="none" normalizeH="0" baseline="0" dirty="0" smtClean="0">
+              <a:rPr kumimoji="0" lang="en-US" altLang="en-US" sz="2800" b="0" i="0" u="none" strike="noStrike" cap="none" normalizeH="0" baseline="0" dirty="0">
                 <a:ln>
                   <a:noFill/>
                 </a:ln>
@@ -3591,7 +3576,7 @@
               <a:t>        //your code here</a:t>
             </a:r>
             <a:br>
-              <a:rPr kumimoji="0" lang="en-US" altLang="en-US" sz="2800" b="0" i="0" u="none" strike="noStrike" cap="none" normalizeH="0" baseline="0" dirty="0" smtClean="0">
+              <a:rPr kumimoji="0" lang="en-US" altLang="en-US" sz="2800" b="0" i="0" u="none" strike="noStrike" cap="none" normalizeH="0" baseline="0" dirty="0">
                 <a:ln>
                   <a:noFill/>
                 </a:ln>
@@ -3604,7 +3589,7 @@
               </a:rPr>
             </a:br>
             <a:r>
-              <a:rPr kumimoji="0" lang="en-US" altLang="en-US" sz="2800" b="0" i="0" u="none" strike="noStrike" cap="none" normalizeH="0" baseline="0" dirty="0" smtClean="0">
+              <a:rPr kumimoji="0" lang="en-US" altLang="en-US" sz="2800" b="0" i="0" u="none" strike="noStrike" cap="none" normalizeH="0" baseline="0" dirty="0">
                 <a:ln>
                   <a:noFill/>
                 </a:ln>
@@ -3618,7 +3603,7 @@
               <a:t>    }</a:t>
             </a:r>
             <a:br>
-              <a:rPr kumimoji="0" lang="en-US" altLang="en-US" sz="2800" b="0" i="0" u="none" strike="noStrike" cap="none" normalizeH="0" baseline="0" dirty="0" smtClean="0">
+              <a:rPr kumimoji="0" lang="en-US" altLang="en-US" sz="2800" b="0" i="0" u="none" strike="noStrike" cap="none" normalizeH="0" baseline="0" dirty="0">
                 <a:ln>
                   <a:noFill/>
                 </a:ln>
@@ -3631,7 +3616,7 @@
               </a:rPr>
             </a:br>
             <a:r>
-              <a:rPr kumimoji="0" lang="en-US" altLang="en-US" sz="2800" b="0" i="0" u="none" strike="noStrike" cap="none" normalizeH="0" baseline="0" dirty="0" smtClean="0">
+              <a:rPr kumimoji="0" lang="en-US" altLang="en-US" sz="2800" b="0" i="0" u="none" strike="noStrike" cap="none" normalizeH="0" baseline="0" dirty="0">
                 <a:ln>
                   <a:noFill/>
                 </a:ln>
@@ -3644,7 +3629,7 @@
               </a:rPr>
               <a:t>};</a:t>
             </a:r>
-            <a:endParaRPr kumimoji="0" lang="en-US" altLang="en-US" sz="2400" b="0" i="0" u="none" strike="noStrike" cap="none" normalizeH="0" baseline="0" dirty="0" smtClean="0">
+            <a:endParaRPr kumimoji="0" lang="en-US" altLang="en-US" sz="2400" b="0" i="0" u="none" strike="noStrike" cap="none" normalizeH="0" baseline="0" dirty="0">
               <a:ln>
                 <a:noFill/>
               </a:ln>
@@ -3704,10 +3689,9 @@
           <a:lstStyle/>
           <a:p>
             <a:r>
-              <a:rPr lang="en-US" dirty="0" smtClean="0"/>
+              <a:rPr lang="en-US" dirty="0"/>
               <a:t>Lambdas</a:t>
             </a:r>
-            <a:endParaRPr lang="en-US" dirty="0"/>
           </a:p>
         </p:txBody>
       </p:sp>
@@ -3732,23 +3716,23 @@
           <a:lstStyle/>
           <a:p>
             <a:r>
-              <a:rPr lang="en-US" dirty="0" smtClean="0"/>
+              <a:rPr lang="en-US" dirty="0"/>
               <a:t>Anonymous classes work fine, but are tedious to write</a:t>
             </a:r>
           </a:p>
           <a:p>
             <a:r>
-              <a:rPr lang="en-US" i="1" dirty="0" smtClean="0"/>
+              <a:rPr lang="en-US" i="1" dirty="0"/>
               <a:t>Lambdas</a:t>
             </a:r>
             <a:r>
-              <a:rPr lang="en-US" dirty="0" smtClean="0"/>
+              <a:rPr lang="en-US" dirty="0"/>
               <a:t>: syntax sugar to reduce boilerplate</a:t>
             </a:r>
           </a:p>
           <a:p>
             <a:r>
-              <a:rPr lang="en-US" dirty="0" smtClean="0"/>
+              <a:rPr lang="en-US" dirty="0"/>
               <a:t>Java compiler is aware of the interfaces in </a:t>
             </a:r>
             <a:r>
@@ -3793,14 +3777,7 @@
                 <a:latin typeface="Courier New" panose="02070309020205020404" pitchFamily="49" charset="0"/>
                 <a:cs typeface="Courier New" panose="02070309020205020404" pitchFamily="49" charset="0"/>
               </a:rPr>
-              <a:t>Consumer&lt;String&gt; </a:t>
-            </a:r>
-            <a:r>
-              <a:rPr lang="en-US" altLang="en-US" sz="3200" dirty="0" smtClean="0">
-                <a:latin typeface="Courier New" panose="02070309020205020404" pitchFamily="49" charset="0"/>
-                <a:cs typeface="Courier New" panose="02070309020205020404" pitchFamily="49" charset="0"/>
-              </a:rPr>
-              <a:t>lambda = s -&gt; {/* your code */}</a:t>
+              <a:t>Consumer&lt;String&gt; lambda = s -&gt; {/* your code */}</a:t>
             </a:r>
           </a:p>
           <a:p>
@@ -3813,7 +3790,7 @@
               </a:spcAft>
             </a:pPr>
             <a:r>
-              <a:rPr lang="en-US" altLang="en-US" sz="3200" dirty="0" smtClean="0">
+              <a:rPr lang="en-US" altLang="en-US" sz="3200" dirty="0">
                 <a:solidFill>
                   <a:schemeClr val="tx1"/>
                 </a:solidFill>
@@ -3878,10 +3855,9 @@
           <a:lstStyle/>
           <a:p>
             <a:r>
-              <a:rPr lang="en-US" dirty="0" smtClean="0"/>
+              <a:rPr lang="en-US" dirty="0"/>
               <a:t>() -&gt; {}</a:t>
             </a:r>
-            <a:endParaRPr lang="en-US" dirty="0"/>
           </a:p>
         </p:txBody>
       </p:sp>
@@ -3906,15 +3882,15 @@
           <a:lstStyle/>
           <a:p>
             <a:r>
-              <a:rPr lang="en-US" dirty="0" smtClean="0"/>
+              <a:rPr lang="en-US" dirty="0"/>
               <a:t>Left-side: the input parameter name(s), with </a:t>
             </a:r>
             <a:r>
-              <a:rPr lang="en-US" b="1" dirty="0" smtClean="0"/>
+              <a:rPr lang="en-US" b="1" dirty="0"/>
               <a:t>()</a:t>
             </a:r>
             <a:r>
-              <a:rPr lang="en-US" dirty="0" smtClean="0"/>
+              <a:rPr lang="en-US" dirty="0"/>
               <a:t> if none</a:t>
             </a:r>
           </a:p>
@@ -3922,69 +3898,64 @@
             <a:pPr lvl="1"/>
             <a:r>
               <a:rPr lang="en-US" dirty="0"/>
-              <a:t>c</a:t>
-            </a:r>
-            <a:r>
-              <a:rPr lang="en-US" dirty="0" smtClean="0"/>
-              <a:t>an choose the names you want, but usually a single letter</a:t>
-            </a:r>
-          </a:p>
-          <a:p>
-            <a:r>
-              <a:rPr lang="en-US" dirty="0" smtClean="0"/>
+              <a:t>can choose the names you want, but usually a single letter</a:t>
+            </a:r>
+          </a:p>
+          <a:p>
+            <a:r>
+              <a:rPr lang="en-US" dirty="0"/>
               <a:t>Right-side: the instruction to execute. If more than one, should be in a </a:t>
             </a:r>
             <a:r>
-              <a:rPr lang="en-US" b="1" dirty="0" smtClean="0"/>
+              <a:rPr lang="en-US" b="1" dirty="0"/>
               <a:t>{}</a:t>
             </a:r>
             <a:r>
-              <a:rPr lang="en-US" dirty="0" smtClean="0"/>
+              <a:rPr lang="en-US" dirty="0"/>
               <a:t> block</a:t>
             </a:r>
           </a:p>
           <a:p>
             <a:r>
-              <a:rPr lang="en-US" dirty="0" smtClean="0"/>
+              <a:rPr lang="en-US" dirty="0"/>
               <a:t>Based on input/output types, the compiler will automatically create the right class, </a:t>
             </a:r>
             <a:r>
-              <a:rPr lang="en-US" dirty="0" err="1" smtClean="0"/>
+              <a:rPr lang="en-US" dirty="0" err="1"/>
               <a:t>eg</a:t>
             </a:r>
             <a:r>
-              <a:rPr lang="en-US" dirty="0" smtClean="0"/>
+              <a:rPr lang="en-US" dirty="0"/>
               <a:t> </a:t>
             </a:r>
             <a:r>
-              <a:rPr lang="en-US" i="1" dirty="0" smtClean="0"/>
+              <a:rPr lang="en-US" i="1" dirty="0"/>
               <a:t>Runnable</a:t>
             </a:r>
             <a:r>
-              <a:rPr lang="en-US" dirty="0" smtClean="0"/>
+              <a:rPr lang="en-US" dirty="0"/>
               <a:t>, </a:t>
             </a:r>
             <a:r>
-              <a:rPr lang="en-US" i="1" dirty="0" smtClean="0"/>
+              <a:rPr lang="en-US" i="1" dirty="0"/>
               <a:t>Consumer</a:t>
             </a:r>
             <a:r>
-              <a:rPr lang="en-US" dirty="0" smtClean="0"/>
+              <a:rPr lang="en-US" dirty="0"/>
               <a:t>, </a:t>
             </a:r>
             <a:r>
-              <a:rPr lang="en-US" i="1" dirty="0" smtClean="0"/>
+              <a:rPr lang="en-US" i="1" dirty="0"/>
               <a:t>Predicate</a:t>
             </a:r>
             <a:r>
-              <a:rPr lang="en-US" dirty="0" smtClean="0"/>
+              <a:rPr lang="en-US" dirty="0"/>
               <a:t> or </a:t>
             </a:r>
             <a:r>
-              <a:rPr lang="en-US" i="1" dirty="0" smtClean="0"/>
+              <a:rPr lang="en-US" i="1" dirty="0"/>
               <a:t>Function</a:t>
             </a:r>
-            <a:endParaRPr lang="en-US" i="1" dirty="0"/>
           </a:p>
         </p:txBody>
       </p:sp>
@@ -4035,10 +4006,9 @@
           <a:lstStyle/>
           <a:p>
             <a:r>
-              <a:rPr lang="en-US" dirty="0" smtClean="0"/>
+              <a:rPr lang="en-US" dirty="0"/>
               <a:t>Streams</a:t>
             </a:r>
-            <a:endParaRPr lang="en-US" dirty="0"/>
           </a:p>
         </p:txBody>
       </p:sp>
@@ -4089,10 +4059,9 @@
           <a:lstStyle/>
           <a:p>
             <a:r>
-              <a:rPr lang="en-US" dirty="0" smtClean="0"/>
+              <a:rPr lang="en-US" dirty="0"/>
               <a:t>Iterators + Lambdas</a:t>
             </a:r>
-            <a:endParaRPr lang="en-US" dirty="0"/>
           </a:p>
         </p:txBody>
       </p:sp>
@@ -4117,38 +4086,37 @@
           <a:lstStyle/>
           <a:p>
             <a:r>
-              <a:rPr lang="en-US" dirty="0" smtClean="0"/>
+              <a:rPr lang="en-US" dirty="0"/>
               <a:t>When a container has an iterator, and once we can write custom code in lambda expressions, we can introduce the concept of </a:t>
             </a:r>
             <a:r>
-              <a:rPr lang="en-US" b="1" dirty="0" smtClean="0"/>
+              <a:rPr lang="en-US" b="1" dirty="0"/>
               <a:t>Stream</a:t>
             </a:r>
           </a:p>
           <a:p>
             <a:r>
-              <a:rPr lang="en-US" dirty="0" smtClean="0"/>
+              <a:rPr lang="en-US" dirty="0"/>
               <a:t>The idea is that we can iterate over all elements in collection, and </a:t>
             </a:r>
             <a:r>
-              <a:rPr lang="en-US" i="1" dirty="0" smtClean="0"/>
+              <a:rPr lang="en-US" i="1" dirty="0"/>
               <a:t>easily</a:t>
             </a:r>
             <a:r>
-              <a:rPr lang="en-US" dirty="0" smtClean="0"/>
+              <a:rPr lang="en-US" dirty="0"/>
               <a:t> execute code in sequence on each of the elements</a:t>
             </a:r>
           </a:p>
           <a:p>
             <a:r>
-              <a:rPr lang="en-US" i="1" dirty="0" smtClean="0"/>
+              <a:rPr lang="en-US" i="1" dirty="0"/>
               <a:t>This can drastically reduce the amount of code you write, and easier to understand</a:t>
             </a:r>
             <a:r>
-              <a:rPr lang="en-US" dirty="0" smtClean="0"/>
+              <a:rPr lang="en-US" dirty="0"/>
               <a:t> (once you get familiar with it)</a:t>
             </a:r>
-            <a:endParaRPr lang="en-US" dirty="0"/>
           </a:p>
         </p:txBody>
       </p:sp>
@@ -4199,10 +4167,9 @@
           <a:lstStyle/>
           <a:p>
             <a:r>
-              <a:rPr lang="en-US" dirty="0" smtClean="0"/>
+              <a:rPr lang="en-US" dirty="0"/>
               <a:t>Stream / Pipeline</a:t>
             </a:r>
-            <a:endParaRPr lang="en-US" dirty="0"/>
           </a:p>
         </p:txBody>
       </p:sp>
@@ -4234,15 +4201,15 @@
               </a:spcBef>
             </a:pPr>
             <a:r>
-              <a:rPr lang="en-US" dirty="0" smtClean="0"/>
+              <a:rPr lang="en-US" dirty="0"/>
               <a:t>At each pipe, the elements can be transformed and/or blocked (</a:t>
             </a:r>
             <a:r>
-              <a:rPr lang="en-US" dirty="0" err="1" smtClean="0"/>
+              <a:rPr lang="en-US" dirty="0" err="1"/>
               <a:t>ie</a:t>
             </a:r>
             <a:r>
-              <a:rPr lang="en-US" dirty="0" smtClean="0"/>
+              <a:rPr lang="en-US" dirty="0"/>
               <a:t> not going to next pipe)</a:t>
             </a:r>
           </a:p>
@@ -4253,18 +4220,17 @@
               </a:spcBef>
             </a:pPr>
             <a:r>
-              <a:rPr lang="en-US" dirty="0" smtClean="0"/>
+              <a:rPr lang="en-US" dirty="0"/>
               <a:t>At the end of the stream, we need a </a:t>
             </a:r>
             <a:r>
-              <a:rPr lang="en-US" i="1" dirty="0" smtClean="0"/>
+              <a:rPr lang="en-US" i="1" dirty="0"/>
               <a:t>collector</a:t>
             </a:r>
             <a:r>
-              <a:rPr lang="en-US" dirty="0" smtClean="0"/>
+              <a:rPr lang="en-US" dirty="0"/>
               <a:t>, which defines what to do with elements that arrive at the end of the pipeline</a:t>
             </a:r>
-            <a:endParaRPr lang="en-US" dirty="0"/>
           </a:p>
         </p:txBody>
       </p:sp>
@@ -4442,7 +4408,7 @@
           </a:bodyPr>
           <a:lstStyle/>
           <a:p>
-            <a:endParaRPr kumimoji="0" lang="en-US" sz="3200" b="0" i="0" u="none" strike="noStrike" cap="none" spc="0" normalizeH="0" baseline="0" dirty="0" smtClean="0">
+            <a:endParaRPr kumimoji="0" lang="en-US" sz="3200" b="0" i="0" u="none" strike="noStrike" cap="none" spc="0" normalizeH="0" baseline="0" dirty="0">
               <a:ln>
                 <a:noFill/>
               </a:ln>
@@ -4510,7 +4476,7 @@
           </a:bodyPr>
           <a:lstStyle/>
           <a:p>
-            <a:endParaRPr kumimoji="0" lang="en-US" sz="3200" b="0" i="0" u="none" strike="noStrike" cap="none" spc="0" normalizeH="0" baseline="0" dirty="0" smtClean="0">
+            <a:endParaRPr kumimoji="0" lang="en-US" sz="3200" b="0" i="0" u="none" strike="noStrike" cap="none" spc="0" normalizeH="0" baseline="0" dirty="0">
               <a:ln>
                 <a:noFill/>
               </a:ln>
@@ -4584,7 +4550,7 @@
               <a:tabLst/>
             </a:pPr>
             <a:r>
-              <a:rPr kumimoji="0" lang="en-US" sz="3600" b="0" i="0" u="none" strike="noStrike" cap="none" spc="0" normalizeH="0" baseline="0" dirty="0" smtClean="0">
+              <a:rPr kumimoji="0" lang="en-US" sz="3600" b="0" i="0" u="none" strike="noStrike" cap="none" spc="0" normalizeH="0" baseline="0" dirty="0">
                 <a:ln>
                   <a:noFill/>
                 </a:ln>
@@ -4619,7 +4585,7 @@
               <a:tabLst/>
             </a:pPr>
             <a:r>
-              <a:rPr kumimoji="0" lang="en-US" sz="3600" b="0" i="0" u="none" strike="noStrike" cap="none" spc="0" normalizeH="0" baseline="0" dirty="0" smtClean="0">
+              <a:rPr kumimoji="0" lang="en-US" sz="3600" b="0" i="0" u="none" strike="noStrike" cap="none" spc="0" normalizeH="0" baseline="0" dirty="0">
                 <a:ln>
                   <a:noFill/>
                 </a:ln>
@@ -4635,20 +4601,6 @@
               </a:rPr>
               <a:t>Structure</a:t>
             </a:r>
-            <a:endParaRPr kumimoji="0" lang="en-US" sz="3600" b="0" i="0" u="none" strike="noStrike" cap="none" spc="0" normalizeH="0" baseline="0" dirty="0">
-              <a:ln>
-                <a:noFill/>
-              </a:ln>
-              <a:solidFill>
-                <a:srgbClr val="000000"/>
-              </a:solidFill>
-              <a:effectLst/>
-              <a:uFillTx/>
-              <a:latin typeface="+mn-lt"/>
-              <a:ea typeface="+mn-ea"/>
-              <a:cs typeface="+mn-cs"/>
-              <a:sym typeface="Helvetica Light"/>
-            </a:endParaRPr>
           </a:p>
         </p:txBody>
       </p:sp>
@@ -4709,7 +4661,7 @@
               <a:tabLst/>
             </a:pPr>
             <a:r>
-              <a:rPr kumimoji="0" lang="en-US" sz="3600" b="0" i="0" u="none" strike="noStrike" cap="none" spc="0" normalizeH="0" baseline="0" dirty="0" smtClean="0">
+              <a:rPr kumimoji="0" lang="en-US" sz="3600" b="0" i="0" u="none" strike="noStrike" cap="none" spc="0" normalizeH="0" baseline="0" dirty="0">
                 <a:ln>
                   <a:noFill/>
                 </a:ln>
@@ -4725,20 +4677,6 @@
               </a:rPr>
               <a:t>Collector</a:t>
             </a:r>
-            <a:endParaRPr kumimoji="0" lang="en-US" sz="3600" b="0" i="0" u="none" strike="noStrike" cap="none" spc="0" normalizeH="0" baseline="0" dirty="0">
-              <a:ln>
-                <a:noFill/>
-              </a:ln>
-              <a:solidFill>
-                <a:srgbClr val="000000"/>
-              </a:solidFill>
-              <a:effectLst/>
-              <a:uFillTx/>
-              <a:latin typeface="+mn-lt"/>
-              <a:ea typeface="+mn-ea"/>
-              <a:cs typeface="+mn-cs"/>
-              <a:sym typeface="Helvetica Light"/>
-            </a:endParaRPr>
           </a:p>
         </p:txBody>
       </p:sp>
@@ -4961,7 +4899,7 @@
               <a:tabLst/>
             </a:pPr>
             <a:r>
-              <a:rPr kumimoji="0" lang="en-US" sz="3200" b="0" i="0" u="none" strike="noStrike" cap="none" spc="0" normalizeH="0" baseline="0" dirty="0" smtClean="0">
+              <a:rPr kumimoji="0" lang="en-US" sz="3200" b="0" i="0" u="none" strike="noStrike" cap="none" spc="0" normalizeH="0" baseline="0" dirty="0">
                 <a:ln>
                   <a:noFill/>
                 </a:ln>
@@ -4978,7 +4916,7 @@
               <a:t>Pipe</a:t>
             </a:r>
             <a:r>
-              <a:rPr kumimoji="0" lang="en-US" sz="3200" b="0" i="0" u="none" strike="noStrike" cap="none" spc="0" normalizeH="0" dirty="0" smtClean="0">
+              <a:rPr kumimoji="0" lang="en-US" sz="3200" b="0" i="0" u="none" strike="noStrike" cap="none" spc="0" normalizeH="0" dirty="0">
                 <a:ln>
                   <a:noFill/>
                 </a:ln>
@@ -5068,7 +5006,7 @@
               <a:tabLst/>
             </a:pPr>
             <a:r>
-              <a:rPr kumimoji="0" lang="en-US" sz="3200" b="0" i="0" u="none" strike="noStrike" cap="none" spc="0" normalizeH="0" baseline="0" dirty="0" smtClean="0">
+              <a:rPr kumimoji="0" lang="en-US" sz="3200" b="0" i="0" u="none" strike="noStrike" cap="none" spc="0" normalizeH="0" baseline="0" dirty="0">
                 <a:ln>
                   <a:noFill/>
                 </a:ln>
@@ -5085,7 +5023,7 @@
               <a:t>Pipe</a:t>
             </a:r>
             <a:r>
-              <a:rPr kumimoji="0" lang="en-US" sz="3200" b="0" i="0" u="none" strike="noStrike" cap="none" spc="0" normalizeH="0" dirty="0" smtClean="0">
+              <a:rPr kumimoji="0" lang="en-US" sz="3200" b="0" i="0" u="none" strike="noStrike" cap="none" spc="0" normalizeH="0" dirty="0">
                 <a:ln>
                   <a:noFill/>
                 </a:ln>
@@ -5175,7 +5113,7 @@
               <a:tabLst/>
             </a:pPr>
             <a:r>
-              <a:rPr kumimoji="0" lang="en-US" sz="3200" b="0" i="0" u="none" strike="noStrike" cap="none" spc="0" normalizeH="0" baseline="0" dirty="0" smtClean="0">
+              <a:rPr kumimoji="0" lang="en-US" sz="3200" b="0" i="0" u="none" strike="noStrike" cap="none" spc="0" normalizeH="0" baseline="0" dirty="0">
                 <a:ln>
                   <a:noFill/>
                 </a:ln>
@@ -5192,7 +5130,7 @@
               <a:t>Pipe</a:t>
             </a:r>
             <a:r>
-              <a:rPr kumimoji="0" lang="en-US" sz="3200" b="0" i="0" u="none" strike="noStrike" cap="none" spc="0" normalizeH="0" dirty="0" smtClean="0">
+              <a:rPr kumimoji="0" lang="en-US" sz="3200" b="0" i="0" u="none" strike="noStrike" cap="none" spc="0" normalizeH="0" dirty="0">
                 <a:ln>
                   <a:noFill/>
                 </a:ln>
@@ -5282,7 +5220,7 @@
               <a:tabLst/>
             </a:pPr>
             <a:r>
-              <a:rPr lang="en-US" sz="3200" dirty="0" smtClean="0"/>
+              <a:rPr lang="en-US" sz="3200" dirty="0"/>
               <a:t>Open Stream</a:t>
             </a:r>
             <a:endParaRPr kumimoji="0" lang="en-US" sz="3200" b="0" i="0" u="none" strike="noStrike" cap="none" spc="0" normalizeH="0" baseline="0" dirty="0">
@@ -5390,10 +5328,9 @@
           <a:lstStyle/>
           <a:p>
             <a:r>
-              <a:rPr lang="en-US" dirty="0" smtClean="0"/>
+              <a:rPr lang="en-US" dirty="0"/>
               <a:t>Type of Pipes</a:t>
             </a:r>
-            <a:endParaRPr lang="en-US" dirty="0"/>
           </a:p>
         </p:txBody>
       </p:sp>
@@ -5413,52 +5350,51 @@
           <a:lstStyle/>
           <a:p>
             <a:r>
-              <a:rPr lang="en-US" i="1" dirty="0" smtClean="0"/>
+              <a:rPr lang="en-US" i="1" dirty="0"/>
               <a:t>Filter</a:t>
             </a:r>
             <a:r>
-              <a:rPr lang="en-US" dirty="0" smtClean="0"/>
+              <a:rPr lang="en-US" dirty="0"/>
               <a:t>: take as input a </a:t>
             </a:r>
             <a:r>
-              <a:rPr lang="en-US" i="1" dirty="0" smtClean="0"/>
+              <a:rPr lang="en-US" i="1" dirty="0"/>
               <a:t>Predicate&lt;T&gt;</a:t>
             </a:r>
             <a:r>
-              <a:rPr lang="en-US" dirty="0" smtClean="0"/>
+              <a:rPr lang="en-US" dirty="0"/>
               <a:t>, and based on that decide if elements propagate to next pipe</a:t>
             </a:r>
           </a:p>
           <a:p>
             <a:r>
-              <a:rPr lang="en-US" i="1" dirty="0" smtClean="0"/>
+              <a:rPr lang="en-US" i="1" dirty="0"/>
               <a:t>Map</a:t>
             </a:r>
             <a:r>
-              <a:rPr lang="en-US" dirty="0" smtClean="0"/>
+              <a:rPr lang="en-US" dirty="0"/>
               <a:t>: transform input, and also change type, based on a </a:t>
             </a:r>
             <a:r>
-              <a:rPr lang="en-US" i="1" dirty="0" smtClean="0"/>
+              <a:rPr lang="en-US" i="1" dirty="0"/>
               <a:t>Function&lt;T,R&gt;  </a:t>
             </a:r>
           </a:p>
           <a:p>
             <a:r>
-              <a:rPr lang="en-US" i="1" dirty="0" err="1" smtClean="0"/>
+              <a:rPr lang="en-US" i="1" dirty="0" err="1"/>
               <a:t>FlatMap</a:t>
             </a:r>
             <a:r>
-              <a:rPr lang="en-US" dirty="0" smtClean="0"/>
+              <a:rPr lang="en-US" dirty="0"/>
               <a:t>: get a stream from input element, and flatten it into the current stream (examples later) </a:t>
             </a:r>
           </a:p>
           <a:p>
             <a:r>
-              <a:rPr lang="en-US" dirty="0" smtClean="0"/>
+              <a:rPr lang="en-US" dirty="0"/>
               <a:t>There are more, but these are the main ones we will see in details</a:t>
             </a:r>
-            <a:endParaRPr lang="en-US" dirty="0"/>
           </a:p>
         </p:txBody>
       </p:sp>
@@ -5509,10 +5445,9 @@
           <a:lstStyle/>
           <a:p>
             <a:r>
-              <a:rPr lang="en-US" dirty="0" smtClean="0"/>
+              <a:rPr lang="en-US" dirty="0"/>
               <a:t>Filter</a:t>
             </a:r>
-            <a:endParaRPr lang="en-US" dirty="0"/>
           </a:p>
         </p:txBody>
       </p:sp>
@@ -5543,7 +5478,7 @@
                 <a:spcPts val="2400"/>
               </a:spcBef>
             </a:pPr>
-            <a:endParaRPr lang="en-US" dirty="0" smtClean="0"/>
+            <a:endParaRPr lang="en-US" dirty="0"/>
           </a:p>
           <a:p>
             <a:pPr>
@@ -5552,23 +5487,23 @@
               </a:spcBef>
             </a:pPr>
             <a:r>
-              <a:rPr lang="en-US" dirty="0" smtClean="0"/>
+              <a:rPr lang="en-US" dirty="0"/>
               <a:t>Example: </a:t>
             </a:r>
             <a:r>
-              <a:rPr lang="en-US" i="1" dirty="0" err="1" smtClean="0"/>
+              <a:rPr lang="en-US" i="1" dirty="0" err="1"/>
               <a:t>collection.stream</a:t>
             </a:r>
             <a:r>
-              <a:rPr lang="en-US" i="1" dirty="0" smtClean="0"/>
+              <a:rPr lang="en-US" i="1" dirty="0"/>
               <a:t>().filter(s -&gt; </a:t>
             </a:r>
             <a:r>
-              <a:rPr lang="en-US" i="1" dirty="0" err="1" smtClean="0"/>
+              <a:rPr lang="en-US" i="1" dirty="0" err="1"/>
               <a:t>s.length</a:t>
             </a:r>
             <a:r>
-              <a:rPr lang="en-US" i="1" dirty="0" smtClean="0"/>
+              <a:rPr lang="en-US" i="1" dirty="0"/>
               <a:t>() &gt; 3)</a:t>
             </a:r>
           </a:p>
@@ -5579,15 +5514,15 @@
               </a:spcBef>
             </a:pPr>
             <a:r>
-              <a:rPr lang="en-US" dirty="0" smtClean="0"/>
+              <a:rPr lang="en-US" dirty="0"/>
               <a:t>Input/Output: </a:t>
             </a:r>
             <a:r>
-              <a:rPr lang="en-US" i="1" dirty="0" smtClean="0"/>
+              <a:rPr lang="en-US" i="1" dirty="0"/>
               <a:t>String</a:t>
             </a:r>
             <a:r>
-              <a:rPr lang="en-US" dirty="0" smtClean="0"/>
+              <a:rPr lang="en-US" dirty="0"/>
               <a:t>, does not change</a:t>
             </a:r>
           </a:p>
@@ -5598,31 +5533,31 @@
               </a:spcBef>
             </a:pPr>
             <a:r>
-              <a:rPr lang="en-US" dirty="0" smtClean="0"/>
+              <a:rPr lang="en-US" dirty="0"/>
               <a:t>Blocked: “</a:t>
             </a:r>
             <a:r>
-              <a:rPr lang="en-US" i="1" dirty="0" smtClean="0"/>
+              <a:rPr lang="en-US" i="1" dirty="0"/>
               <a:t>a</a:t>
             </a:r>
             <a:r>
-              <a:rPr lang="en-US" dirty="0" smtClean="0"/>
+              <a:rPr lang="en-US" dirty="0"/>
               <a:t>”, “</a:t>
             </a:r>
             <a:r>
-              <a:rPr lang="en-US" i="1" dirty="0" smtClean="0"/>
+              <a:rPr lang="en-US" i="1" dirty="0"/>
               <a:t>foo</a:t>
             </a:r>
             <a:r>
-              <a:rPr lang="en-US" dirty="0" smtClean="0"/>
+              <a:rPr lang="en-US" dirty="0"/>
               <a:t>”, “</a:t>
             </a:r>
             <a:r>
-              <a:rPr lang="en-US" i="1" dirty="0" smtClean="0"/>
+              <a:rPr lang="en-US" i="1" dirty="0"/>
               <a:t>bar</a:t>
             </a:r>
             <a:r>
-              <a:rPr lang="en-US" dirty="0" smtClean="0"/>
+              <a:rPr lang="en-US" dirty="0"/>
               <a:t>”</a:t>
             </a:r>
           </a:p>
@@ -5633,15 +5568,15 @@
               </a:spcBef>
             </a:pPr>
             <a:r>
-              <a:rPr lang="en-US" dirty="0" smtClean="0"/>
+              <a:rPr lang="en-US" dirty="0"/>
               <a:t>Allowed: “</a:t>
             </a:r>
             <a:r>
-              <a:rPr lang="en-US" i="1" dirty="0" smtClean="0"/>
+              <a:rPr lang="en-US" i="1" dirty="0"/>
               <a:t>hello</a:t>
             </a:r>
             <a:r>
-              <a:rPr lang="en-US" dirty="0" smtClean="0"/>
+              <a:rPr lang="en-US" dirty="0"/>
               <a:t>”</a:t>
             </a:r>
           </a:p>
@@ -5652,15 +5587,15 @@
               </a:spcBef>
             </a:pPr>
             <a:r>
-              <a:rPr lang="en-US" dirty="0" smtClean="0"/>
+              <a:rPr lang="en-US" dirty="0"/>
               <a:t>Collector will only get “</a:t>
             </a:r>
             <a:r>
-              <a:rPr lang="en-US" i="1" dirty="0" smtClean="0"/>
+              <a:rPr lang="en-US" i="1" dirty="0"/>
               <a:t>hello</a:t>
             </a:r>
             <a:r>
-              <a:rPr lang="en-US" dirty="0" smtClean="0"/>
+              <a:rPr lang="en-US" dirty="0"/>
               <a:t>”</a:t>
             </a:r>
           </a:p>
@@ -5758,7 +5693,7 @@
           </a:bodyPr>
           <a:lstStyle/>
           <a:p>
-            <a:endParaRPr kumimoji="0" lang="en-US" sz="3200" b="0" i="0" u="none" strike="noStrike" cap="none" spc="0" normalizeH="0" baseline="0" dirty="0" smtClean="0">
+            <a:endParaRPr kumimoji="0" lang="en-US" sz="3200" b="0" i="0" u="none" strike="noStrike" cap="none" spc="0" normalizeH="0" baseline="0" dirty="0">
               <a:ln>
                 <a:noFill/>
               </a:ln>
@@ -5826,7 +5761,7 @@
           </a:bodyPr>
           <a:lstStyle/>
           <a:p>
-            <a:endParaRPr kumimoji="0" lang="en-US" sz="3200" b="0" i="0" u="none" strike="noStrike" cap="none" spc="0" normalizeH="0" baseline="0" dirty="0" smtClean="0">
+            <a:endParaRPr kumimoji="0" lang="en-US" sz="3200" b="0" i="0" u="none" strike="noStrike" cap="none" spc="0" normalizeH="0" baseline="0" dirty="0">
               <a:ln>
                 <a:noFill/>
               </a:ln>
@@ -5900,7 +5835,7 @@
               <a:tabLst/>
             </a:pPr>
             <a:r>
-              <a:rPr kumimoji="0" lang="en-US" sz="3600" b="0" i="0" u="none" strike="noStrike" cap="none" spc="0" normalizeH="0" baseline="0" dirty="0" smtClean="0">
+              <a:rPr kumimoji="0" lang="en-US" sz="3600" b="0" i="0" u="none" strike="noStrike" cap="none" spc="0" normalizeH="0" baseline="0" dirty="0">
                 <a:ln>
                   <a:noFill/>
                 </a:ln>
@@ -5935,7 +5870,7 @@
               <a:tabLst/>
             </a:pPr>
             <a:r>
-              <a:rPr lang="en-US" dirty="0" smtClean="0"/>
+              <a:rPr lang="en-US" dirty="0"/>
               <a:t>“foo”</a:t>
             </a:r>
           </a:p>
@@ -5957,7 +5892,7 @@
               <a:tabLst/>
             </a:pPr>
             <a:r>
-              <a:rPr kumimoji="0" lang="en-US" sz="3600" b="0" i="0" u="none" strike="noStrike" cap="none" spc="0" normalizeH="0" baseline="0" dirty="0" smtClean="0">
+              <a:rPr kumimoji="0" lang="en-US" sz="3600" b="0" i="0" u="none" strike="noStrike" cap="none" spc="0" normalizeH="0" baseline="0" dirty="0">
                 <a:ln>
                   <a:noFill/>
                 </a:ln>
@@ -5992,11 +5927,11 @@
               <a:tabLst/>
             </a:pPr>
             <a:r>
-              <a:rPr lang="en-US" dirty="0" smtClean="0"/>
+              <a:rPr lang="en-US" dirty="0"/>
               <a:t>“bar</a:t>
             </a:r>
             <a:r>
-              <a:rPr kumimoji="0" lang="en-US" sz="3600" b="0" i="0" u="none" strike="noStrike" cap="none" spc="0" normalizeH="0" baseline="0" dirty="0" smtClean="0">
+              <a:rPr kumimoji="0" lang="en-US" sz="3600" b="0" i="0" u="none" strike="noStrike" cap="none" spc="0" normalizeH="0" baseline="0" dirty="0">
                 <a:ln>
                   <a:noFill/>
                 </a:ln>
@@ -6012,20 +5947,6 @@
               </a:rPr>
               <a:t>”</a:t>
             </a:r>
-            <a:endParaRPr kumimoji="0" lang="en-US" sz="3600" b="0" i="0" u="none" strike="noStrike" cap="none" spc="0" normalizeH="0" baseline="0" dirty="0">
-              <a:ln>
-                <a:noFill/>
-              </a:ln>
-              <a:solidFill>
-                <a:srgbClr val="000000"/>
-              </a:solidFill>
-              <a:effectLst/>
-              <a:uFillTx/>
-              <a:latin typeface="+mn-lt"/>
-              <a:ea typeface="+mn-ea"/>
-              <a:cs typeface="+mn-cs"/>
-              <a:sym typeface="Helvetica Light"/>
-            </a:endParaRPr>
           </a:p>
         </p:txBody>
       </p:sp>
@@ -6086,7 +6007,7 @@
               <a:tabLst/>
             </a:pPr>
             <a:r>
-              <a:rPr kumimoji="0" lang="en-US" sz="3600" b="0" i="0" u="none" strike="noStrike" cap="none" spc="0" normalizeH="0" baseline="0" dirty="0" smtClean="0">
+              <a:rPr kumimoji="0" lang="en-US" sz="3600" b="0" i="0" u="none" strike="noStrike" cap="none" spc="0" normalizeH="0" baseline="0" dirty="0">
                 <a:ln>
                   <a:noFill/>
                 </a:ln>
@@ -6102,20 +6023,6 @@
               </a:rPr>
               <a:t>Collector</a:t>
             </a:r>
-            <a:endParaRPr kumimoji="0" lang="en-US" sz="3600" b="0" i="0" u="none" strike="noStrike" cap="none" spc="0" normalizeH="0" baseline="0" dirty="0">
-              <a:ln>
-                <a:noFill/>
-              </a:ln>
-              <a:solidFill>
-                <a:srgbClr val="000000"/>
-              </a:solidFill>
-              <a:effectLst/>
-              <a:uFillTx/>
-              <a:latin typeface="+mn-lt"/>
-              <a:ea typeface="+mn-ea"/>
-              <a:cs typeface="+mn-cs"/>
-              <a:sym typeface="Helvetica Light"/>
-            </a:endParaRPr>
           </a:p>
         </p:txBody>
       </p:sp>
@@ -6338,7 +6245,7 @@
               <a:tabLst/>
             </a:pPr>
             <a:r>
-              <a:rPr lang="en-US" sz="3200" dirty="0" smtClean="0"/>
+              <a:rPr lang="en-US" sz="3200" dirty="0"/>
               <a:t>String</a:t>
             </a:r>
             <a:endParaRPr kumimoji="0" lang="en-US" sz="3200" b="0" i="0" u="none" strike="noStrike" cap="none" spc="0" normalizeH="0" baseline="0" dirty="0">
@@ -6415,7 +6322,7 @@
               <a:tabLst/>
             </a:pPr>
             <a:r>
-              <a:rPr lang="en-US" sz="3200" dirty="0" smtClean="0"/>
+              <a:rPr lang="en-US" sz="3200" dirty="0"/>
               <a:t>String</a:t>
             </a:r>
             <a:endParaRPr kumimoji="0" lang="en-US" sz="3200" b="0" i="0" u="none" strike="noStrike" cap="none" spc="0" normalizeH="0" baseline="0" dirty="0">
@@ -6482,10 +6389,9 @@
           <a:lstStyle/>
           <a:p>
             <a:r>
-              <a:rPr lang="en-US" dirty="0" smtClean="0"/>
+              <a:rPr lang="en-US" dirty="0"/>
               <a:t>Map</a:t>
             </a:r>
-            <a:endParaRPr lang="en-US" dirty="0"/>
           </a:p>
         </p:txBody>
       </p:sp>
@@ -6516,7 +6422,7 @@
                 <a:spcPts val="2400"/>
               </a:spcBef>
             </a:pPr>
-            <a:endParaRPr lang="en-US" dirty="0" smtClean="0"/>
+            <a:endParaRPr lang="en-US" dirty="0"/>
           </a:p>
           <a:p>
             <a:pPr>
@@ -6525,23 +6431,23 @@
               </a:spcBef>
             </a:pPr>
             <a:r>
-              <a:rPr lang="en-US" dirty="0" smtClean="0"/>
+              <a:rPr lang="en-US" dirty="0"/>
               <a:t>Example: </a:t>
             </a:r>
             <a:r>
-              <a:rPr lang="en-US" i="1" dirty="0" err="1" smtClean="0"/>
+              <a:rPr lang="en-US" i="1" dirty="0" err="1"/>
               <a:t>collection.stream</a:t>
             </a:r>
             <a:r>
-              <a:rPr lang="en-US" i="1" dirty="0" smtClean="0"/>
+              <a:rPr lang="en-US" i="1" dirty="0"/>
               <a:t>().map(s -&gt; </a:t>
             </a:r>
             <a:r>
-              <a:rPr lang="en-US" i="1" dirty="0" err="1" smtClean="0"/>
+              <a:rPr lang="en-US" i="1" dirty="0" err="1"/>
               <a:t>s.length</a:t>
             </a:r>
             <a:r>
-              <a:rPr lang="en-US" i="1" dirty="0" smtClean="0"/>
+              <a:rPr lang="en-US" i="1" dirty="0"/>
               <a:t>())</a:t>
             </a:r>
           </a:p>
@@ -6552,19 +6458,19 @@
               </a:spcBef>
             </a:pPr>
             <a:r>
-              <a:rPr lang="en-US" dirty="0" smtClean="0"/>
+              <a:rPr lang="en-US" dirty="0"/>
               <a:t>Input </a:t>
             </a:r>
             <a:r>
-              <a:rPr lang="en-US" i="1" dirty="0" smtClean="0"/>
+              <a:rPr lang="en-US" i="1" dirty="0"/>
               <a:t>String</a:t>
             </a:r>
             <a:r>
-              <a:rPr lang="en-US" dirty="0" smtClean="0"/>
+              <a:rPr lang="en-US" dirty="0"/>
               <a:t>, Output </a:t>
             </a:r>
             <a:r>
-              <a:rPr lang="en-US" i="1" dirty="0" smtClean="0"/>
+              <a:rPr lang="en-US" i="1" dirty="0"/>
               <a:t>Integer</a:t>
             </a:r>
           </a:p>
@@ -6575,30 +6481,30 @@
               </a:spcBef>
             </a:pPr>
             <a:r>
-              <a:rPr lang="en-US" dirty="0" smtClean="0"/>
+              <a:rPr lang="en-US" dirty="0"/>
               <a:t>Note: compiler automatically infer type </a:t>
             </a:r>
             <a:r>
-              <a:rPr lang="en-US" i="1" dirty="0" smtClean="0"/>
+              <a:rPr lang="en-US" i="1" dirty="0"/>
               <a:t>“Integer” </a:t>
             </a:r>
             <a:r>
-              <a:rPr lang="en-US" dirty="0" smtClean="0"/>
+              <a:rPr lang="en-US" dirty="0"/>
               <a:t>based on the type returned by the function “</a:t>
             </a:r>
             <a:r>
-              <a:rPr lang="en-US" i="1" dirty="0" err="1" smtClean="0"/>
+              <a:rPr lang="en-US" i="1" dirty="0" err="1"/>
               <a:t>String.length</a:t>
             </a:r>
             <a:r>
-              <a:rPr lang="en-US" i="1" dirty="0" smtClean="0"/>
+              <a:rPr lang="en-US" i="1" dirty="0"/>
               <a:t>()</a:t>
             </a:r>
             <a:r>
-              <a:rPr lang="en-US" dirty="0" smtClean="0"/>
+              <a:rPr lang="en-US" dirty="0"/>
               <a:t>”</a:t>
             </a:r>
-            <a:endParaRPr lang="en-US" i="1" dirty="0" smtClean="0"/>
+            <a:endParaRPr lang="en-US" i="1" dirty="0"/>
           </a:p>
           <a:p>
             <a:pPr>
@@ -6607,8 +6513,8 @@
               </a:spcBef>
             </a:pPr>
             <a:r>
-              <a:rPr lang="en-US" dirty="0" smtClean="0"/>
-              <a:t>Collector will receive: 1, 3, 4, 3</a:t>
+              <a:rPr lang="en-US" dirty="0"/>
+              <a:t>Collector will receive: 1, 3, 5, 3</a:t>
             </a:r>
           </a:p>
         </p:txBody>
@@ -6705,7 +6611,7 @@
           </a:bodyPr>
           <a:lstStyle/>
           <a:p>
-            <a:endParaRPr kumimoji="0" lang="en-US" sz="3200" b="0" i="0" u="none" strike="noStrike" cap="none" spc="0" normalizeH="0" baseline="0" dirty="0" smtClean="0">
+            <a:endParaRPr kumimoji="0" lang="en-US" sz="3200" b="0" i="0" u="none" strike="noStrike" cap="none" spc="0" normalizeH="0" baseline="0" dirty="0">
               <a:ln>
                 <a:noFill/>
               </a:ln>
@@ -6773,7 +6679,7 @@
           </a:bodyPr>
           <a:lstStyle/>
           <a:p>
-            <a:endParaRPr kumimoji="0" lang="en-US" sz="3200" b="0" i="0" u="none" strike="noStrike" cap="none" spc="0" normalizeH="0" baseline="0" dirty="0" smtClean="0">
+            <a:endParaRPr kumimoji="0" lang="en-US" sz="3200" b="0" i="0" u="none" strike="noStrike" cap="none" spc="0" normalizeH="0" baseline="0" dirty="0">
               <a:ln>
                 <a:noFill/>
               </a:ln>
@@ -6847,7 +6753,7 @@
               <a:tabLst/>
             </a:pPr>
             <a:r>
-              <a:rPr kumimoji="0" lang="en-US" sz="3600" b="0" i="0" u="none" strike="noStrike" cap="none" spc="0" normalizeH="0" baseline="0" dirty="0" smtClean="0">
+              <a:rPr kumimoji="0" lang="en-US" sz="3600" b="0" i="0" u="none" strike="noStrike" cap="none" spc="0" normalizeH="0" baseline="0" dirty="0">
                 <a:ln>
                   <a:noFill/>
                 </a:ln>
@@ -6882,7 +6788,7 @@
               <a:tabLst/>
             </a:pPr>
             <a:r>
-              <a:rPr lang="en-US" dirty="0" smtClean="0"/>
+              <a:rPr lang="en-US" dirty="0"/>
               <a:t>“foo”</a:t>
             </a:r>
           </a:p>
@@ -6904,7 +6810,7 @@
               <a:tabLst/>
             </a:pPr>
             <a:r>
-              <a:rPr kumimoji="0" lang="en-US" sz="3600" b="0" i="0" u="none" strike="noStrike" cap="none" spc="0" normalizeH="0" baseline="0" dirty="0" smtClean="0">
+              <a:rPr kumimoji="0" lang="en-US" sz="3600" b="0" i="0" u="none" strike="noStrike" cap="none" spc="0" normalizeH="0" baseline="0" dirty="0">
                 <a:ln>
                   <a:noFill/>
                 </a:ln>
@@ -6939,11 +6845,11 @@
               <a:tabLst/>
             </a:pPr>
             <a:r>
-              <a:rPr lang="en-US" dirty="0" smtClean="0"/>
+              <a:rPr lang="en-US" dirty="0"/>
               <a:t>“bar</a:t>
             </a:r>
             <a:r>
-              <a:rPr kumimoji="0" lang="en-US" sz="3600" b="0" i="0" u="none" strike="noStrike" cap="none" spc="0" normalizeH="0" baseline="0" dirty="0" smtClean="0">
+              <a:rPr kumimoji="0" lang="en-US" sz="3600" b="0" i="0" u="none" strike="noStrike" cap="none" spc="0" normalizeH="0" baseline="0" dirty="0">
                 <a:ln>
                   <a:noFill/>
                 </a:ln>
@@ -6959,20 +6865,6 @@
               </a:rPr>
               <a:t>”</a:t>
             </a:r>
-            <a:endParaRPr kumimoji="0" lang="en-US" sz="3600" b="0" i="0" u="none" strike="noStrike" cap="none" spc="0" normalizeH="0" baseline="0" dirty="0">
-              <a:ln>
-                <a:noFill/>
-              </a:ln>
-              <a:solidFill>
-                <a:srgbClr val="000000"/>
-              </a:solidFill>
-              <a:effectLst/>
-              <a:uFillTx/>
-              <a:latin typeface="+mn-lt"/>
-              <a:ea typeface="+mn-ea"/>
-              <a:cs typeface="+mn-cs"/>
-              <a:sym typeface="Helvetica Light"/>
-            </a:endParaRPr>
           </a:p>
         </p:txBody>
       </p:sp>
@@ -7033,7 +6925,7 @@
               <a:tabLst/>
             </a:pPr>
             <a:r>
-              <a:rPr kumimoji="0" lang="en-US" sz="3600" b="0" i="0" u="none" strike="noStrike" cap="none" spc="0" normalizeH="0" baseline="0" dirty="0" smtClean="0">
+              <a:rPr kumimoji="0" lang="en-US" sz="3600" b="0" i="0" u="none" strike="noStrike" cap="none" spc="0" normalizeH="0" baseline="0" dirty="0">
                 <a:ln>
                   <a:noFill/>
                 </a:ln>
@@ -7049,20 +6941,6 @@
               </a:rPr>
               <a:t>Collector</a:t>
             </a:r>
-            <a:endParaRPr kumimoji="0" lang="en-US" sz="3600" b="0" i="0" u="none" strike="noStrike" cap="none" spc="0" normalizeH="0" baseline="0" dirty="0">
-              <a:ln>
-                <a:noFill/>
-              </a:ln>
-              <a:solidFill>
-                <a:srgbClr val="000000"/>
-              </a:solidFill>
-              <a:effectLst/>
-              <a:uFillTx/>
-              <a:latin typeface="+mn-lt"/>
-              <a:ea typeface="+mn-ea"/>
-              <a:cs typeface="+mn-cs"/>
-              <a:sym typeface="Helvetica Light"/>
-            </a:endParaRPr>
           </a:p>
         </p:txBody>
       </p:sp>
@@ -7285,7 +7163,7 @@
               <a:tabLst/>
             </a:pPr>
             <a:r>
-              <a:rPr lang="en-US" sz="3200" dirty="0" smtClean="0"/>
+              <a:rPr lang="en-US" sz="3200" dirty="0"/>
               <a:t>String</a:t>
             </a:r>
             <a:endParaRPr kumimoji="0" lang="en-US" sz="3200" b="0" i="0" u="none" strike="noStrike" cap="none" spc="0" normalizeH="0" baseline="0" dirty="0">
@@ -7362,7 +7240,7 @@
               <a:tabLst/>
             </a:pPr>
             <a:r>
-              <a:rPr lang="en-US" sz="3200" dirty="0" smtClean="0"/>
+              <a:rPr lang="en-US" sz="3200" dirty="0"/>
               <a:t>Integer</a:t>
             </a:r>
             <a:endParaRPr kumimoji="0" lang="en-US" sz="3200" b="0" i="0" u="none" strike="noStrike" cap="none" spc="0" normalizeH="0" baseline="0" dirty="0">
@@ -7429,10 +7307,9 @@
           <a:lstStyle/>
           <a:p>
             <a:r>
-              <a:rPr lang="en-US" dirty="0" smtClean="0"/>
+              <a:rPr lang="en-US" dirty="0"/>
               <a:t>Combining Pipes</a:t>
             </a:r>
-            <a:endParaRPr lang="en-US" dirty="0"/>
           </a:p>
         </p:txBody>
       </p:sp>
@@ -7459,59 +7336,54 @@
           <a:lstStyle/>
           <a:p>
             <a:r>
-              <a:rPr lang="en-US" dirty="0" smtClean="0"/>
+              <a:rPr lang="en-US" dirty="0"/>
               <a:t>Example: </a:t>
             </a:r>
             <a:r>
-              <a:rPr lang="en-US" i="1" dirty="0" smtClean="0"/>
+              <a:rPr lang="en-US" i="1" dirty="0"/>
               <a:t>.filter(s -&gt; </a:t>
             </a:r>
             <a:r>
-              <a:rPr lang="en-US" i="1" dirty="0" err="1" smtClean="0"/>
+              <a:rPr lang="en-US" i="1" dirty="0" err="1"/>
               <a:t>s.length</a:t>
             </a:r>
             <a:r>
-              <a:rPr lang="en-US" i="1" dirty="0" smtClean="0"/>
+              <a:rPr lang="en-US" i="1" dirty="0"/>
               <a:t>() &gt; 2).map(s -&gt; </a:t>
             </a:r>
             <a:r>
-              <a:rPr lang="en-US" i="1" dirty="0" err="1" smtClean="0"/>
+              <a:rPr lang="en-US" i="1" dirty="0" err="1"/>
               <a:t>s.length</a:t>
             </a:r>
             <a:r>
-              <a:rPr lang="en-US" i="1" dirty="0" smtClean="0"/>
+              <a:rPr lang="en-US" i="1" dirty="0"/>
               <a:t>())</a:t>
             </a:r>
           </a:p>
           <a:p>
             <a:r>
-              <a:rPr lang="en-US" i="1" dirty="0" smtClean="0"/>
+              <a:rPr lang="en-US" i="1" dirty="0"/>
               <a:t>“a” </a:t>
             </a:r>
             <a:r>
-              <a:rPr lang="en-US" dirty="0" smtClean="0"/>
+              <a:rPr lang="en-US" dirty="0"/>
               <a:t>is the only blocked element by the filter</a:t>
             </a:r>
-            <a:endParaRPr lang="en-US" i="1" dirty="0" smtClean="0"/>
+            <a:endParaRPr lang="en-US" i="1" dirty="0"/>
           </a:p>
           <a:p>
             <a:r>
               <a:rPr lang="en-US" dirty="0"/>
-              <a:t>Collector will receive: </a:t>
-            </a:r>
-            <a:r>
-              <a:rPr lang="en-US" dirty="0" smtClean="0"/>
+              <a:t>Collector will receive: 3</a:t>
+            </a:r>
+            <a:r>
+              <a:rPr lang="en-US"/>
+              <a:t>, 5, </a:t>
+            </a:r>
+            <a:r>
+              <a:rPr lang="en-US" dirty="0"/>
               <a:t>3</a:t>
             </a:r>
-            <a:r>
-              <a:rPr lang="en-US" dirty="0"/>
-              <a:t>, 4, </a:t>
-            </a:r>
-            <a:r>
-              <a:rPr lang="en-US" dirty="0" smtClean="0"/>
-              <a:t>3</a:t>
-            </a:r>
-            <a:endParaRPr lang="en-US" dirty="0"/>
           </a:p>
         </p:txBody>
       </p:sp>
@@ -7607,7 +7479,7 @@
           </a:bodyPr>
           <a:lstStyle/>
           <a:p>
-            <a:endParaRPr kumimoji="0" lang="en-US" sz="3200" b="0" i="0" u="none" strike="noStrike" cap="none" spc="0" normalizeH="0" baseline="0" dirty="0" smtClean="0">
+            <a:endParaRPr kumimoji="0" lang="en-US" sz="3200" b="0" i="0" u="none" strike="noStrike" cap="none" spc="0" normalizeH="0" baseline="0" dirty="0">
               <a:ln>
                 <a:noFill/>
               </a:ln>
@@ -7675,7 +7547,7 @@
           </a:bodyPr>
           <a:lstStyle/>
           <a:p>
-            <a:endParaRPr kumimoji="0" lang="en-US" sz="3200" b="0" i="0" u="none" strike="noStrike" cap="none" spc="0" normalizeH="0" baseline="0" dirty="0" smtClean="0">
+            <a:endParaRPr kumimoji="0" lang="en-US" sz="3200" b="0" i="0" u="none" strike="noStrike" cap="none" spc="0" normalizeH="0" baseline="0" dirty="0">
               <a:ln>
                 <a:noFill/>
               </a:ln>
@@ -7749,7 +7621,7 @@
               <a:tabLst/>
             </a:pPr>
             <a:r>
-              <a:rPr kumimoji="0" lang="en-US" sz="3600" b="0" i="0" u="none" strike="noStrike" cap="none" spc="0" normalizeH="0" baseline="0" dirty="0" smtClean="0">
+              <a:rPr kumimoji="0" lang="en-US" sz="3600" b="0" i="0" u="none" strike="noStrike" cap="none" spc="0" normalizeH="0" baseline="0" dirty="0">
                 <a:ln>
                   <a:noFill/>
                 </a:ln>
@@ -7784,7 +7656,7 @@
               <a:tabLst/>
             </a:pPr>
             <a:r>
-              <a:rPr lang="en-US" dirty="0" smtClean="0"/>
+              <a:rPr lang="en-US" dirty="0"/>
               <a:t>“foo”</a:t>
             </a:r>
           </a:p>
@@ -7806,7 +7678,7 @@
               <a:tabLst/>
             </a:pPr>
             <a:r>
-              <a:rPr kumimoji="0" lang="en-US" sz="3600" b="0" i="0" u="none" strike="noStrike" cap="none" spc="0" normalizeH="0" baseline="0" dirty="0" smtClean="0">
+              <a:rPr kumimoji="0" lang="en-US" sz="3600" b="0" i="0" u="none" strike="noStrike" cap="none" spc="0" normalizeH="0" baseline="0" dirty="0">
                 <a:ln>
                   <a:noFill/>
                 </a:ln>
@@ -7841,11 +7713,11 @@
               <a:tabLst/>
             </a:pPr>
             <a:r>
-              <a:rPr lang="en-US" dirty="0" smtClean="0"/>
+              <a:rPr lang="en-US" dirty="0"/>
               <a:t>“bar</a:t>
             </a:r>
             <a:r>
-              <a:rPr kumimoji="0" lang="en-US" sz="3600" b="0" i="0" u="none" strike="noStrike" cap="none" spc="0" normalizeH="0" baseline="0" dirty="0" smtClean="0">
+              <a:rPr kumimoji="0" lang="en-US" sz="3600" b="0" i="0" u="none" strike="noStrike" cap="none" spc="0" normalizeH="0" baseline="0" dirty="0">
                 <a:ln>
                   <a:noFill/>
                 </a:ln>
@@ -7861,20 +7733,6 @@
               </a:rPr>
               <a:t>”</a:t>
             </a:r>
-            <a:endParaRPr kumimoji="0" lang="en-US" sz="3600" b="0" i="0" u="none" strike="noStrike" cap="none" spc="0" normalizeH="0" baseline="0" dirty="0">
-              <a:ln>
-                <a:noFill/>
-              </a:ln>
-              <a:solidFill>
-                <a:srgbClr val="000000"/>
-              </a:solidFill>
-              <a:effectLst/>
-              <a:uFillTx/>
-              <a:latin typeface="+mn-lt"/>
-              <a:ea typeface="+mn-ea"/>
-              <a:cs typeface="+mn-cs"/>
-              <a:sym typeface="Helvetica Light"/>
-            </a:endParaRPr>
           </a:p>
         </p:txBody>
       </p:sp>
@@ -7935,7 +7793,7 @@
               <a:tabLst/>
             </a:pPr>
             <a:r>
-              <a:rPr kumimoji="0" lang="en-US" sz="3600" b="0" i="0" u="none" strike="noStrike" cap="none" spc="0" normalizeH="0" baseline="0" dirty="0" smtClean="0">
+              <a:rPr kumimoji="0" lang="en-US" sz="3600" b="0" i="0" u="none" strike="noStrike" cap="none" spc="0" normalizeH="0" baseline="0" dirty="0">
                 <a:ln>
                   <a:noFill/>
                 </a:ln>
@@ -7951,20 +7809,6 @@
               </a:rPr>
               <a:t>Collector</a:t>
             </a:r>
-            <a:endParaRPr kumimoji="0" lang="en-US" sz="3600" b="0" i="0" u="none" strike="noStrike" cap="none" spc="0" normalizeH="0" baseline="0" dirty="0">
-              <a:ln>
-                <a:noFill/>
-              </a:ln>
-              <a:solidFill>
-                <a:srgbClr val="000000"/>
-              </a:solidFill>
-              <a:effectLst/>
-              <a:uFillTx/>
-              <a:latin typeface="+mn-lt"/>
-              <a:ea typeface="+mn-ea"/>
-              <a:cs typeface="+mn-cs"/>
-              <a:sym typeface="Helvetica Light"/>
-            </a:endParaRPr>
           </a:p>
         </p:txBody>
       </p:sp>
@@ -8187,7 +8031,7 @@
               <a:tabLst/>
             </a:pPr>
             <a:r>
-              <a:rPr lang="en-US" sz="3200" dirty="0" smtClean="0"/>
+              <a:rPr lang="en-US" sz="3200" dirty="0"/>
               <a:t>String</a:t>
             </a:r>
             <a:endParaRPr kumimoji="0" lang="en-US" sz="3200" b="0" i="0" u="none" strike="noStrike" cap="none" spc="0" normalizeH="0" baseline="0" dirty="0">
@@ -8264,7 +8108,7 @@
               <a:tabLst/>
             </a:pPr>
             <a:r>
-              <a:rPr lang="en-US" sz="3200" dirty="0" smtClean="0"/>
+              <a:rPr lang="en-US" sz="3200" dirty="0"/>
               <a:t>Integer</a:t>
             </a:r>
             <a:endParaRPr kumimoji="0" lang="en-US" sz="3200" b="0" i="0" u="none" strike="noStrike" cap="none" spc="0" normalizeH="0" baseline="0" dirty="0">
@@ -8463,7 +8307,7 @@
               <a:tabLst/>
             </a:pPr>
             <a:r>
-              <a:rPr lang="en-US" sz="3200" dirty="0" smtClean="0"/>
+              <a:rPr lang="en-US" sz="3200" dirty="0"/>
               <a:t>String</a:t>
             </a:r>
             <a:endParaRPr kumimoji="0" lang="en-US" sz="3200" b="0" i="0" u="none" strike="noStrike" cap="none" spc="0" normalizeH="0" baseline="0" dirty="0">
@@ -8530,10 +8374,9 @@
           <a:lstStyle/>
           <a:p>
             <a:r>
-              <a:rPr lang="en-US" dirty="0" smtClean="0"/>
+              <a:rPr lang="en-US" dirty="0"/>
               <a:t>Iterators</a:t>
             </a:r>
-            <a:endParaRPr lang="en-US" dirty="0"/>
           </a:p>
         </p:txBody>
       </p:sp>
@@ -8584,7 +8427,7 @@
           <a:lstStyle/>
           <a:p>
             <a:r>
-              <a:rPr lang="en-US" dirty="0" err="1" smtClean="0"/>
+              <a:rPr lang="en-US" dirty="0" err="1"/>
               <a:t>FlatMap</a:t>
             </a:r>
             <a:endParaRPr lang="en-US" dirty="0"/>
@@ -8654,19 +8497,19 @@
               </a:spcBef>
             </a:pPr>
             <a:r>
-              <a:rPr lang="en-US" sz="3200" dirty="0" smtClean="0"/>
+              <a:rPr lang="en-US" sz="3200" dirty="0"/>
               <a:t>Input </a:t>
             </a:r>
             <a:r>
-              <a:rPr lang="en-US" sz="3200" i="1" dirty="0" smtClean="0"/>
+              <a:rPr lang="en-US" sz="3200" i="1" dirty="0"/>
               <a:t>List&lt;Integer&gt;</a:t>
             </a:r>
             <a:r>
-              <a:rPr lang="en-US" sz="3200" dirty="0" smtClean="0"/>
+              <a:rPr lang="en-US" sz="3200" dirty="0"/>
               <a:t>, Output </a:t>
             </a:r>
             <a:r>
-              <a:rPr lang="en-US" sz="3200" i="1" dirty="0" smtClean="0"/>
+              <a:rPr lang="en-US" sz="3200" i="1" dirty="0"/>
               <a:t>Integer</a:t>
             </a:r>
           </a:p>
@@ -8677,7 +8520,7 @@
               </a:spcBef>
             </a:pPr>
             <a:r>
-              <a:rPr lang="en-US" sz="3200" dirty="0" smtClean="0"/>
+              <a:rPr lang="en-US" sz="3200" dirty="0"/>
               <a:t>On each of the 3 input lists we open a stream, and propagate its output, one element at a time</a:t>
             </a:r>
           </a:p>
@@ -8688,7 +8531,7 @@
               </a:spcBef>
             </a:pPr>
             <a:r>
-              <a:rPr lang="en-US" sz="3200" dirty="0" smtClean="0"/>
+              <a:rPr lang="en-US" sz="3200" dirty="0"/>
               <a:t>Collector will receive: 1, 2, 3, 4, 5, 6 and NOT [1,2], [3], [4,5,6]</a:t>
             </a:r>
           </a:p>
@@ -8699,7 +8542,7 @@
               </a:spcBef>
             </a:pPr>
             <a:r>
-              <a:rPr lang="en-US" sz="3200" dirty="0" smtClean="0"/>
+              <a:rPr lang="en-US" sz="3200" dirty="0"/>
               <a:t>So the values of the 3 lists are flattened into a single stream of integers, including all values in those lists </a:t>
             </a:r>
           </a:p>
@@ -8797,7 +8640,7 @@
           </a:bodyPr>
           <a:lstStyle/>
           <a:p>
-            <a:endParaRPr kumimoji="0" lang="en-US" sz="3200" b="0" i="0" u="none" strike="noStrike" cap="none" spc="0" normalizeH="0" baseline="0" dirty="0" smtClean="0">
+            <a:endParaRPr kumimoji="0" lang="en-US" sz="3200" b="0" i="0" u="none" strike="noStrike" cap="none" spc="0" normalizeH="0" baseline="0" dirty="0">
               <a:ln>
                 <a:noFill/>
               </a:ln>
@@ -8865,7 +8708,7 @@
           </a:bodyPr>
           <a:lstStyle/>
           <a:p>
-            <a:endParaRPr kumimoji="0" lang="en-US" sz="3200" b="0" i="0" u="none" strike="noStrike" cap="none" spc="0" normalizeH="0" baseline="0" dirty="0" smtClean="0">
+            <a:endParaRPr kumimoji="0" lang="en-US" sz="3200" b="0" i="0" u="none" strike="noStrike" cap="none" spc="0" normalizeH="0" baseline="0" dirty="0">
               <a:ln>
                 <a:noFill/>
               </a:ln>
@@ -8939,10 +8782,10 @@
               <a:tabLst/>
             </a:pPr>
             <a:r>
-              <a:rPr lang="en-US" dirty="0" smtClean="0"/>
+              <a:rPr lang="en-US" dirty="0"/>
               <a:t>[1,2]</a:t>
             </a:r>
-            <a:endParaRPr kumimoji="0" lang="en-US" sz="3600" b="0" i="0" u="none" strike="noStrike" cap="none" spc="0" normalizeH="0" baseline="0" dirty="0" smtClean="0">
+            <a:endParaRPr kumimoji="0" lang="en-US" sz="3600" b="0" i="0" u="none" strike="noStrike" cap="none" spc="0" normalizeH="0" baseline="0" dirty="0">
               <a:ln>
                 <a:noFill/>
               </a:ln>
@@ -8975,7 +8818,7 @@
               <a:tabLst/>
             </a:pPr>
             <a:r>
-              <a:rPr lang="en-US" dirty="0" smtClean="0"/>
+              <a:rPr lang="en-US" dirty="0"/>
               <a:t>[3]</a:t>
             </a:r>
           </a:p>
@@ -8997,10 +8840,10 @@
               <a:tabLst/>
             </a:pPr>
             <a:r>
-              <a:rPr lang="en-US" dirty="0" smtClean="0"/>
+              <a:rPr lang="en-US" dirty="0"/>
               <a:t>[4,5,6]</a:t>
             </a:r>
-            <a:endParaRPr kumimoji="0" lang="en-US" sz="3600" b="0" i="0" u="none" strike="noStrike" cap="none" spc="0" normalizeH="0" baseline="0" dirty="0" smtClean="0">
+            <a:endParaRPr kumimoji="0" lang="en-US" sz="3600" b="0" i="0" u="none" strike="noStrike" cap="none" spc="0" normalizeH="0" baseline="0" dirty="0">
               <a:ln>
                 <a:noFill/>
               </a:ln>
@@ -9074,7 +8917,7 @@
               <a:tabLst/>
             </a:pPr>
             <a:r>
-              <a:rPr kumimoji="0" lang="en-US" sz="3600" b="0" i="0" u="none" strike="noStrike" cap="none" spc="0" normalizeH="0" baseline="0" dirty="0" smtClean="0">
+              <a:rPr kumimoji="0" lang="en-US" sz="3600" b="0" i="0" u="none" strike="noStrike" cap="none" spc="0" normalizeH="0" baseline="0" dirty="0">
                 <a:ln>
                   <a:noFill/>
                 </a:ln>
@@ -9090,20 +8933,6 @@
               </a:rPr>
               <a:t>Collector</a:t>
             </a:r>
-            <a:endParaRPr kumimoji="0" lang="en-US" sz="3600" b="0" i="0" u="none" strike="noStrike" cap="none" spc="0" normalizeH="0" baseline="0" dirty="0">
-              <a:ln>
-                <a:noFill/>
-              </a:ln>
-              <a:solidFill>
-                <a:srgbClr val="000000"/>
-              </a:solidFill>
-              <a:effectLst/>
-              <a:uFillTx/>
-              <a:latin typeface="+mn-lt"/>
-              <a:ea typeface="+mn-ea"/>
-              <a:cs typeface="+mn-cs"/>
-              <a:sym typeface="Helvetica Light"/>
-            </a:endParaRPr>
           </a:p>
         </p:txBody>
       </p:sp>
@@ -9326,7 +9155,7 @@
               <a:tabLst/>
             </a:pPr>
             <a:r>
-              <a:rPr lang="en-US" sz="3200" dirty="0" smtClean="0"/>
+              <a:rPr lang="en-US" sz="3200" dirty="0"/>
               <a:t>List&lt;Integer&gt;</a:t>
             </a:r>
             <a:endParaRPr kumimoji="0" lang="en-US" sz="3200" b="0" i="0" u="none" strike="noStrike" cap="none" spc="0" normalizeH="0" baseline="0" dirty="0">
@@ -9403,7 +9232,7 @@
               <a:tabLst/>
             </a:pPr>
             <a:r>
-              <a:rPr lang="en-US" sz="3200" dirty="0" smtClean="0"/>
+              <a:rPr lang="en-US" sz="3200" dirty="0"/>
               <a:t>Integer</a:t>
             </a:r>
             <a:endParaRPr kumimoji="0" lang="en-US" sz="3200" b="0" i="0" u="none" strike="noStrike" cap="none" spc="0" normalizeH="0" baseline="0" dirty="0">
@@ -9470,10 +9299,9 @@
           <a:lstStyle/>
           <a:p>
             <a:r>
-              <a:rPr lang="en-US" dirty="0" smtClean="0"/>
+              <a:rPr lang="en-US" dirty="0"/>
               <a:t>Collectors</a:t>
             </a:r>
-            <a:endParaRPr lang="en-US" dirty="0"/>
           </a:p>
         </p:txBody>
       </p:sp>
@@ -9498,50 +9326,37 @@
           <a:lstStyle/>
           <a:p>
             <a:r>
-              <a:rPr lang="en-US" i="1" dirty="0" err="1" smtClean="0"/>
+              <a:rPr lang="en-US" i="1" dirty="0" err="1"/>
               <a:t>collectToList</a:t>
             </a:r>
             <a:r>
-              <a:rPr lang="en-US" i="1" dirty="0" smtClean="0"/>
+              <a:rPr lang="en-US" i="1" dirty="0"/>
               <a:t>()</a:t>
             </a:r>
             <a:r>
-              <a:rPr lang="en-US" dirty="0" smtClean="0"/>
+              <a:rPr lang="en-US" dirty="0"/>
               <a:t>: each element that arrives at the end of the pipeline will be added to a new List container</a:t>
             </a:r>
           </a:p>
           <a:p>
             <a:r>
-              <a:rPr lang="en-US" i="1" dirty="0" err="1" smtClean="0"/>
+              <a:rPr lang="en-US" i="1" dirty="0" err="1"/>
               <a:t>forEach</a:t>
             </a:r>
             <a:r>
-              <a:rPr lang="en-US" i="1" dirty="0" smtClean="0"/>
-              <a:t>(Consumer&lt;X&gt; </a:t>
-            </a:r>
-            <a:r>
               <a:rPr lang="en-US" i="1" dirty="0"/>
-              <a:t>action</a:t>
-            </a:r>
-            <a:r>
-              <a:rPr lang="en-US" i="1" dirty="0" smtClean="0"/>
-              <a:t>)</a:t>
-            </a:r>
-            <a:r>
-              <a:rPr lang="en-US" dirty="0" smtClean="0"/>
+              <a:t>(Consumer&lt;X&gt; action)</a:t>
+            </a:r>
+            <a:r>
+              <a:rPr lang="en-US" dirty="0"/>
               <a:t>: for each element that arrives at the end of the pipeline, execute the action specified by the user, which takes as input type X being the output of the last pipe in the pipeline  </a:t>
             </a:r>
           </a:p>
           <a:p>
             <a:r>
               <a:rPr lang="en-US" dirty="0"/>
-              <a:t>There are more, but these are the main ones we will see in </a:t>
-            </a:r>
-            <a:r>
-              <a:rPr lang="en-US" dirty="0" smtClean="0"/>
-              <a:t>details</a:t>
-            </a:r>
-            <a:endParaRPr lang="en-US" dirty="0"/>
+              <a:t>There are more, but these are the main ones we will see in details</a:t>
+            </a:r>
           </a:p>
         </p:txBody>
       </p:sp>
@@ -9592,10 +9407,9 @@
           <a:lstStyle/>
           <a:p>
             <a:r>
-              <a:rPr lang="en-US" dirty="0" smtClean="0"/>
+              <a:rPr lang="en-US" dirty="0"/>
               <a:t>Implementation</a:t>
             </a:r>
-            <a:endParaRPr lang="en-US" dirty="0"/>
           </a:p>
         </p:txBody>
       </p:sp>
@@ -9620,30 +9434,29 @@
           <a:lstStyle/>
           <a:p>
             <a:r>
-              <a:rPr lang="en-US" dirty="0" smtClean="0"/>
+              <a:rPr lang="en-US" dirty="0"/>
               <a:t>The collector is the one that starts pulling data from the collection using its iterator</a:t>
             </a:r>
           </a:p>
           <a:p>
             <a:r>
-              <a:rPr lang="en-US" dirty="0" smtClean="0"/>
+              <a:rPr lang="en-US" dirty="0"/>
               <a:t>At each step, the output of a pipe is going to be the input to the next pipe</a:t>
             </a:r>
           </a:p>
           <a:p>
             <a:r>
-              <a:rPr lang="en-US" dirty="0" smtClean="0"/>
+              <a:rPr lang="en-US" dirty="0"/>
               <a:t>Going to represent it with a </a:t>
             </a:r>
             <a:r>
-              <a:rPr lang="en-US" i="1" dirty="0" smtClean="0"/>
+              <a:rPr lang="en-US" i="1" dirty="0"/>
               <a:t>chain</a:t>
             </a:r>
             <a:r>
-              <a:rPr lang="en-US" dirty="0" smtClean="0"/>
+              <a:rPr lang="en-US" dirty="0"/>
               <a:t> of Consumers</a:t>
             </a:r>
-            <a:endParaRPr lang="en-US" dirty="0"/>
           </a:p>
         </p:txBody>
       </p:sp>
@@ -9729,7 +9542,7 @@
           </a:bodyPr>
           <a:lstStyle/>
           <a:p>
-            <a:endParaRPr kumimoji="0" lang="en-US" sz="3200" b="0" i="0" u="none" strike="noStrike" cap="none" spc="0" normalizeH="0" baseline="0" dirty="0" smtClean="0">
+            <a:endParaRPr kumimoji="0" lang="en-US" sz="3200" b="0" i="0" u="none" strike="noStrike" cap="none" spc="0" normalizeH="0" baseline="0" dirty="0">
               <a:ln>
                 <a:noFill/>
               </a:ln>
@@ -9769,108 +9582,107 @@
           <a:lstStyle/>
           <a:p>
             <a:r>
-              <a:rPr lang="en-US" i="1" dirty="0" smtClean="0"/>
+              <a:rPr lang="en-US" i="1" dirty="0"/>
               <a:t>IN_A</a:t>
             </a:r>
             <a:r>
-              <a:rPr lang="en-US" dirty="0" smtClean="0"/>
+              <a:rPr lang="en-US" dirty="0"/>
               <a:t> is </a:t>
             </a:r>
             <a:r>
-              <a:rPr lang="en-US" i="1" dirty="0" smtClean="0"/>
+              <a:rPr lang="en-US" i="1" dirty="0"/>
               <a:t>T, </a:t>
             </a:r>
             <a:r>
-              <a:rPr lang="en-US" dirty="0" smtClean="0"/>
+              <a:rPr lang="en-US" dirty="0"/>
               <a:t>and </a:t>
             </a:r>
             <a:r>
-              <a:rPr lang="en-US" i="1" dirty="0" smtClean="0"/>
+              <a:rPr lang="en-US" i="1" dirty="0"/>
               <a:t>IN_B </a:t>
             </a:r>
             <a:r>
-              <a:rPr lang="en-US" dirty="0" smtClean="0"/>
+              <a:rPr lang="en-US" dirty="0"/>
               <a:t>is</a:t>
             </a:r>
             <a:r>
-              <a:rPr lang="en-US" i="1" dirty="0" smtClean="0"/>
+              <a:rPr lang="en-US" i="1" dirty="0"/>
               <a:t> OUT_A</a:t>
             </a:r>
           </a:p>
           <a:p>
             <a:r>
-              <a:rPr lang="en-US" dirty="0" smtClean="0"/>
+              <a:rPr lang="en-US" dirty="0"/>
               <a:t>Collector has a </a:t>
             </a:r>
             <a:r>
-              <a:rPr lang="en-US" i="1" dirty="0" smtClean="0"/>
+              <a:rPr lang="en-US" i="1" dirty="0"/>
               <a:t>Consumer&lt;OUT_B&gt;, </a:t>
             </a:r>
             <a:r>
-              <a:rPr lang="en-US" dirty="0" smtClean="0"/>
+              <a:rPr lang="en-US" dirty="0"/>
               <a:t>as it consumes data from Pipe B</a:t>
             </a:r>
           </a:p>
           <a:p>
             <a:r>
-              <a:rPr lang="en-US" dirty="0" smtClean="0"/>
+              <a:rPr lang="en-US" dirty="0"/>
               <a:t>Pipe B has a </a:t>
             </a:r>
             <a:r>
-              <a:rPr lang="en-US" i="1" dirty="0" smtClean="0"/>
+              <a:rPr lang="en-US" i="1" dirty="0"/>
               <a:t>Consumer&lt;OUT_A&gt;</a:t>
             </a:r>
             <a:r>
-              <a:rPr lang="en-US" dirty="0" smtClean="0"/>
+              <a:rPr lang="en-US" dirty="0"/>
               <a:t>, which will call </a:t>
             </a:r>
             <a:r>
-              <a:rPr lang="en-US" i="1" dirty="0" smtClean="0"/>
+              <a:rPr lang="en-US" i="1" dirty="0"/>
               <a:t>Consumer&lt;OUT_B&gt;</a:t>
             </a:r>
             <a:r>
-              <a:rPr lang="en-US" dirty="0" smtClean="0"/>
+              <a:rPr lang="en-US" dirty="0"/>
               <a:t> in Collector (</a:t>
             </a:r>
             <a:r>
-              <a:rPr lang="en-US" dirty="0" err="1" smtClean="0"/>
+              <a:rPr lang="en-US" dirty="0" err="1"/>
               <a:t>ie</a:t>
             </a:r>
             <a:r>
-              <a:rPr lang="en-US" dirty="0" smtClean="0"/>
+              <a:rPr lang="en-US" dirty="0"/>
               <a:t>, chained) </a:t>
             </a:r>
           </a:p>
           <a:p>
             <a:r>
-              <a:rPr lang="en-US" dirty="0" smtClean="0"/>
+              <a:rPr lang="en-US" dirty="0"/>
               <a:t>Pipe A has a </a:t>
             </a:r>
             <a:r>
-              <a:rPr lang="en-US" i="1" dirty="0" smtClean="0"/>
+              <a:rPr lang="en-US" i="1" dirty="0"/>
               <a:t>Consumer&lt;T&gt;</a:t>
             </a:r>
             <a:r>
-              <a:rPr lang="en-US" dirty="0" smtClean="0"/>
+              <a:rPr lang="en-US" dirty="0"/>
               <a:t>, which will call </a:t>
             </a:r>
             <a:r>
-              <a:rPr lang="en-US" i="1" dirty="0" smtClean="0"/>
+              <a:rPr lang="en-US" i="1" dirty="0"/>
               <a:t>Consumer&lt;OUT_A&gt;</a:t>
             </a:r>
             <a:r>
-              <a:rPr lang="en-US" dirty="0" smtClean="0"/>
+              <a:rPr lang="en-US" dirty="0"/>
               <a:t> of Pipe B (</a:t>
             </a:r>
             <a:r>
-              <a:rPr lang="en-US" dirty="0" err="1" smtClean="0"/>
+              <a:rPr lang="en-US" dirty="0" err="1"/>
               <a:t>ie</a:t>
             </a:r>
             <a:r>
-              <a:rPr lang="en-US" dirty="0" smtClean="0"/>
+              <a:rPr lang="en-US" dirty="0"/>
               <a:t>, chained)</a:t>
             </a:r>
-            <a:endParaRPr lang="en-US" dirty="0"/>
           </a:p>
         </p:txBody>
       </p:sp>
@@ -9966,7 +9778,7 @@
           </a:bodyPr>
           <a:lstStyle/>
           <a:p>
-            <a:endParaRPr kumimoji="0" lang="en-US" sz="3200" b="0" i="0" u="none" strike="noStrike" cap="none" spc="0" normalizeH="0" baseline="0" dirty="0" smtClean="0">
+            <a:endParaRPr kumimoji="0" lang="en-US" sz="3200" b="0" i="0" u="none" strike="noStrike" cap="none" spc="0" normalizeH="0" baseline="0" dirty="0">
               <a:ln>
                 <a:noFill/>
               </a:ln>
@@ -10040,7 +9852,7 @@
               <a:tabLst/>
             </a:pPr>
             <a:r>
-              <a:rPr kumimoji="0" lang="en-US" sz="3600" b="0" i="0" u="none" strike="noStrike" cap="none" spc="0" normalizeH="0" baseline="0" dirty="0" smtClean="0">
+              <a:rPr kumimoji="0" lang="en-US" sz="3600" b="0" i="0" u="none" strike="noStrike" cap="none" spc="0" normalizeH="0" baseline="0" dirty="0">
                 <a:ln>
                   <a:noFill/>
                 </a:ln>
@@ -10056,20 +9868,6 @@
               </a:rPr>
               <a:t>Data T</a:t>
             </a:r>
-            <a:endParaRPr kumimoji="0" lang="en-US" sz="3600" b="0" i="0" u="none" strike="noStrike" cap="none" spc="0" normalizeH="0" baseline="0" dirty="0">
-              <a:ln>
-                <a:noFill/>
-              </a:ln>
-              <a:solidFill>
-                <a:srgbClr val="000000"/>
-              </a:solidFill>
-              <a:effectLst/>
-              <a:uFillTx/>
-              <a:latin typeface="+mn-lt"/>
-              <a:ea typeface="+mn-ea"/>
-              <a:cs typeface="+mn-cs"/>
-              <a:sym typeface="Helvetica Light"/>
-            </a:endParaRPr>
           </a:p>
         </p:txBody>
       </p:sp>
@@ -10130,7 +9928,7 @@
               <a:tabLst/>
             </a:pPr>
             <a:r>
-              <a:rPr kumimoji="0" lang="en-US" sz="3600" b="0" i="0" u="none" strike="noStrike" cap="none" spc="0" normalizeH="0" baseline="0" dirty="0" smtClean="0">
+              <a:rPr kumimoji="0" lang="en-US" sz="3600" b="0" i="0" u="none" strike="noStrike" cap="none" spc="0" normalizeH="0" baseline="0" dirty="0">
                 <a:ln>
                   <a:noFill/>
                 </a:ln>
@@ -10146,20 +9944,6 @@
               </a:rPr>
               <a:t>Collector</a:t>
             </a:r>
-            <a:endParaRPr kumimoji="0" lang="en-US" sz="3600" b="0" i="0" u="none" strike="noStrike" cap="none" spc="0" normalizeH="0" baseline="0" dirty="0">
-              <a:ln>
-                <a:noFill/>
-              </a:ln>
-              <a:solidFill>
-                <a:srgbClr val="000000"/>
-              </a:solidFill>
-              <a:effectLst/>
-              <a:uFillTx/>
-              <a:latin typeface="+mn-lt"/>
-              <a:ea typeface="+mn-ea"/>
-              <a:cs typeface="+mn-cs"/>
-              <a:sym typeface="Helvetica Light"/>
-            </a:endParaRPr>
           </a:p>
         </p:txBody>
       </p:sp>
@@ -10382,7 +10166,7 @@
               <a:tabLst/>
             </a:pPr>
             <a:r>
-              <a:rPr lang="en-US" sz="3200" dirty="0" smtClean="0"/>
+              <a:rPr lang="en-US" sz="3200" dirty="0"/>
               <a:t>T</a:t>
             </a:r>
             <a:endParaRPr kumimoji="0" lang="en-US" sz="3200" b="0" i="0" u="none" strike="noStrike" cap="none" spc="0" normalizeH="0" baseline="0" dirty="0">
@@ -10459,7 +10243,7 @@
               <a:tabLst/>
             </a:pPr>
             <a:r>
-              <a:rPr lang="en-US" sz="3200" dirty="0" smtClean="0"/>
+              <a:rPr lang="en-US" sz="3200" dirty="0"/>
               <a:t>OUT_B</a:t>
             </a:r>
             <a:endParaRPr kumimoji="0" lang="en-US" sz="3200" b="0" i="0" u="none" strike="noStrike" cap="none" spc="0" normalizeH="0" baseline="0" dirty="0">
@@ -10658,7 +10442,7 @@
               <a:tabLst/>
             </a:pPr>
             <a:r>
-              <a:rPr lang="en-US" sz="3200" dirty="0" smtClean="0"/>
+              <a:rPr lang="en-US" sz="3200" dirty="0"/>
               <a:t>OUT_A</a:t>
             </a:r>
             <a:endParaRPr kumimoji="0" lang="en-US" sz="3200" b="0" i="0" u="none" strike="noStrike" cap="none" spc="0" normalizeH="0" baseline="0" dirty="0">
@@ -10735,7 +10519,7 @@
               <a:tabLst/>
             </a:pPr>
             <a:r>
-              <a:rPr kumimoji="0" lang="en-US" sz="3200" b="0" i="0" u="none" strike="noStrike" cap="none" spc="0" normalizeH="0" baseline="0" dirty="0" smtClean="0">
+              <a:rPr kumimoji="0" lang="en-US" sz="3200" b="0" i="0" u="none" strike="noStrike" cap="none" spc="0" normalizeH="0" baseline="0" dirty="0">
                 <a:ln>
                   <a:noFill/>
                 </a:ln>
@@ -10752,7 +10536,7 @@
               <a:t>Pipe</a:t>
             </a:r>
             <a:r>
-              <a:rPr kumimoji="0" lang="en-US" sz="3200" b="0" i="0" u="none" strike="noStrike" cap="none" spc="0" normalizeH="0" dirty="0" smtClean="0">
+              <a:rPr kumimoji="0" lang="en-US" sz="3200" b="0" i="0" u="none" strike="noStrike" cap="none" spc="0" normalizeH="0" dirty="0">
                 <a:ln>
                   <a:noFill/>
                 </a:ln>
@@ -10842,7 +10626,7 @@
               <a:tabLst/>
             </a:pPr>
             <a:r>
-              <a:rPr kumimoji="0" lang="en-US" sz="3200" b="0" i="0" u="none" strike="noStrike" cap="none" spc="0" normalizeH="0" baseline="0" dirty="0" smtClean="0">
+              <a:rPr kumimoji="0" lang="en-US" sz="3200" b="0" i="0" u="none" strike="noStrike" cap="none" spc="0" normalizeH="0" baseline="0" dirty="0">
                 <a:ln>
                   <a:noFill/>
                 </a:ln>
@@ -10859,7 +10643,7 @@
               <a:t>Pipe</a:t>
             </a:r>
             <a:r>
-              <a:rPr kumimoji="0" lang="en-US" sz="3200" b="0" i="0" u="none" strike="noStrike" cap="none" spc="0" normalizeH="0" dirty="0" smtClean="0">
+              <a:rPr kumimoji="0" lang="en-US" sz="3200" b="0" i="0" u="none" strike="noStrike" cap="none" spc="0" normalizeH="0" dirty="0">
                 <a:ln>
                   <a:noFill/>
                 </a:ln>
@@ -10946,19 +10730,19 @@
           <a:lstStyle/>
           <a:p>
             <a:r>
-              <a:rPr lang="en-US" dirty="0" smtClean="0"/>
+              <a:rPr lang="en-US" dirty="0"/>
               <a:t>The collector is what starts the stream by pulling data</a:t>
             </a:r>
           </a:p>
           <a:p>
             <a:r>
-              <a:rPr lang="en-US" dirty="0" smtClean="0"/>
+              <a:rPr lang="en-US" dirty="0"/>
               <a:t>The consumer of the first pipe is called, and that will trigger a chain until the last consumer</a:t>
             </a:r>
           </a:p>
           <a:p>
             <a:r>
-              <a:rPr lang="en-US" dirty="0" smtClean="0"/>
+              <a:rPr lang="en-US" dirty="0"/>
               <a:t>However, the collector itself has to define a Consumer for the last pipe</a:t>
             </a:r>
           </a:p>
@@ -11032,7 +10816,7 @@
               <a:tabLst/>
             </a:pPr>
             <a:r>
-              <a:rPr kumimoji="0" lang="en-US" sz="2400" b="0" i="0" u="none" strike="noStrike" cap="none" spc="0" normalizeH="0" baseline="0" dirty="0" smtClean="0">
+              <a:rPr kumimoji="0" lang="en-US" sz="2400" b="0" i="0" u="none" strike="noStrike" cap="none" spc="0" normalizeH="0" baseline="0" dirty="0">
                 <a:ln>
                   <a:noFill/>
                 </a:ln>
@@ -11049,7 +10833,7 @@
               <a:t>Pipe A:</a:t>
             </a:r>
             <a:r>
-              <a:rPr kumimoji="0" lang="en-US" sz="2400" b="0" i="0" u="none" strike="noStrike" cap="none" spc="0" normalizeH="0" dirty="0" smtClean="0">
+              <a:rPr kumimoji="0" lang="en-US" sz="2400" b="0" i="0" u="none" strike="noStrike" cap="none" spc="0" normalizeH="0" dirty="0">
                 <a:ln>
                   <a:noFill/>
                 </a:ln>
@@ -11066,7 +10850,7 @@
               <a:t> </a:t>
             </a:r>
             <a:r>
-              <a:rPr kumimoji="0" lang="en-US" sz="2400" b="0" i="0" u="none" strike="noStrike" cap="none" spc="0" normalizeH="0" baseline="0" dirty="0" smtClean="0">
+              <a:rPr kumimoji="0" lang="en-US" sz="2400" b="0" i="0" u="none" strike="noStrike" cap="none" spc="0" normalizeH="0" baseline="0" dirty="0">
                 <a:ln>
                   <a:noFill/>
                 </a:ln>
@@ -11101,7 +10885,7 @@
               <a:tabLst/>
             </a:pPr>
             <a:r>
-              <a:rPr lang="en-US" sz="2400" dirty="0" smtClean="0">
+              <a:rPr lang="en-US" sz="2400" dirty="0">
                 <a:solidFill>
                   <a:schemeClr val="tx1"/>
                 </a:solidFill>
@@ -11127,7 +10911,7 @@
               <a:tabLst/>
             </a:pPr>
             <a:r>
-              <a:rPr kumimoji="0" lang="en-US" sz="2400" b="0" i="0" u="none" strike="noStrike" cap="none" spc="0" normalizeH="0" baseline="0" dirty="0" smtClean="0">
+              <a:rPr kumimoji="0" lang="en-US" sz="2400" b="0" i="0" u="none" strike="noStrike" cap="none" spc="0" normalizeH="0" baseline="0" dirty="0">
                 <a:ln>
                   <a:noFill/>
                 </a:ln>
@@ -11144,7 +10928,7 @@
               <a:t>Call consumer</a:t>
             </a:r>
             <a:r>
-              <a:rPr kumimoji="0" lang="en-US" sz="2400" b="0" i="0" u="none" strike="noStrike" cap="none" spc="0" normalizeH="0" dirty="0" smtClean="0">
+              <a:rPr kumimoji="0" lang="en-US" sz="2400" b="0" i="0" u="none" strike="noStrike" cap="none" spc="0" normalizeH="0" dirty="0">
                 <a:ln>
                   <a:noFill/>
                 </a:ln>
@@ -11161,7 +10945,7 @@
               <a:t> of </a:t>
             </a:r>
             <a:r>
-              <a:rPr kumimoji="0" lang="en-US" sz="2400" b="0" i="0" u="none" strike="noStrike" cap="none" spc="0" normalizeH="0" baseline="0" dirty="0" smtClean="0">
+              <a:rPr kumimoji="0" lang="en-US" sz="2400" b="0" i="0" u="none" strike="noStrike" cap="none" spc="0" normalizeH="0" baseline="0" dirty="0">
                 <a:ln>
                   <a:noFill/>
                 </a:ln>
@@ -11177,20 +10961,6 @@
               </a:rPr>
               <a:t>Pipe B with such output</a:t>
             </a:r>
-            <a:endParaRPr kumimoji="0" lang="en-US" sz="2400" b="0" i="0" u="none" strike="noStrike" cap="none" spc="0" normalizeH="0" baseline="0" dirty="0">
-              <a:ln>
-                <a:noFill/>
-              </a:ln>
-              <a:solidFill>
-                <a:schemeClr val="tx1"/>
-              </a:solidFill>
-              <a:effectLst/>
-              <a:uFillTx/>
-              <a:latin typeface="+mn-lt"/>
-              <a:ea typeface="+mn-ea"/>
-              <a:cs typeface="+mn-cs"/>
-              <a:sym typeface="Helvetica Light"/>
-            </a:endParaRPr>
           </a:p>
         </p:txBody>
       </p:sp>
@@ -11259,7 +11029,7 @@
               <a:tabLst/>
             </a:pPr>
             <a:r>
-              <a:rPr kumimoji="0" lang="en-US" sz="2400" b="0" i="0" u="none" strike="noStrike" cap="none" spc="0" normalizeH="0" baseline="0" dirty="0" smtClean="0">
+              <a:rPr kumimoji="0" lang="en-US" sz="2400" b="0" i="0" u="none" strike="noStrike" cap="none" spc="0" normalizeH="0" baseline="0" dirty="0">
                 <a:ln>
                   <a:noFill/>
                 </a:ln>
@@ -11276,7 +11046,7 @@
               <a:t>Pipe B:</a:t>
             </a:r>
             <a:r>
-              <a:rPr kumimoji="0" lang="en-US" sz="2400" b="0" i="0" u="none" strike="noStrike" cap="none" spc="0" normalizeH="0" dirty="0" smtClean="0">
+              <a:rPr kumimoji="0" lang="en-US" sz="2400" b="0" i="0" u="none" strike="noStrike" cap="none" spc="0" normalizeH="0" dirty="0">
                 <a:ln>
                   <a:noFill/>
                 </a:ln>
@@ -11293,7 +11063,7 @@
               <a:t> </a:t>
             </a:r>
             <a:r>
-              <a:rPr kumimoji="0" lang="en-US" sz="2400" b="0" i="0" u="none" strike="noStrike" cap="none" spc="0" normalizeH="0" baseline="0" dirty="0" smtClean="0">
+              <a:rPr kumimoji="0" lang="en-US" sz="2400" b="0" i="0" u="none" strike="noStrike" cap="none" spc="0" normalizeH="0" baseline="0" dirty="0">
                 <a:ln>
                   <a:noFill/>
                 </a:ln>
@@ -11328,7 +11098,7 @@
               <a:tabLst/>
             </a:pPr>
             <a:r>
-              <a:rPr lang="en-US" sz="2400" dirty="0" smtClean="0">
+              <a:rPr lang="en-US" sz="2400" dirty="0">
                 <a:solidFill>
                   <a:schemeClr val="tx1"/>
                 </a:solidFill>
@@ -11354,7 +11124,7 @@
               <a:tabLst/>
             </a:pPr>
             <a:r>
-              <a:rPr kumimoji="0" lang="en-US" sz="2400" b="0" i="0" u="none" strike="noStrike" cap="none" spc="0" normalizeH="0" baseline="0" dirty="0" smtClean="0">
+              <a:rPr kumimoji="0" lang="en-US" sz="2400" b="0" i="0" u="none" strike="noStrike" cap="none" spc="0" normalizeH="0" baseline="0" dirty="0">
                 <a:ln>
                   <a:noFill/>
                 </a:ln>
@@ -11371,7 +11141,7 @@
               <a:t>Call consumer</a:t>
             </a:r>
             <a:r>
-              <a:rPr kumimoji="0" lang="en-US" sz="2400" b="0" i="0" u="none" strike="noStrike" cap="none" spc="0" normalizeH="0" dirty="0" smtClean="0">
+              <a:rPr kumimoji="0" lang="en-US" sz="2400" b="0" i="0" u="none" strike="noStrike" cap="none" spc="0" normalizeH="0" dirty="0">
                 <a:ln>
                   <a:noFill/>
                 </a:ln>
@@ -11388,7 +11158,7 @@
               <a:t> of </a:t>
             </a:r>
             <a:r>
-              <a:rPr lang="en-US" sz="2400" dirty="0" smtClean="0">
+              <a:rPr lang="en-US" sz="2400" dirty="0">
                 <a:solidFill>
                   <a:schemeClr val="tx1"/>
                 </a:solidFill>
@@ -11477,7 +11247,7 @@
               <a:tabLst/>
             </a:pPr>
             <a:r>
-              <a:rPr lang="en-US" sz="2400" dirty="0" smtClean="0">
+              <a:rPr lang="en-US" sz="2400" dirty="0">
                 <a:solidFill>
                   <a:schemeClr val="tx1"/>
                 </a:solidFill>
@@ -11485,7 +11255,7 @@
               <a:t>Collector</a:t>
             </a:r>
             <a:r>
-              <a:rPr kumimoji="0" lang="en-US" sz="2400" b="0" i="0" u="none" strike="noStrike" cap="none" spc="0" normalizeH="0" baseline="0" dirty="0" smtClean="0">
+              <a:rPr kumimoji="0" lang="en-US" sz="2400" b="0" i="0" u="none" strike="noStrike" cap="none" spc="0" normalizeH="0" baseline="0" dirty="0">
                 <a:ln>
                   <a:noFill/>
                 </a:ln>
@@ -11502,7 +11272,7 @@
               <a:t>:</a:t>
             </a:r>
             <a:r>
-              <a:rPr kumimoji="0" lang="en-US" sz="2400" b="0" i="0" u="none" strike="noStrike" cap="none" spc="0" normalizeH="0" dirty="0" smtClean="0">
+              <a:rPr kumimoji="0" lang="en-US" sz="2400" b="0" i="0" u="none" strike="noStrike" cap="none" spc="0" normalizeH="0" dirty="0">
                 <a:ln>
                   <a:noFill/>
                 </a:ln>
@@ -11519,7 +11289,7 @@
               <a:t> </a:t>
             </a:r>
             <a:r>
-              <a:rPr kumimoji="0" lang="en-US" sz="2400" b="0" i="0" u="none" strike="noStrike" cap="none" spc="0" normalizeH="0" baseline="0" dirty="0" smtClean="0">
+              <a:rPr kumimoji="0" lang="en-US" sz="2400" b="0" i="0" u="none" strike="noStrike" cap="none" spc="0" normalizeH="0" baseline="0" dirty="0">
                 <a:ln>
                   <a:noFill/>
                 </a:ln>
@@ -11554,7 +11324,7 @@
               <a:tabLst/>
             </a:pPr>
             <a:r>
-              <a:rPr lang="en-US" sz="2400" dirty="0" smtClean="0">
+              <a:rPr lang="en-US" sz="2400" dirty="0">
                 <a:solidFill>
                   <a:schemeClr val="tx1"/>
                 </a:solidFill>
@@ -11580,7 +11350,7 @@
               <a:tabLst/>
             </a:pPr>
             <a:r>
-              <a:rPr kumimoji="0" lang="en-US" sz="2400" b="0" i="0" u="none" strike="noStrike" cap="none" spc="0" normalizeH="0" baseline="0" dirty="0" smtClean="0">
+              <a:rPr kumimoji="0" lang="en-US" sz="2400" b="0" i="0" u="none" strike="noStrike" cap="none" spc="0" normalizeH="0" baseline="0" dirty="0">
                 <a:ln>
                   <a:noFill/>
                 </a:ln>
@@ -11596,20 +11366,6 @@
               </a:rPr>
               <a:t>End of the chain</a:t>
             </a:r>
-            <a:endParaRPr kumimoji="0" lang="en-US" sz="2400" b="0" i="0" u="none" strike="noStrike" cap="none" spc="0" normalizeH="0" baseline="0" dirty="0">
-              <a:ln>
-                <a:noFill/>
-              </a:ln>
-              <a:solidFill>
-                <a:schemeClr val="tx1"/>
-              </a:solidFill>
-              <a:effectLst/>
-              <a:uFillTx/>
-              <a:latin typeface="+mn-lt"/>
-              <a:ea typeface="+mn-ea"/>
-              <a:cs typeface="+mn-cs"/>
-              <a:sym typeface="Helvetica Light"/>
-            </a:endParaRPr>
           </a:p>
         </p:txBody>
       </p:sp>
@@ -11681,30 +11437,14 @@
               <a:tabLst/>
             </a:pPr>
             <a:r>
-              <a:rPr lang="en-US" sz="2400" dirty="0" smtClean="0">
+              <a:rPr lang="en-US" sz="2400" dirty="0">
                 <a:solidFill>
                   <a:schemeClr val="tx1"/>
                 </a:solidFill>
               </a:rPr>
-              <a:t>Collector</a:t>
-            </a:r>
-            <a:r>
-              <a:rPr lang="en-US" sz="2400" dirty="0">
-                <a:solidFill>
-                  <a:schemeClr val="tx1"/>
-                </a:solidFill>
-              </a:rPr>
-              <a:t> </a:t>
-            </a:r>
-            <a:r>
-              <a:rPr lang="en-US" sz="2400" dirty="0" smtClean="0">
-                <a:solidFill>
-                  <a:schemeClr val="tx1"/>
-                </a:solidFill>
-              </a:rPr>
-              <a:t>Call</a:t>
-            </a:r>
-            <a:endParaRPr kumimoji="0" lang="en-US" sz="2400" b="0" i="0" u="none" strike="noStrike" cap="none" spc="0" normalizeH="0" baseline="0" dirty="0" smtClean="0">
+              <a:t>Collector Call</a:t>
+            </a:r>
+            <a:endParaRPr kumimoji="0" lang="en-US" sz="2400" b="0" i="0" u="none" strike="noStrike" cap="none" spc="0" normalizeH="0" baseline="0" dirty="0">
               <a:ln>
                 <a:noFill/>
               </a:ln>
@@ -11737,7 +11477,7 @@
               <a:tabLst/>
             </a:pPr>
             <a:r>
-              <a:rPr lang="en-US" sz="2400" dirty="0" smtClean="0">
+              <a:rPr lang="en-US" sz="2400" dirty="0">
                 <a:solidFill>
                   <a:schemeClr val="tx1"/>
                 </a:solidFill>
@@ -11763,7 +11503,7 @@
               <a:tabLst/>
             </a:pPr>
             <a:r>
-              <a:rPr lang="en-US" sz="2400" dirty="0" smtClean="0">
+              <a:rPr lang="en-US" sz="2400" dirty="0">
                 <a:solidFill>
                   <a:schemeClr val="tx1"/>
                 </a:solidFill>
@@ -12077,10 +11817,9 @@
           <a:lstStyle/>
           <a:p>
             <a:r>
-              <a:rPr lang="en-US" dirty="0" smtClean="0"/>
+              <a:rPr lang="en-US" dirty="0"/>
               <a:t>Homework</a:t>
             </a:r>
-            <a:endParaRPr lang="en-US" dirty="0"/>
           </a:p>
         </p:txBody>
       </p:sp>
@@ -12100,39 +11839,31 @@
           <a:lstStyle/>
           <a:p>
             <a:r>
-              <a:rPr lang="en-US" dirty="0" smtClean="0"/>
-              <a:t>No </a:t>
-            </a:r>
-            <a:r>
               <a:rPr lang="en-US" dirty="0"/>
-              <a:t>Book </a:t>
-            </a:r>
-            <a:r>
-              <a:rPr lang="en-US" dirty="0" smtClean="0"/>
-              <a:t>Chapter</a:t>
-            </a:r>
-          </a:p>
-          <a:p>
-            <a:r>
-              <a:rPr lang="en-US" dirty="0" smtClean="0"/>
+              <a:t>No Book Chapter</a:t>
+            </a:r>
+          </a:p>
+          <a:p>
+            <a:r>
+              <a:rPr lang="en-US" dirty="0"/>
               <a:t>Study code in the </a:t>
             </a:r>
             <a:r>
-              <a:rPr lang="en-US" i="1" dirty="0" smtClean="0"/>
+              <a:rPr lang="en-US" i="1" dirty="0"/>
               <a:t>org.pg4200.les07</a:t>
             </a:r>
             <a:r>
-              <a:rPr lang="en-US" dirty="0" smtClean="0"/>
+              <a:rPr lang="en-US" dirty="0"/>
               <a:t> package</a:t>
             </a:r>
           </a:p>
           <a:p>
             <a:r>
-              <a:rPr lang="en-US" dirty="0" smtClean="0"/>
+              <a:rPr lang="en-US" dirty="0"/>
               <a:t>Do exercises in </a:t>
             </a:r>
             <a:r>
-              <a:rPr lang="en-US" i="1" dirty="0" smtClean="0"/>
+              <a:rPr lang="en-US" i="1" dirty="0"/>
               <a:t>exercises/ex07</a:t>
             </a:r>
           </a:p>
@@ -12149,13 +11880,6 @@
     <a:masterClrMapping/>
   </p:clrMapOvr>
   <p:transition spd="med"/>
-  <p:timing>
-    <p:tnLst>
-      <p:par>
-        <p:cTn id="1" dur="indefinite" restart="never" nodeType="tmRoot"/>
-      </p:par>
-    </p:tnLst>
-  </p:timing>
 </p:sld>
 </file>
 
@@ -12194,10 +11918,9 @@
           <a:lstStyle/>
           <a:p>
             <a:r>
-              <a:rPr lang="en-US" dirty="0" smtClean="0"/>
+              <a:rPr lang="en-US" dirty="0"/>
               <a:t>Iterating Over All Elements</a:t>
             </a:r>
-            <a:endParaRPr lang="en-US" dirty="0"/>
           </a:p>
         </p:txBody>
       </p:sp>
@@ -12222,103 +11945,102 @@
           <a:lstStyle/>
           <a:p>
             <a:r>
-              <a:rPr lang="en-US" dirty="0" smtClean="0"/>
+              <a:rPr lang="en-US" dirty="0"/>
               <a:t>Many situations in which you need to look at and process all elements in a collection</a:t>
             </a:r>
           </a:p>
           <a:p>
             <a:r>
-              <a:rPr lang="en-US" dirty="0" smtClean="0"/>
+              <a:rPr lang="en-US" dirty="0"/>
               <a:t>For </a:t>
             </a:r>
             <a:r>
-              <a:rPr lang="en-US" i="1" dirty="0" smtClean="0"/>
+              <a:rPr lang="en-US" i="1" dirty="0"/>
               <a:t>lists</a:t>
             </a:r>
             <a:r>
-              <a:rPr lang="en-US" dirty="0" smtClean="0"/>
+              <a:rPr lang="en-US" dirty="0"/>
               <a:t> and </a:t>
             </a:r>
             <a:r>
-              <a:rPr lang="en-US" i="1" dirty="0" smtClean="0"/>
+              <a:rPr lang="en-US" i="1" dirty="0"/>
               <a:t>arrays</a:t>
             </a:r>
             <a:r>
-              <a:rPr lang="en-US" dirty="0" smtClean="0"/>
+              <a:rPr lang="en-US" dirty="0"/>
               <a:t>, can look at indices from </a:t>
             </a:r>
             <a:r>
-              <a:rPr lang="en-US" i="1" dirty="0" smtClean="0"/>
+              <a:rPr lang="en-US" i="1" dirty="0"/>
               <a:t>0</a:t>
             </a:r>
             <a:r>
-              <a:rPr lang="en-US" dirty="0" smtClean="0"/>
+              <a:rPr lang="en-US" dirty="0"/>
               <a:t> to </a:t>
             </a:r>
             <a:r>
-              <a:rPr lang="en-US" i="1" dirty="0" smtClean="0"/>
+              <a:rPr lang="en-US" i="1" dirty="0"/>
               <a:t>N-1</a:t>
             </a:r>
           </a:p>
           <a:p>
             <a:r>
-              <a:rPr lang="en-US" dirty="0" smtClean="0"/>
+              <a:rPr lang="en-US" dirty="0"/>
               <a:t>But what about </a:t>
             </a:r>
             <a:r>
-              <a:rPr lang="en-US" i="1" dirty="0" smtClean="0"/>
+              <a:rPr lang="en-US" i="1" dirty="0"/>
               <a:t>maps</a:t>
             </a:r>
             <a:r>
-              <a:rPr lang="en-US" dirty="0" smtClean="0"/>
+              <a:rPr lang="en-US" dirty="0"/>
               <a:t> and </a:t>
             </a:r>
             <a:r>
-              <a:rPr lang="en-US" i="1" dirty="0" smtClean="0"/>
+              <a:rPr lang="en-US" i="1" dirty="0"/>
               <a:t>sets </a:t>
             </a:r>
             <a:r>
-              <a:rPr lang="en-US" dirty="0" smtClean="0"/>
+              <a:rPr lang="en-US" dirty="0"/>
               <a:t>that are unordered? </a:t>
             </a:r>
           </a:p>
           <a:p>
             <a:pPr lvl="1"/>
             <a:r>
-              <a:rPr lang="en-US" dirty="0" smtClean="0"/>
+              <a:rPr lang="en-US" dirty="0"/>
               <a:t>or other kinds of data structures like </a:t>
             </a:r>
             <a:r>
-              <a:rPr lang="en-US" i="1" dirty="0" smtClean="0"/>
+              <a:rPr lang="en-US" i="1" dirty="0"/>
               <a:t>graphs</a:t>
             </a:r>
             <a:r>
-              <a:rPr lang="en-US" dirty="0" smtClean="0"/>
+              <a:rPr lang="en-US" dirty="0"/>
               <a:t> that we haven’t seen yet</a:t>
             </a:r>
           </a:p>
           <a:p>
             <a:r>
-              <a:rPr lang="en-US" dirty="0" smtClean="0"/>
+              <a:rPr lang="en-US" dirty="0"/>
               <a:t>Would like to write loops like “</a:t>
             </a:r>
             <a:r>
-              <a:rPr lang="en-US" i="1" dirty="0" smtClean="0"/>
+              <a:rPr lang="en-US" i="1" dirty="0"/>
               <a:t>for(X </a:t>
             </a:r>
             <a:r>
-              <a:rPr lang="en-US" i="1" dirty="0" err="1" smtClean="0"/>
+              <a:rPr lang="en-US" i="1" dirty="0" err="1"/>
               <a:t>x</a:t>
             </a:r>
             <a:r>
-              <a:rPr lang="en-US" i="1" dirty="0" smtClean="0"/>
+              <a:rPr lang="en-US" i="1" dirty="0"/>
               <a:t> : collection){…}</a:t>
             </a:r>
             <a:r>
-              <a:rPr lang="en-US" dirty="0" smtClean="0"/>
+              <a:rPr lang="en-US" dirty="0"/>
               <a:t>”</a:t>
             </a:r>
-            <a:endParaRPr lang="en-US" dirty="0"/>
           </a:p>
         </p:txBody>
       </p:sp>
@@ -12370,11 +12092,7 @@
           <a:p>
             <a:r>
               <a:rPr lang="en-US" dirty="0" err="1"/>
-              <a:t>j</a:t>
-            </a:r>
-            <a:r>
-              <a:rPr lang="en-US" dirty="0" err="1" smtClean="0"/>
-              <a:t>ava.util.Iterator</a:t>
+              <a:t>java.util.Iterator</a:t>
             </a:r>
             <a:endParaRPr lang="en-US" dirty="0"/>
           </a:p>
@@ -12453,7 +12171,7 @@
               <a:tabLst/>
             </a:pPr>
             <a:r>
-              <a:rPr kumimoji="0" lang="en-US" altLang="en-US" sz="2100" b="1" i="0" u="none" strike="noStrike" cap="none" normalizeH="0" baseline="0" dirty="0" smtClean="0">
+              <a:rPr kumimoji="0" lang="en-US" altLang="en-US" sz="2100" b="1" i="0" u="none" strike="noStrike" cap="none" normalizeH="0" baseline="0" dirty="0">
                 <a:ln>
                   <a:noFill/>
                 </a:ln>
@@ -12467,7 +12185,7 @@
               <a:t>public interface </a:t>
             </a:r>
             <a:r>
-              <a:rPr kumimoji="0" lang="en-US" altLang="en-US" sz="2100" b="0" i="0" u="none" strike="noStrike" cap="none" normalizeH="0" baseline="0" dirty="0" smtClean="0">
+              <a:rPr kumimoji="0" lang="en-US" altLang="en-US" sz="2100" b="0" i="0" u="none" strike="noStrike" cap="none" normalizeH="0" baseline="0" dirty="0">
                 <a:ln>
                   <a:noFill/>
                 </a:ln>
@@ -12481,7 +12199,7 @@
               <a:t>Iterator&lt;</a:t>
             </a:r>
             <a:r>
-              <a:rPr kumimoji="0" lang="en-US" altLang="en-US" sz="2100" b="0" i="0" u="none" strike="noStrike" cap="none" normalizeH="0" baseline="0" dirty="0" smtClean="0">
+              <a:rPr kumimoji="0" lang="en-US" altLang="en-US" sz="2100" b="0" i="0" u="none" strike="noStrike" cap="none" normalizeH="0" baseline="0" dirty="0">
                 <a:ln>
                   <a:noFill/>
                 </a:ln>
@@ -12495,7 +12213,7 @@
               <a:t>E</a:t>
             </a:r>
             <a:r>
-              <a:rPr kumimoji="0" lang="en-US" altLang="en-US" sz="2100" b="0" i="0" u="none" strike="noStrike" cap="none" normalizeH="0" baseline="0" dirty="0" smtClean="0">
+              <a:rPr kumimoji="0" lang="en-US" altLang="en-US" sz="2100" b="0" i="0" u="none" strike="noStrike" cap="none" normalizeH="0" baseline="0" dirty="0">
                 <a:ln>
                   <a:noFill/>
                 </a:ln>
@@ -12509,7 +12227,7 @@
               <a:t>&gt; {</a:t>
             </a:r>
             <a:br>
-              <a:rPr kumimoji="0" lang="en-US" altLang="en-US" sz="2100" b="0" i="0" u="none" strike="noStrike" cap="none" normalizeH="0" baseline="0" dirty="0" smtClean="0">
+              <a:rPr kumimoji="0" lang="en-US" altLang="en-US" sz="2100" b="0" i="0" u="none" strike="noStrike" cap="none" normalizeH="0" baseline="0" dirty="0">
                 <a:ln>
                   <a:noFill/>
                 </a:ln>
@@ -12522,7 +12240,7 @@
               </a:rPr>
             </a:br>
             <a:r>
-              <a:rPr kumimoji="0" lang="en-US" altLang="en-US" sz="2100" b="0" i="0" u="none" strike="noStrike" cap="none" normalizeH="0" baseline="0" dirty="0" smtClean="0">
+              <a:rPr kumimoji="0" lang="en-US" altLang="en-US" sz="2100" b="0" i="0" u="none" strike="noStrike" cap="none" normalizeH="0" baseline="0" dirty="0">
                 <a:ln>
                   <a:noFill/>
                 </a:ln>
@@ -12536,7 +12254,7 @@
               <a:t>    </a:t>
             </a:r>
             <a:r>
-              <a:rPr kumimoji="0" lang="en-US" altLang="en-US" sz="2100" b="0" i="1" u="none" strike="noStrike" cap="none" normalizeH="0" baseline="0" dirty="0" smtClean="0">
+              <a:rPr kumimoji="0" lang="en-US" altLang="en-US" sz="2100" b="0" i="1" u="none" strike="noStrike" cap="none" normalizeH="0" baseline="0" dirty="0">
                 <a:ln>
                   <a:noFill/>
                 </a:ln>
@@ -12550,7 +12268,7 @@
               <a:t>/**</a:t>
             </a:r>
             <a:br>
-              <a:rPr kumimoji="0" lang="en-US" altLang="en-US" sz="2100" b="0" i="1" u="none" strike="noStrike" cap="none" normalizeH="0" baseline="0" dirty="0" smtClean="0">
+              <a:rPr kumimoji="0" lang="en-US" altLang="en-US" sz="2100" b="0" i="1" u="none" strike="noStrike" cap="none" normalizeH="0" baseline="0" dirty="0">
                 <a:ln>
                   <a:noFill/>
                 </a:ln>
@@ -12563,7 +12281,7 @@
               </a:rPr>
             </a:br>
             <a:r>
-              <a:rPr kumimoji="0" lang="en-US" altLang="en-US" sz="2100" b="0" i="1" u="none" strike="noStrike" cap="none" normalizeH="0" baseline="0" dirty="0" smtClean="0">
+              <a:rPr kumimoji="0" lang="en-US" altLang="en-US" sz="2100" b="0" i="1" u="none" strike="noStrike" cap="none" normalizeH="0" baseline="0" dirty="0">
                 <a:ln>
                   <a:noFill/>
                 </a:ln>
@@ -12577,7 +12295,7 @@
               <a:t>     * Returns {</a:t>
             </a:r>
             <a:r>
-              <a:rPr kumimoji="0" lang="en-US" altLang="en-US" sz="2100" b="1" i="1" u="none" strike="noStrike" cap="none" normalizeH="0" baseline="0" dirty="0" smtClean="0">
+              <a:rPr kumimoji="0" lang="en-US" altLang="en-US" sz="2100" b="1" i="1" u="none" strike="noStrike" cap="none" normalizeH="0" baseline="0" dirty="0">
                 <a:ln>
                   <a:noFill/>
                 </a:ln>
@@ -12591,7 +12309,7 @@
               <a:t>@code </a:t>
             </a:r>
             <a:r>
-              <a:rPr kumimoji="0" lang="en-US" altLang="en-US" sz="2100" b="0" i="1" u="none" strike="noStrike" cap="none" normalizeH="0" baseline="0" dirty="0" smtClean="0">
+              <a:rPr kumimoji="0" lang="en-US" altLang="en-US" sz="2100" b="0" i="1" u="none" strike="noStrike" cap="none" normalizeH="0" baseline="0" dirty="0">
                 <a:ln>
                   <a:noFill/>
                 </a:ln>
@@ -12605,7 +12323,7 @@
               <a:t>true} if the iteration has more elements.</a:t>
             </a:r>
             <a:br>
-              <a:rPr kumimoji="0" lang="en-US" altLang="en-US" sz="2100" b="0" i="1" u="none" strike="noStrike" cap="none" normalizeH="0" baseline="0" dirty="0" smtClean="0">
+              <a:rPr kumimoji="0" lang="en-US" altLang="en-US" sz="2100" b="0" i="1" u="none" strike="noStrike" cap="none" normalizeH="0" baseline="0" dirty="0">
                 <a:ln>
                   <a:noFill/>
                 </a:ln>
@@ -12618,7 +12336,7 @@
               </a:rPr>
             </a:br>
             <a:r>
-              <a:rPr kumimoji="0" lang="en-US" altLang="en-US" sz="2100" b="0" i="1" u="none" strike="noStrike" cap="none" normalizeH="0" baseline="0" dirty="0" smtClean="0">
+              <a:rPr kumimoji="0" lang="en-US" altLang="en-US" sz="2100" b="0" i="1" u="none" strike="noStrike" cap="none" normalizeH="0" baseline="0" dirty="0">
                 <a:ln>
                   <a:noFill/>
                 </a:ln>
@@ -12632,7 +12350,7 @@
               <a:t>     * (In other words, returns {</a:t>
             </a:r>
             <a:r>
-              <a:rPr kumimoji="0" lang="en-US" altLang="en-US" sz="2100" b="1" i="1" u="none" strike="noStrike" cap="none" normalizeH="0" baseline="0" dirty="0" smtClean="0">
+              <a:rPr kumimoji="0" lang="en-US" altLang="en-US" sz="2100" b="1" i="1" u="none" strike="noStrike" cap="none" normalizeH="0" baseline="0" dirty="0">
                 <a:ln>
                   <a:noFill/>
                 </a:ln>
@@ -12646,7 +12364,7 @@
               <a:t>@code </a:t>
             </a:r>
             <a:r>
-              <a:rPr kumimoji="0" lang="en-US" altLang="en-US" sz="2100" b="0" i="1" u="none" strike="noStrike" cap="none" normalizeH="0" baseline="0" dirty="0" smtClean="0">
+              <a:rPr kumimoji="0" lang="en-US" altLang="en-US" sz="2100" b="0" i="1" u="none" strike="noStrike" cap="none" normalizeH="0" baseline="0" dirty="0">
                 <a:ln>
                   <a:noFill/>
                 </a:ln>
@@ -12660,7 +12378,7 @@
               <a:t>true} if {</a:t>
             </a:r>
             <a:r>
-              <a:rPr kumimoji="0" lang="en-US" altLang="en-US" sz="2100" b="1" i="1" u="none" strike="noStrike" cap="none" normalizeH="0" baseline="0" dirty="0" smtClean="0">
+              <a:rPr kumimoji="0" lang="en-US" altLang="en-US" sz="2100" b="1" i="1" u="none" strike="noStrike" cap="none" normalizeH="0" baseline="0" dirty="0">
                 <a:ln>
                   <a:noFill/>
                 </a:ln>
@@ -12674,7 +12392,7 @@
               <a:t>@link </a:t>
             </a:r>
             <a:r>
-              <a:rPr kumimoji="0" lang="en-US" altLang="en-US" sz="2100" b="0" i="1" u="none" strike="noStrike" cap="none" normalizeH="0" baseline="0" dirty="0" smtClean="0">
+              <a:rPr kumimoji="0" lang="en-US" altLang="en-US" sz="2100" b="0" i="1" u="none" strike="noStrike" cap="none" normalizeH="0" baseline="0" dirty="0">
                 <a:ln>
                   <a:noFill/>
                 </a:ln>
@@ -12688,7 +12406,7 @@
               <a:t>#next} would</a:t>
             </a:r>
             <a:br>
-              <a:rPr kumimoji="0" lang="en-US" altLang="en-US" sz="2100" b="0" i="1" u="none" strike="noStrike" cap="none" normalizeH="0" baseline="0" dirty="0" smtClean="0">
+              <a:rPr kumimoji="0" lang="en-US" altLang="en-US" sz="2100" b="0" i="1" u="none" strike="noStrike" cap="none" normalizeH="0" baseline="0" dirty="0">
                 <a:ln>
                   <a:noFill/>
                 </a:ln>
@@ -12701,7 +12419,7 @@
               </a:rPr>
             </a:br>
             <a:r>
-              <a:rPr kumimoji="0" lang="en-US" altLang="en-US" sz="2100" b="0" i="1" u="none" strike="noStrike" cap="none" normalizeH="0" baseline="0" dirty="0" smtClean="0">
+              <a:rPr kumimoji="0" lang="en-US" altLang="en-US" sz="2100" b="0" i="1" u="none" strike="noStrike" cap="none" normalizeH="0" baseline="0" dirty="0">
                 <a:ln>
                   <a:noFill/>
                 </a:ln>
@@ -12715,7 +12433,7 @@
               <a:t>     * return an element rather than throwing an exception.)</a:t>
             </a:r>
             <a:br>
-              <a:rPr kumimoji="0" lang="en-US" altLang="en-US" sz="2100" b="0" i="1" u="none" strike="noStrike" cap="none" normalizeH="0" baseline="0" dirty="0" smtClean="0">
+              <a:rPr kumimoji="0" lang="en-US" altLang="en-US" sz="2100" b="0" i="1" u="none" strike="noStrike" cap="none" normalizeH="0" baseline="0" dirty="0">
                 <a:ln>
                   <a:noFill/>
                 </a:ln>
@@ -12728,7 +12446,7 @@
               </a:rPr>
             </a:br>
             <a:r>
-              <a:rPr kumimoji="0" lang="en-US" altLang="en-US" sz="2100" b="0" i="1" u="none" strike="noStrike" cap="none" normalizeH="0" baseline="0" dirty="0" smtClean="0">
+              <a:rPr kumimoji="0" lang="en-US" altLang="en-US" sz="2100" b="0" i="1" u="none" strike="noStrike" cap="none" normalizeH="0" baseline="0" dirty="0">
                 <a:ln>
                   <a:noFill/>
                 </a:ln>
@@ -12742,7 +12460,7 @@
               <a:t>     *</a:t>
             </a:r>
             <a:br>
-              <a:rPr kumimoji="0" lang="en-US" altLang="en-US" sz="2100" b="0" i="1" u="none" strike="noStrike" cap="none" normalizeH="0" baseline="0" dirty="0" smtClean="0">
+              <a:rPr kumimoji="0" lang="en-US" altLang="en-US" sz="2100" b="0" i="1" u="none" strike="noStrike" cap="none" normalizeH="0" baseline="0" dirty="0">
                 <a:ln>
                   <a:noFill/>
                 </a:ln>
@@ -12755,7 +12473,7 @@
               </a:rPr>
             </a:br>
             <a:r>
-              <a:rPr kumimoji="0" lang="en-US" altLang="en-US" sz="2100" b="0" i="1" u="none" strike="noStrike" cap="none" normalizeH="0" baseline="0" dirty="0" smtClean="0">
+              <a:rPr kumimoji="0" lang="en-US" altLang="en-US" sz="2100" b="0" i="1" u="none" strike="noStrike" cap="none" normalizeH="0" baseline="0" dirty="0">
                 <a:ln>
                   <a:noFill/>
                 </a:ln>
@@ -12769,7 +12487,7 @@
               <a:t>     * </a:t>
             </a:r>
             <a:r>
-              <a:rPr kumimoji="0" lang="en-US" altLang="en-US" sz="2100" b="1" i="1" u="none" strike="noStrike" cap="none" normalizeH="0" baseline="0" dirty="0" smtClean="0">
+              <a:rPr kumimoji="0" lang="en-US" altLang="en-US" sz="2100" b="1" i="1" u="none" strike="noStrike" cap="none" normalizeH="0" baseline="0" dirty="0">
                 <a:ln>
                   <a:noFill/>
                 </a:ln>
@@ -12783,7 +12501,7 @@
               <a:t>@return </a:t>
             </a:r>
             <a:r>
-              <a:rPr kumimoji="0" lang="en-US" altLang="en-US" sz="2100" b="0" i="1" u="none" strike="noStrike" cap="none" normalizeH="0" baseline="0" dirty="0" smtClean="0">
+              <a:rPr kumimoji="0" lang="en-US" altLang="en-US" sz="2100" b="0" i="1" u="none" strike="noStrike" cap="none" normalizeH="0" baseline="0" dirty="0">
                 <a:ln>
                   <a:noFill/>
                 </a:ln>
@@ -12797,7 +12515,7 @@
               <a:t>{</a:t>
             </a:r>
             <a:r>
-              <a:rPr kumimoji="0" lang="en-US" altLang="en-US" sz="2100" b="1" i="1" u="none" strike="noStrike" cap="none" normalizeH="0" baseline="0" dirty="0" smtClean="0">
+              <a:rPr kumimoji="0" lang="en-US" altLang="en-US" sz="2100" b="1" i="1" u="none" strike="noStrike" cap="none" normalizeH="0" baseline="0" dirty="0">
                 <a:ln>
                   <a:noFill/>
                 </a:ln>
@@ -12811,7 +12529,7 @@
               <a:t>@code </a:t>
             </a:r>
             <a:r>
-              <a:rPr kumimoji="0" lang="en-US" altLang="en-US" sz="2100" b="0" i="1" u="none" strike="noStrike" cap="none" normalizeH="0" baseline="0" dirty="0" smtClean="0">
+              <a:rPr kumimoji="0" lang="en-US" altLang="en-US" sz="2100" b="0" i="1" u="none" strike="noStrike" cap="none" normalizeH="0" baseline="0" dirty="0">
                 <a:ln>
                   <a:noFill/>
                 </a:ln>
@@ -12825,7 +12543,7 @@
               <a:t>true} if the iteration has more elements</a:t>
             </a:r>
             <a:br>
-              <a:rPr kumimoji="0" lang="en-US" altLang="en-US" sz="2100" b="0" i="1" u="none" strike="noStrike" cap="none" normalizeH="0" baseline="0" dirty="0" smtClean="0">
+              <a:rPr kumimoji="0" lang="en-US" altLang="en-US" sz="2100" b="0" i="1" u="none" strike="noStrike" cap="none" normalizeH="0" baseline="0" dirty="0">
                 <a:ln>
                   <a:noFill/>
                 </a:ln>
@@ -12838,7 +12556,7 @@
               </a:rPr>
             </a:br>
             <a:r>
-              <a:rPr kumimoji="0" lang="en-US" altLang="en-US" sz="2100" b="0" i="1" u="none" strike="noStrike" cap="none" normalizeH="0" baseline="0" dirty="0" smtClean="0">
+              <a:rPr kumimoji="0" lang="en-US" altLang="en-US" sz="2100" b="0" i="1" u="none" strike="noStrike" cap="none" normalizeH="0" baseline="0" dirty="0">
                 <a:ln>
                   <a:noFill/>
                 </a:ln>
@@ -12852,7 +12570,7 @@
               <a:t>     */</a:t>
             </a:r>
             <a:br>
-              <a:rPr kumimoji="0" lang="en-US" altLang="en-US" sz="2100" b="0" i="1" u="none" strike="noStrike" cap="none" normalizeH="0" baseline="0" dirty="0" smtClean="0">
+              <a:rPr kumimoji="0" lang="en-US" altLang="en-US" sz="2100" b="0" i="1" u="none" strike="noStrike" cap="none" normalizeH="0" baseline="0" dirty="0">
                 <a:ln>
                   <a:noFill/>
                 </a:ln>
@@ -12865,7 +12583,7 @@
               </a:rPr>
             </a:br>
             <a:r>
-              <a:rPr kumimoji="0" lang="en-US" altLang="en-US" sz="2100" b="0" i="1" u="none" strike="noStrike" cap="none" normalizeH="0" baseline="0" dirty="0" smtClean="0">
+              <a:rPr kumimoji="0" lang="en-US" altLang="en-US" sz="2100" b="0" i="1" u="none" strike="noStrike" cap="none" normalizeH="0" baseline="0" dirty="0">
                 <a:ln>
                   <a:noFill/>
                 </a:ln>
@@ -12879,7 +12597,7 @@
               <a:t>    </a:t>
             </a:r>
             <a:r>
-              <a:rPr kumimoji="0" lang="en-US" altLang="en-US" sz="2100" b="1" i="0" u="none" strike="noStrike" cap="none" normalizeH="0" baseline="0" dirty="0" err="1" smtClean="0">
+              <a:rPr kumimoji="0" lang="en-US" altLang="en-US" sz="2100" b="1" i="0" u="none" strike="noStrike" cap="none" normalizeH="0" baseline="0" dirty="0" err="1">
                 <a:ln>
                   <a:noFill/>
                 </a:ln>
@@ -12893,7 +12611,7 @@
               <a:t>boolean</a:t>
             </a:r>
             <a:r>
-              <a:rPr kumimoji="0" lang="en-US" altLang="en-US" sz="2100" b="1" i="0" u="none" strike="noStrike" cap="none" normalizeH="0" baseline="0" dirty="0" smtClean="0">
+              <a:rPr kumimoji="0" lang="en-US" altLang="en-US" sz="2100" b="1" i="0" u="none" strike="noStrike" cap="none" normalizeH="0" baseline="0" dirty="0">
                 <a:ln>
                   <a:noFill/>
                 </a:ln>
@@ -12907,7 +12625,7 @@
               <a:t> </a:t>
             </a:r>
             <a:r>
-              <a:rPr kumimoji="0" lang="en-US" altLang="en-US" sz="2100" b="0" i="0" u="none" strike="noStrike" cap="none" normalizeH="0" baseline="0" dirty="0" err="1" smtClean="0">
+              <a:rPr kumimoji="0" lang="en-US" altLang="en-US" sz="2100" b="0" i="0" u="none" strike="noStrike" cap="none" normalizeH="0" baseline="0" dirty="0" err="1">
                 <a:ln>
                   <a:noFill/>
                 </a:ln>
@@ -12921,7 +12639,7 @@
               <a:t>hasNext</a:t>
             </a:r>
             <a:r>
-              <a:rPr kumimoji="0" lang="en-US" altLang="en-US" sz="2100" b="0" i="0" u="none" strike="noStrike" cap="none" normalizeH="0" baseline="0" dirty="0" smtClean="0">
+              <a:rPr kumimoji="0" lang="en-US" altLang="en-US" sz="2100" b="0" i="0" u="none" strike="noStrike" cap="none" normalizeH="0" baseline="0" dirty="0">
                 <a:ln>
                   <a:noFill/>
                 </a:ln>
@@ -12935,7 +12653,7 @@
               <a:t>();</a:t>
             </a:r>
             <a:br>
-              <a:rPr kumimoji="0" lang="en-US" altLang="en-US" sz="2100" b="0" i="0" u="none" strike="noStrike" cap="none" normalizeH="0" baseline="0" dirty="0" smtClean="0">
+              <a:rPr kumimoji="0" lang="en-US" altLang="en-US" sz="2100" b="0" i="0" u="none" strike="noStrike" cap="none" normalizeH="0" baseline="0" dirty="0">
                 <a:ln>
                   <a:noFill/>
                 </a:ln>
@@ -12947,22 +12665,8 @@
                 <a:cs typeface="Courier New" panose="02070309020205020404" pitchFamily="49" charset="0"/>
               </a:rPr>
             </a:br>
-            <a:r>
-              <a:rPr kumimoji="0" lang="en-US" altLang="en-US" sz="2100" b="0" i="0" u="none" strike="noStrike" cap="none" normalizeH="0" baseline="0" dirty="0" smtClean="0">
-                <a:ln>
-                  <a:noFill/>
-                </a:ln>
-                <a:solidFill>
-                  <a:srgbClr val="000000"/>
-                </a:solidFill>
-                <a:effectLst/>
-                <a:latin typeface="Courier New" panose="02070309020205020404" pitchFamily="49" charset="0"/>
-                <a:cs typeface="Courier New" panose="02070309020205020404" pitchFamily="49" charset="0"/>
-              </a:rPr>
-              <a:t/>
-            </a:r>
             <a:br>
-              <a:rPr kumimoji="0" lang="en-US" altLang="en-US" sz="2100" b="0" i="0" u="none" strike="noStrike" cap="none" normalizeH="0" baseline="0" dirty="0" smtClean="0">
+              <a:rPr kumimoji="0" lang="en-US" altLang="en-US" sz="2100" b="0" i="0" u="none" strike="noStrike" cap="none" normalizeH="0" baseline="0" dirty="0">
                 <a:ln>
                   <a:noFill/>
                 </a:ln>
@@ -12975,7 +12679,7 @@
               </a:rPr>
             </a:br>
             <a:r>
-              <a:rPr kumimoji="0" lang="en-US" altLang="en-US" sz="2100" b="0" i="0" u="none" strike="noStrike" cap="none" normalizeH="0" baseline="0" dirty="0" smtClean="0">
+              <a:rPr kumimoji="0" lang="en-US" altLang="en-US" sz="2100" b="0" i="0" u="none" strike="noStrike" cap="none" normalizeH="0" baseline="0" dirty="0">
                 <a:ln>
                   <a:noFill/>
                 </a:ln>
@@ -12989,7 +12693,7 @@
               <a:t>    </a:t>
             </a:r>
             <a:r>
-              <a:rPr kumimoji="0" lang="en-US" altLang="en-US" sz="2100" b="0" i="1" u="none" strike="noStrike" cap="none" normalizeH="0" baseline="0" dirty="0" smtClean="0">
+              <a:rPr kumimoji="0" lang="en-US" altLang="en-US" sz="2100" b="0" i="1" u="none" strike="noStrike" cap="none" normalizeH="0" baseline="0" dirty="0">
                 <a:ln>
                   <a:noFill/>
                 </a:ln>
@@ -13003,7 +12707,7 @@
               <a:t>/**</a:t>
             </a:r>
             <a:br>
-              <a:rPr kumimoji="0" lang="en-US" altLang="en-US" sz="2100" b="0" i="1" u="none" strike="noStrike" cap="none" normalizeH="0" baseline="0" dirty="0" smtClean="0">
+              <a:rPr kumimoji="0" lang="en-US" altLang="en-US" sz="2100" b="0" i="1" u="none" strike="noStrike" cap="none" normalizeH="0" baseline="0" dirty="0">
                 <a:ln>
                   <a:noFill/>
                 </a:ln>
@@ -13016,7 +12720,7 @@
               </a:rPr>
             </a:br>
             <a:r>
-              <a:rPr kumimoji="0" lang="en-US" altLang="en-US" sz="2100" b="0" i="1" u="none" strike="noStrike" cap="none" normalizeH="0" baseline="0" dirty="0" smtClean="0">
+              <a:rPr kumimoji="0" lang="en-US" altLang="en-US" sz="2100" b="0" i="1" u="none" strike="noStrike" cap="none" normalizeH="0" baseline="0" dirty="0">
                 <a:ln>
                   <a:noFill/>
                 </a:ln>
@@ -13030,7 +12734,7 @@
               <a:t>     * Returns the next element in the iteration.</a:t>
             </a:r>
             <a:br>
-              <a:rPr kumimoji="0" lang="en-US" altLang="en-US" sz="2100" b="0" i="1" u="none" strike="noStrike" cap="none" normalizeH="0" baseline="0" dirty="0" smtClean="0">
+              <a:rPr kumimoji="0" lang="en-US" altLang="en-US" sz="2100" b="0" i="1" u="none" strike="noStrike" cap="none" normalizeH="0" baseline="0" dirty="0">
                 <a:ln>
                   <a:noFill/>
                 </a:ln>
@@ -13043,7 +12747,7 @@
               </a:rPr>
             </a:br>
             <a:r>
-              <a:rPr kumimoji="0" lang="en-US" altLang="en-US" sz="2100" b="0" i="1" u="none" strike="noStrike" cap="none" normalizeH="0" baseline="0" dirty="0" smtClean="0">
+              <a:rPr kumimoji="0" lang="en-US" altLang="en-US" sz="2100" b="0" i="1" u="none" strike="noStrike" cap="none" normalizeH="0" baseline="0" dirty="0">
                 <a:ln>
                   <a:noFill/>
                 </a:ln>
@@ -13057,7 +12761,7 @@
               <a:t>     *</a:t>
             </a:r>
             <a:br>
-              <a:rPr kumimoji="0" lang="en-US" altLang="en-US" sz="2100" b="0" i="1" u="none" strike="noStrike" cap="none" normalizeH="0" baseline="0" dirty="0" smtClean="0">
+              <a:rPr kumimoji="0" lang="en-US" altLang="en-US" sz="2100" b="0" i="1" u="none" strike="noStrike" cap="none" normalizeH="0" baseline="0" dirty="0">
                 <a:ln>
                   <a:noFill/>
                 </a:ln>
@@ -13070,7 +12774,7 @@
               </a:rPr>
             </a:br>
             <a:r>
-              <a:rPr kumimoji="0" lang="en-US" altLang="en-US" sz="2100" b="0" i="1" u="none" strike="noStrike" cap="none" normalizeH="0" baseline="0" dirty="0" smtClean="0">
+              <a:rPr kumimoji="0" lang="en-US" altLang="en-US" sz="2100" b="0" i="1" u="none" strike="noStrike" cap="none" normalizeH="0" baseline="0" dirty="0">
                 <a:ln>
                   <a:noFill/>
                 </a:ln>
@@ -13084,7 +12788,7 @@
               <a:t>     * </a:t>
             </a:r>
             <a:r>
-              <a:rPr kumimoji="0" lang="en-US" altLang="en-US" sz="2100" b="1" i="1" u="none" strike="noStrike" cap="none" normalizeH="0" baseline="0" dirty="0" smtClean="0">
+              <a:rPr kumimoji="0" lang="en-US" altLang="en-US" sz="2100" b="1" i="1" u="none" strike="noStrike" cap="none" normalizeH="0" baseline="0" dirty="0">
                 <a:ln>
                   <a:noFill/>
                 </a:ln>
@@ -13098,7 +12802,7 @@
               <a:t>@return </a:t>
             </a:r>
             <a:r>
-              <a:rPr kumimoji="0" lang="en-US" altLang="en-US" sz="2100" b="0" i="1" u="none" strike="noStrike" cap="none" normalizeH="0" baseline="0" dirty="0" smtClean="0">
+              <a:rPr kumimoji="0" lang="en-US" altLang="en-US" sz="2100" b="0" i="1" u="none" strike="noStrike" cap="none" normalizeH="0" baseline="0" dirty="0">
                 <a:ln>
                   <a:noFill/>
                 </a:ln>
@@ -13112,7 +12816,7 @@
               <a:t>the next element in the iteration</a:t>
             </a:r>
             <a:br>
-              <a:rPr kumimoji="0" lang="en-US" altLang="en-US" sz="2100" b="0" i="1" u="none" strike="noStrike" cap="none" normalizeH="0" baseline="0" dirty="0" smtClean="0">
+              <a:rPr kumimoji="0" lang="en-US" altLang="en-US" sz="2100" b="0" i="1" u="none" strike="noStrike" cap="none" normalizeH="0" baseline="0" dirty="0">
                 <a:ln>
                   <a:noFill/>
                 </a:ln>
@@ -13125,7 +12829,7 @@
               </a:rPr>
             </a:br>
             <a:r>
-              <a:rPr kumimoji="0" lang="en-US" altLang="en-US" sz="2100" b="0" i="1" u="none" strike="noStrike" cap="none" normalizeH="0" baseline="0" dirty="0" smtClean="0">
+              <a:rPr kumimoji="0" lang="en-US" altLang="en-US" sz="2100" b="0" i="1" u="none" strike="noStrike" cap="none" normalizeH="0" baseline="0" dirty="0">
                 <a:ln>
                   <a:noFill/>
                 </a:ln>
@@ -13139,7 +12843,7 @@
               <a:t>     * </a:t>
             </a:r>
             <a:r>
-              <a:rPr kumimoji="0" lang="en-US" altLang="en-US" sz="2100" b="1" i="1" u="none" strike="noStrike" cap="none" normalizeH="0" baseline="0" dirty="0" smtClean="0">
+              <a:rPr kumimoji="0" lang="en-US" altLang="en-US" sz="2100" b="1" i="1" u="none" strike="noStrike" cap="none" normalizeH="0" baseline="0" dirty="0">
                 <a:ln>
                   <a:noFill/>
                 </a:ln>
@@ -13153,7 +12857,7 @@
               <a:t>@throws </a:t>
             </a:r>
             <a:r>
-              <a:rPr kumimoji="0" lang="en-US" altLang="en-US" sz="2100" b="0" i="1" u="none" strike="noStrike" cap="none" normalizeH="0" baseline="0" dirty="0" err="1" smtClean="0">
+              <a:rPr kumimoji="0" lang="en-US" altLang="en-US" sz="2100" b="0" i="1" u="none" strike="noStrike" cap="none" normalizeH="0" baseline="0" dirty="0" err="1">
                 <a:ln>
                   <a:noFill/>
                 </a:ln>
@@ -13167,7 +12871,7 @@
               <a:t>NoSuchElementException</a:t>
             </a:r>
             <a:r>
-              <a:rPr kumimoji="0" lang="en-US" altLang="en-US" sz="2100" b="0" i="1" u="none" strike="noStrike" cap="none" normalizeH="0" baseline="0" dirty="0" smtClean="0">
+              <a:rPr kumimoji="0" lang="en-US" altLang="en-US" sz="2100" b="0" i="1" u="none" strike="noStrike" cap="none" normalizeH="0" baseline="0" dirty="0">
                 <a:ln>
                   <a:noFill/>
                 </a:ln>
@@ -13181,7 +12885,7 @@
               <a:t> if the iteration has no more elements</a:t>
             </a:r>
             <a:br>
-              <a:rPr kumimoji="0" lang="en-US" altLang="en-US" sz="2100" b="0" i="1" u="none" strike="noStrike" cap="none" normalizeH="0" baseline="0" dirty="0" smtClean="0">
+              <a:rPr kumimoji="0" lang="en-US" altLang="en-US" sz="2100" b="0" i="1" u="none" strike="noStrike" cap="none" normalizeH="0" baseline="0" dirty="0">
                 <a:ln>
                   <a:noFill/>
                 </a:ln>
@@ -13194,7 +12898,7 @@
               </a:rPr>
             </a:br>
             <a:r>
-              <a:rPr kumimoji="0" lang="en-US" altLang="en-US" sz="2100" b="0" i="1" u="none" strike="noStrike" cap="none" normalizeH="0" baseline="0" dirty="0" smtClean="0">
+              <a:rPr kumimoji="0" lang="en-US" altLang="en-US" sz="2100" b="0" i="1" u="none" strike="noStrike" cap="none" normalizeH="0" baseline="0" dirty="0">
                 <a:ln>
                   <a:noFill/>
                 </a:ln>
@@ -13208,7 +12912,7 @@
               <a:t>     */</a:t>
             </a:r>
             <a:br>
-              <a:rPr kumimoji="0" lang="en-US" altLang="en-US" sz="2100" b="0" i="1" u="none" strike="noStrike" cap="none" normalizeH="0" baseline="0" dirty="0" smtClean="0">
+              <a:rPr kumimoji="0" lang="en-US" altLang="en-US" sz="2100" b="0" i="1" u="none" strike="noStrike" cap="none" normalizeH="0" baseline="0" dirty="0">
                 <a:ln>
                   <a:noFill/>
                 </a:ln>
@@ -13221,7 +12925,7 @@
               </a:rPr>
             </a:br>
             <a:r>
-              <a:rPr kumimoji="0" lang="en-US" altLang="en-US" sz="2100" b="0" i="1" u="none" strike="noStrike" cap="none" normalizeH="0" baseline="0" dirty="0" smtClean="0">
+              <a:rPr kumimoji="0" lang="en-US" altLang="en-US" sz="2100" b="0" i="1" u="none" strike="noStrike" cap="none" normalizeH="0" baseline="0" dirty="0">
                 <a:ln>
                   <a:noFill/>
                 </a:ln>
@@ -13235,7 +12939,7 @@
               <a:t>    </a:t>
             </a:r>
             <a:r>
-              <a:rPr kumimoji="0" lang="en-US" altLang="en-US" sz="2100" b="0" i="0" u="none" strike="noStrike" cap="none" normalizeH="0" baseline="0" dirty="0" smtClean="0">
+              <a:rPr kumimoji="0" lang="en-US" altLang="en-US" sz="2100" b="0" i="0" u="none" strike="noStrike" cap="none" normalizeH="0" baseline="0" dirty="0">
                 <a:ln>
                   <a:noFill/>
                 </a:ln>
@@ -13249,7 +12953,7 @@
               <a:t>E </a:t>
             </a:r>
             <a:r>
-              <a:rPr kumimoji="0" lang="en-US" altLang="en-US" sz="2100" b="0" i="0" u="none" strike="noStrike" cap="none" normalizeH="0" baseline="0" dirty="0" smtClean="0">
+              <a:rPr kumimoji="0" lang="en-US" altLang="en-US" sz="2100" b="0" i="0" u="none" strike="noStrike" cap="none" normalizeH="0" baseline="0" dirty="0">
                 <a:ln>
                   <a:noFill/>
                 </a:ln>
@@ -13262,7 +12966,7 @@
               </a:rPr>
               <a:t>next();</a:t>
             </a:r>
-            <a:endParaRPr kumimoji="0" lang="en-US" altLang="en-US" sz="1800" b="0" i="0" u="none" strike="noStrike" cap="none" normalizeH="0" baseline="0" dirty="0" smtClean="0">
+            <a:endParaRPr kumimoji="0" lang="en-US" altLang="en-US" sz="1800" b="0" i="0" u="none" strike="noStrike" cap="none" normalizeH="0" baseline="0" dirty="0">
               <a:ln>
                 <a:noFill/>
               </a:ln>
@@ -13322,7 +13026,7 @@
           <a:lstStyle/>
           <a:p>
             <a:r>
-              <a:rPr lang="en-US" dirty="0" err="1" smtClean="0"/>
+              <a:rPr lang="en-US" dirty="0" err="1"/>
               <a:t>java.lang.Iterable</a:t>
             </a:r>
             <a:endParaRPr lang="en-US" dirty="0"/>
@@ -13398,7 +13102,7 @@
               <a:tabLst/>
             </a:pPr>
             <a:r>
-              <a:rPr kumimoji="0" lang="en-US" altLang="en-US" sz="2100" b="1" i="0" u="none" strike="noStrike" cap="none" normalizeH="0" baseline="0" smtClean="0">
+              <a:rPr kumimoji="0" lang="en-US" altLang="en-US" sz="2100" b="1" i="0" u="none" strike="noStrike" cap="none" normalizeH="0" baseline="0">
                 <a:ln>
                   <a:noFill/>
                 </a:ln>
@@ -13412,7 +13116,7 @@
               <a:t>public interface </a:t>
             </a:r>
             <a:r>
-              <a:rPr kumimoji="0" lang="en-US" altLang="en-US" sz="2100" b="0" i="0" u="none" strike="noStrike" cap="none" normalizeH="0" baseline="0" smtClean="0">
+              <a:rPr kumimoji="0" lang="en-US" altLang="en-US" sz="2100" b="0" i="0" u="none" strike="noStrike" cap="none" normalizeH="0" baseline="0">
                 <a:ln>
                   <a:noFill/>
                 </a:ln>
@@ -13426,7 +13130,7 @@
               <a:t>Iterable&lt;</a:t>
             </a:r>
             <a:r>
-              <a:rPr kumimoji="0" lang="en-US" altLang="en-US" sz="2100" b="0" i="0" u="none" strike="noStrike" cap="none" normalizeH="0" baseline="0" smtClean="0">
+              <a:rPr kumimoji="0" lang="en-US" altLang="en-US" sz="2100" b="0" i="0" u="none" strike="noStrike" cap="none" normalizeH="0" baseline="0">
                 <a:ln>
                   <a:noFill/>
                 </a:ln>
@@ -13440,7 +13144,7 @@
               <a:t>T</a:t>
             </a:r>
             <a:r>
-              <a:rPr kumimoji="0" lang="en-US" altLang="en-US" sz="2100" b="0" i="0" u="none" strike="noStrike" cap="none" normalizeH="0" baseline="0" smtClean="0">
+              <a:rPr kumimoji="0" lang="en-US" altLang="en-US" sz="2100" b="0" i="0" u="none" strike="noStrike" cap="none" normalizeH="0" baseline="0">
                 <a:ln>
                   <a:noFill/>
                 </a:ln>
@@ -13454,7 +13158,7 @@
               <a:t>&gt; {</a:t>
             </a:r>
             <a:br>
-              <a:rPr kumimoji="0" lang="en-US" altLang="en-US" sz="2100" b="0" i="0" u="none" strike="noStrike" cap="none" normalizeH="0" baseline="0" smtClean="0">
+              <a:rPr kumimoji="0" lang="en-US" altLang="en-US" sz="2100" b="0" i="0" u="none" strike="noStrike" cap="none" normalizeH="0" baseline="0">
                 <a:ln>
                   <a:noFill/>
                 </a:ln>
@@ -13467,7 +13171,7 @@
               </a:rPr>
             </a:br>
             <a:r>
-              <a:rPr kumimoji="0" lang="en-US" altLang="en-US" sz="2100" b="0" i="0" u="none" strike="noStrike" cap="none" normalizeH="0" baseline="0" smtClean="0">
+              <a:rPr kumimoji="0" lang="en-US" altLang="en-US" sz="2100" b="0" i="0" u="none" strike="noStrike" cap="none" normalizeH="0" baseline="0">
                 <a:ln>
                   <a:noFill/>
                 </a:ln>
@@ -13481,7 +13185,7 @@
               <a:t>    </a:t>
             </a:r>
             <a:r>
-              <a:rPr kumimoji="0" lang="en-US" altLang="en-US" sz="2100" b="0" i="1" u="none" strike="noStrike" cap="none" normalizeH="0" baseline="0" smtClean="0">
+              <a:rPr kumimoji="0" lang="en-US" altLang="en-US" sz="2100" b="0" i="1" u="none" strike="noStrike" cap="none" normalizeH="0" baseline="0">
                 <a:ln>
                   <a:noFill/>
                 </a:ln>
@@ -13495,7 +13199,7 @@
               <a:t>/**</a:t>
             </a:r>
             <a:br>
-              <a:rPr kumimoji="0" lang="en-US" altLang="en-US" sz="2100" b="0" i="1" u="none" strike="noStrike" cap="none" normalizeH="0" baseline="0" smtClean="0">
+              <a:rPr kumimoji="0" lang="en-US" altLang="en-US" sz="2100" b="0" i="1" u="none" strike="noStrike" cap="none" normalizeH="0" baseline="0">
                 <a:ln>
                   <a:noFill/>
                 </a:ln>
@@ -13508,7 +13212,7 @@
               </a:rPr>
             </a:br>
             <a:r>
-              <a:rPr kumimoji="0" lang="en-US" altLang="en-US" sz="2100" b="0" i="1" u="none" strike="noStrike" cap="none" normalizeH="0" baseline="0" smtClean="0">
+              <a:rPr kumimoji="0" lang="en-US" altLang="en-US" sz="2100" b="0" i="1" u="none" strike="noStrike" cap="none" normalizeH="0" baseline="0">
                 <a:ln>
                   <a:noFill/>
                 </a:ln>
@@ -13522,7 +13226,7 @@
               <a:t>     * Returns an iterator over elements of type {</a:t>
             </a:r>
             <a:r>
-              <a:rPr kumimoji="0" lang="en-US" altLang="en-US" sz="2100" b="1" i="1" u="none" strike="noStrike" cap="none" normalizeH="0" baseline="0" smtClean="0">
+              <a:rPr kumimoji="0" lang="en-US" altLang="en-US" sz="2100" b="1" i="1" u="none" strike="noStrike" cap="none" normalizeH="0" baseline="0">
                 <a:ln>
                   <a:noFill/>
                 </a:ln>
@@ -13536,7 +13240,7 @@
               <a:t>@code </a:t>
             </a:r>
             <a:r>
-              <a:rPr kumimoji="0" lang="en-US" altLang="en-US" sz="2100" b="0" i="1" u="none" strike="noStrike" cap="none" normalizeH="0" baseline="0" smtClean="0">
+              <a:rPr kumimoji="0" lang="en-US" altLang="en-US" sz="2100" b="0" i="1" u="none" strike="noStrike" cap="none" normalizeH="0" baseline="0">
                 <a:ln>
                   <a:noFill/>
                 </a:ln>
@@ -13550,7 +13254,7 @@
               <a:t>T}.</a:t>
             </a:r>
             <a:br>
-              <a:rPr kumimoji="0" lang="en-US" altLang="en-US" sz="2100" b="0" i="1" u="none" strike="noStrike" cap="none" normalizeH="0" baseline="0" smtClean="0">
+              <a:rPr kumimoji="0" lang="en-US" altLang="en-US" sz="2100" b="0" i="1" u="none" strike="noStrike" cap="none" normalizeH="0" baseline="0">
                 <a:ln>
                   <a:noFill/>
                 </a:ln>
@@ -13563,7 +13267,7 @@
               </a:rPr>
             </a:br>
             <a:r>
-              <a:rPr kumimoji="0" lang="en-US" altLang="en-US" sz="2100" b="0" i="1" u="none" strike="noStrike" cap="none" normalizeH="0" baseline="0" smtClean="0">
+              <a:rPr kumimoji="0" lang="en-US" altLang="en-US" sz="2100" b="0" i="1" u="none" strike="noStrike" cap="none" normalizeH="0" baseline="0">
                 <a:ln>
                   <a:noFill/>
                 </a:ln>
@@ -13577,7 +13281,7 @@
               <a:t>     *</a:t>
             </a:r>
             <a:br>
-              <a:rPr kumimoji="0" lang="en-US" altLang="en-US" sz="2100" b="0" i="1" u="none" strike="noStrike" cap="none" normalizeH="0" baseline="0" smtClean="0">
+              <a:rPr kumimoji="0" lang="en-US" altLang="en-US" sz="2100" b="0" i="1" u="none" strike="noStrike" cap="none" normalizeH="0" baseline="0">
                 <a:ln>
                   <a:noFill/>
                 </a:ln>
@@ -13590,7 +13294,7 @@
               </a:rPr>
             </a:br>
             <a:r>
-              <a:rPr kumimoji="0" lang="en-US" altLang="en-US" sz="2100" b="0" i="1" u="none" strike="noStrike" cap="none" normalizeH="0" baseline="0" smtClean="0">
+              <a:rPr kumimoji="0" lang="en-US" altLang="en-US" sz="2100" b="0" i="1" u="none" strike="noStrike" cap="none" normalizeH="0" baseline="0">
                 <a:ln>
                   <a:noFill/>
                 </a:ln>
@@ -13604,7 +13308,7 @@
               <a:t>     * </a:t>
             </a:r>
             <a:r>
-              <a:rPr kumimoji="0" lang="en-US" altLang="en-US" sz="2100" b="1" i="1" u="none" strike="noStrike" cap="none" normalizeH="0" baseline="0" smtClean="0">
+              <a:rPr kumimoji="0" lang="en-US" altLang="en-US" sz="2100" b="1" i="1" u="none" strike="noStrike" cap="none" normalizeH="0" baseline="0">
                 <a:ln>
                   <a:noFill/>
                 </a:ln>
@@ -13618,7 +13322,7 @@
               <a:t>@return </a:t>
             </a:r>
             <a:r>
-              <a:rPr kumimoji="0" lang="en-US" altLang="en-US" sz="2100" b="0" i="1" u="none" strike="noStrike" cap="none" normalizeH="0" baseline="0" smtClean="0">
+              <a:rPr kumimoji="0" lang="en-US" altLang="en-US" sz="2100" b="0" i="1" u="none" strike="noStrike" cap="none" normalizeH="0" baseline="0">
                 <a:ln>
                   <a:noFill/>
                 </a:ln>
@@ -13632,7 +13336,7 @@
               <a:t>an Iterator.</a:t>
             </a:r>
             <a:br>
-              <a:rPr kumimoji="0" lang="en-US" altLang="en-US" sz="2100" b="0" i="1" u="none" strike="noStrike" cap="none" normalizeH="0" baseline="0" smtClean="0">
+              <a:rPr kumimoji="0" lang="en-US" altLang="en-US" sz="2100" b="0" i="1" u="none" strike="noStrike" cap="none" normalizeH="0" baseline="0">
                 <a:ln>
                   <a:noFill/>
                 </a:ln>
@@ -13645,7 +13349,7 @@
               </a:rPr>
             </a:br>
             <a:r>
-              <a:rPr kumimoji="0" lang="en-US" altLang="en-US" sz="2100" b="0" i="1" u="none" strike="noStrike" cap="none" normalizeH="0" baseline="0" smtClean="0">
+              <a:rPr kumimoji="0" lang="en-US" altLang="en-US" sz="2100" b="0" i="1" u="none" strike="noStrike" cap="none" normalizeH="0" baseline="0">
                 <a:ln>
                   <a:noFill/>
                 </a:ln>
@@ -13659,7 +13363,7 @@
               <a:t>     */</a:t>
             </a:r>
             <a:br>
-              <a:rPr kumimoji="0" lang="en-US" altLang="en-US" sz="2100" b="0" i="1" u="none" strike="noStrike" cap="none" normalizeH="0" baseline="0" smtClean="0">
+              <a:rPr kumimoji="0" lang="en-US" altLang="en-US" sz="2100" b="0" i="1" u="none" strike="noStrike" cap="none" normalizeH="0" baseline="0">
                 <a:ln>
                   <a:noFill/>
                 </a:ln>
@@ -13672,7 +13376,7 @@
               </a:rPr>
             </a:br>
             <a:r>
-              <a:rPr kumimoji="0" lang="en-US" altLang="en-US" sz="2100" b="0" i="1" u="none" strike="noStrike" cap="none" normalizeH="0" baseline="0" smtClean="0">
+              <a:rPr kumimoji="0" lang="en-US" altLang="en-US" sz="2100" b="0" i="1" u="none" strike="noStrike" cap="none" normalizeH="0" baseline="0">
                 <a:ln>
                   <a:noFill/>
                 </a:ln>
@@ -13686,7 +13390,7 @@
               <a:t>    </a:t>
             </a:r>
             <a:r>
-              <a:rPr kumimoji="0" lang="en-US" altLang="en-US" sz="2100" b="0" i="0" u="none" strike="noStrike" cap="none" normalizeH="0" baseline="0" smtClean="0">
+              <a:rPr kumimoji="0" lang="en-US" altLang="en-US" sz="2100" b="0" i="0" u="none" strike="noStrike" cap="none" normalizeH="0" baseline="0">
                 <a:ln>
                   <a:noFill/>
                 </a:ln>
@@ -13700,7 +13404,7 @@
               <a:t>Iterator&lt;</a:t>
             </a:r>
             <a:r>
-              <a:rPr kumimoji="0" lang="en-US" altLang="en-US" sz="2100" b="0" i="0" u="none" strike="noStrike" cap="none" normalizeH="0" baseline="0" smtClean="0">
+              <a:rPr kumimoji="0" lang="en-US" altLang="en-US" sz="2100" b="0" i="0" u="none" strike="noStrike" cap="none" normalizeH="0" baseline="0">
                 <a:ln>
                   <a:noFill/>
                 </a:ln>
@@ -13714,7 +13418,7 @@
               <a:t>T</a:t>
             </a:r>
             <a:r>
-              <a:rPr kumimoji="0" lang="en-US" altLang="en-US" sz="2100" b="0" i="0" u="none" strike="noStrike" cap="none" normalizeH="0" baseline="0" smtClean="0">
+              <a:rPr kumimoji="0" lang="en-US" altLang="en-US" sz="2100" b="0" i="0" u="none" strike="noStrike" cap="none" normalizeH="0" baseline="0">
                 <a:ln>
                   <a:noFill/>
                 </a:ln>
@@ -13727,7 +13431,7 @@
               </a:rPr>
               <a:t>&gt; iterator();</a:t>
             </a:r>
-            <a:endParaRPr kumimoji="0" lang="en-US" altLang="en-US" sz="1800" b="0" i="0" u="none" strike="noStrike" cap="none" normalizeH="0" baseline="0" smtClean="0">
+            <a:endParaRPr kumimoji="0" lang="en-US" altLang="en-US" sz="1800" b="0" i="0" u="none" strike="noStrike" cap="none" normalizeH="0" baseline="0">
               <a:ln>
                 <a:noFill/>
               </a:ln>
@@ -13787,10 +13491,9 @@
           <a:lstStyle/>
           <a:p>
             <a:r>
-              <a:rPr lang="en-US" dirty="0" smtClean="0"/>
+              <a:rPr lang="en-US" dirty="0"/>
               <a:t>Iterators</a:t>
             </a:r>
-            <a:endParaRPr lang="en-US" dirty="0"/>
           </a:p>
         </p:txBody>
       </p:sp>
@@ -13817,44 +13520,40 @@
           <a:lstStyle/>
           <a:p>
             <a:r>
-              <a:rPr lang="en-US" dirty="0" smtClean="0"/>
+              <a:rPr lang="en-US" dirty="0"/>
               <a:t>The idea is to make our collections to implement </a:t>
             </a:r>
             <a:r>
-              <a:rPr lang="en-US" i="1" dirty="0" err="1" smtClean="0"/>
+              <a:rPr lang="en-US" i="1" dirty="0" err="1"/>
               <a:t>Iterable</a:t>
             </a:r>
             <a:r>
-              <a:rPr lang="en-US" dirty="0" smtClean="0"/>
+              <a:rPr lang="en-US" dirty="0"/>
               <a:t> interface</a:t>
             </a:r>
           </a:p>
           <a:p>
             <a:r>
-              <a:rPr lang="en-US" dirty="0" smtClean="0"/>
+              <a:rPr lang="en-US" dirty="0"/>
               <a:t>Need to implement an iterator for each collection, which keeps track of </a:t>
             </a:r>
             <a:r>
-              <a:rPr lang="en-US" i="1" dirty="0" smtClean="0"/>
+              <a:rPr lang="en-US" i="1" dirty="0"/>
               <a:t>one element at a time</a:t>
             </a:r>
           </a:p>
           <a:p>
             <a:r>
-              <a:rPr lang="en-US" dirty="0" smtClean="0"/>
+              <a:rPr lang="en-US" dirty="0"/>
               <a:t>Java compiler is aware of </a:t>
             </a:r>
             <a:r>
-              <a:rPr lang="en-US" i="1" dirty="0" err="1" smtClean="0"/>
+              <a:rPr lang="en-US" i="1" dirty="0" err="1"/>
               <a:t>Iterable</a:t>
             </a:r>
             <a:r>
-              <a:rPr lang="en-US" dirty="0" smtClean="0"/>
-              <a:t>, and so can automatically handle </a:t>
-            </a:r>
-            <a:r>
               <a:rPr lang="en-US" dirty="0"/>
-              <a:t>“</a:t>
+              <a:t>, and so can automatically handle “</a:t>
             </a:r>
             <a:r>
               <a:rPr lang="en-US" i="1" dirty="0"/>
@@ -13866,74 +13565,69 @@
             </a:r>
             <a:r>
               <a:rPr lang="en-US" i="1" dirty="0"/>
-              <a:t> : collection</a:t>
-            </a:r>
-            <a:r>
-              <a:rPr lang="en-US" i="1" dirty="0" smtClean="0"/>
-              <a:t>){…}</a:t>
-            </a:r>
-            <a:r>
-              <a:rPr lang="en-US" dirty="0" smtClean="0"/>
+              <a:t> : collection){…}</a:t>
+            </a:r>
+            <a:r>
+              <a:rPr lang="en-US" dirty="0"/>
               <a:t>”</a:t>
             </a:r>
           </a:p>
           <a:p>
             <a:pPr lvl="1"/>
             <a:r>
-              <a:rPr lang="en-US" dirty="0" err="1" smtClean="0"/>
+              <a:rPr lang="en-US" dirty="0" err="1"/>
               <a:t>ie</a:t>
             </a:r>
             <a:r>
-              <a:rPr lang="en-US" dirty="0" smtClean="0"/>
+              <a:rPr lang="en-US" dirty="0"/>
               <a:t>, do not need to call “</a:t>
             </a:r>
             <a:r>
-              <a:rPr lang="en-US" i="1" dirty="0" err="1" smtClean="0"/>
+              <a:rPr lang="en-US" i="1" dirty="0" err="1"/>
               <a:t>hasNext</a:t>
             </a:r>
             <a:r>
-              <a:rPr lang="en-US" i="1" dirty="0" smtClean="0"/>
+              <a:rPr lang="en-US" i="1" dirty="0"/>
               <a:t>()</a:t>
             </a:r>
             <a:r>
-              <a:rPr lang="en-US" dirty="0" smtClean="0"/>
+              <a:rPr lang="en-US" dirty="0"/>
               <a:t>” and “</a:t>
             </a:r>
             <a:r>
-              <a:rPr lang="en-US" i="1" dirty="0" smtClean="0"/>
+              <a:rPr lang="en-US" i="1" dirty="0"/>
               <a:t>next()</a:t>
             </a:r>
             <a:r>
-              <a:rPr lang="en-US" dirty="0" smtClean="0"/>
+              <a:rPr lang="en-US" dirty="0"/>
               <a:t>” by yourself</a:t>
             </a:r>
           </a:p>
           <a:p>
             <a:pPr lvl="1"/>
             <a:r>
-              <a:rPr lang="en-US" dirty="0" smtClean="0"/>
+              <a:rPr lang="en-US" dirty="0"/>
               <a:t>but only as long as that collection does implement </a:t>
             </a:r>
             <a:r>
-              <a:rPr lang="en-US" i="1" dirty="0" err="1" smtClean="0"/>
+              <a:rPr lang="en-US" i="1" dirty="0" err="1"/>
               <a:t>Iterable</a:t>
             </a:r>
-            <a:endParaRPr lang="en-US" i="1" dirty="0" smtClean="0"/>
-          </a:p>
-          <a:p>
-            <a:r>
-              <a:rPr lang="en-US" dirty="0" smtClean="0"/>
+            <a:endParaRPr lang="en-US" i="1" dirty="0"/>
+          </a:p>
+          <a:p>
+            <a:r>
+              <a:rPr lang="en-US" dirty="0"/>
               <a:t>Collection should not be changed (</a:t>
             </a:r>
             <a:r>
-              <a:rPr lang="en-US" dirty="0" err="1" smtClean="0"/>
+              <a:rPr lang="en-US" dirty="0" err="1"/>
               <a:t>eg</a:t>
             </a:r>
             <a:r>
-              <a:rPr lang="en-US" dirty="0" smtClean="0"/>
+              <a:rPr lang="en-US" dirty="0"/>
               <a:t>, add/remove) while iterating over them</a:t>
             </a:r>
-            <a:endParaRPr lang="en-US" dirty="0"/>
           </a:p>
         </p:txBody>
       </p:sp>
@@ -13984,10 +13678,9 @@
           <a:lstStyle/>
           <a:p>
             <a:r>
-              <a:rPr lang="en-US" dirty="0" smtClean="0"/>
+              <a:rPr lang="en-US" dirty="0"/>
               <a:t>Lambdas</a:t>
             </a:r>
-            <a:endParaRPr lang="en-US" dirty="0"/>
           </a:p>
         </p:txBody>
       </p:sp>
@@ -14040,10 +13733,9 @@
           <a:lstStyle/>
           <a:p>
             <a:r>
-              <a:rPr lang="en-US" dirty="0" smtClean="0"/>
+              <a:rPr lang="en-US" dirty="0"/>
               <a:t>Functions as Parameters</a:t>
             </a:r>
-            <a:endParaRPr lang="en-US" dirty="0"/>
           </a:p>
         </p:txBody>
       </p:sp>
@@ -14068,30 +13760,29 @@
           <a:lstStyle/>
           <a:p>
             <a:r>
-              <a:rPr lang="en-US" dirty="0" smtClean="0"/>
+              <a:rPr lang="en-US" dirty="0"/>
               <a:t>At times, you need to pass “</a:t>
             </a:r>
             <a:r>
-              <a:rPr lang="en-US" i="1" dirty="0" smtClean="0"/>
+              <a:rPr lang="en-US" i="1" dirty="0"/>
               <a:t>code</a:t>
             </a:r>
             <a:r>
-              <a:rPr lang="en-US" dirty="0" smtClean="0"/>
+              <a:rPr lang="en-US" dirty="0"/>
               <a:t>” as input parameter to another method</a:t>
             </a:r>
           </a:p>
           <a:p>
             <a:r>
-              <a:rPr lang="en-US" dirty="0" smtClean="0"/>
+              <a:rPr lang="en-US" dirty="0"/>
               <a:t>To do that, you need to create a class with a method implementing the code you need</a:t>
             </a:r>
           </a:p>
           <a:p>
             <a:r>
-              <a:rPr lang="en-US" dirty="0" smtClean="0"/>
+              <a:rPr lang="en-US" dirty="0"/>
               <a:t>Writing a whole class definition for just a single line of code is too much boilerplate   </a:t>
             </a:r>
-            <a:endParaRPr lang="en-US" dirty="0"/>
           </a:p>
         </p:txBody>
       </p:sp>
@@ -14149,14 +13840,13 @@
           <a:lstStyle/>
           <a:p>
             <a:r>
-              <a:rPr lang="en-US" dirty="0" smtClean="0"/>
+              <a:rPr lang="en-US" dirty="0"/>
               <a:t>Interfaces in </a:t>
             </a:r>
             <a:r>
-              <a:rPr lang="en-US" i="1" dirty="0" smtClean="0"/>
+              <a:rPr lang="en-US" i="1" dirty="0"/>
               <a:t>java.util.function.*</a:t>
             </a:r>
-            <a:endParaRPr lang="en-US" i="1" dirty="0"/>
           </a:p>
         </p:txBody>
       </p:sp>
@@ -14183,24 +13873,24 @@
           <a:lstStyle/>
           <a:p>
             <a:r>
-              <a:rPr lang="en-US" i="1" dirty="0" err="1" smtClean="0"/>
+              <a:rPr lang="en-US" i="1" dirty="0" err="1"/>
               <a:t>Runnable.run</a:t>
             </a:r>
             <a:r>
-              <a:rPr lang="en-US" i="1" dirty="0" smtClean="0"/>
+              <a:rPr lang="en-US" i="1" dirty="0"/>
               <a:t>()</a:t>
             </a:r>
           </a:p>
           <a:p>
             <a:pPr lvl="1"/>
             <a:r>
-              <a:rPr lang="en-US" dirty="0" smtClean="0"/>
+              <a:rPr lang="en-US" dirty="0"/>
               <a:t>Nothing as input/output, just execute some code with side-effects</a:t>
             </a:r>
           </a:p>
           <a:p>
             <a:r>
-              <a:rPr lang="en-US" i="1" dirty="0" smtClean="0"/>
+              <a:rPr lang="en-US" i="1" dirty="0"/>
               <a:t>Consumer&lt;T&gt;.accept(T t)</a:t>
             </a:r>
           </a:p>
@@ -14208,16 +13898,12 @@
             <a:pPr lvl="1"/>
             <a:r>
               <a:rPr lang="en-US" dirty="0"/>
-              <a:t>t</a:t>
-            </a:r>
-            <a:r>
-              <a:rPr lang="en-US" dirty="0" smtClean="0"/>
-              <a:t>ake an instance of T as input, and do something with it, and return nothing </a:t>
-            </a:r>
-          </a:p>
-          <a:p>
-            <a:r>
-              <a:rPr lang="en-US" i="1" dirty="0" smtClean="0"/>
+              <a:t>take an instance of T as input, and do something with it, and return nothing </a:t>
+            </a:r>
+          </a:p>
+          <a:p>
+            <a:r>
+              <a:rPr lang="en-US" i="1" dirty="0"/>
               <a:t>Predicate&lt;T&gt;.test(T t)</a:t>
             </a:r>
           </a:p>
@@ -14225,21 +13911,17 @@
             <a:pPr lvl="1"/>
             <a:r>
               <a:rPr lang="en-US" dirty="0"/>
-              <a:t>i</a:t>
-            </a:r>
-            <a:r>
-              <a:rPr lang="en-US" dirty="0" smtClean="0"/>
-              <a:t>nput T, and then return a </a:t>
-            </a:r>
-            <a:r>
-              <a:rPr lang="en-US" dirty="0" err="1" smtClean="0"/>
+              <a:t>input T, and then return a </a:t>
+            </a:r>
+            <a:r>
+              <a:rPr lang="en-US" dirty="0" err="1"/>
               <a:t>boolean</a:t>
             </a:r>
-            <a:endParaRPr lang="en-US" dirty="0" smtClean="0"/>
-          </a:p>
-          <a:p>
-            <a:r>
-              <a:rPr lang="en-US" i="1" dirty="0" smtClean="0"/>
+            <a:endParaRPr lang="en-US" dirty="0"/>
+          </a:p>
+          <a:p>
+            <a:r>
+              <a:rPr lang="en-US" i="1" dirty="0"/>
               <a:t>Function&lt;T,R&gt;.apply(T t)</a:t>
             </a:r>
           </a:p>
@@ -14247,19 +13929,14 @@
             <a:pPr lvl="1"/>
             <a:r>
               <a:rPr lang="en-US" dirty="0"/>
-              <a:t>t</a:t>
-            </a:r>
-            <a:r>
-              <a:rPr lang="en-US" dirty="0" smtClean="0"/>
-              <a:t>ake T as input, and return something of type R</a:t>
-            </a:r>
-          </a:p>
-          <a:p>
-            <a:r>
-              <a:rPr lang="en-US" dirty="0" smtClean="0"/>
+              <a:t>take T as input, and return something of type R</a:t>
+            </a:r>
+          </a:p>
+          <a:p>
+            <a:r>
+              <a:rPr lang="en-US" dirty="0"/>
               <a:t>There are more, but those 4 are enough for what we need</a:t>
             </a:r>
-            <a:endParaRPr lang="en-US" dirty="0"/>
           </a:p>
         </p:txBody>
       </p:sp>

--- a/docs/slides/07/07_streams.pptx
+++ b/docs/slides/07/07_streams.pptx
@@ -5,7 +5,7 @@
     <p:sldMasterId id="2147483648" r:id="rId1"/>
   </p:sldMasterIdLst>
   <p:notesMasterIdLst>
-    <p:notesMasterId r:id="rId27"/>
+    <p:notesMasterId r:id="rId28"/>
   </p:notesMasterIdLst>
   <p:sldIdLst>
     <p:sldId id="281" r:id="rId2"/>
@@ -32,7 +32,8 @@
     <p:sldId id="303" r:id="rId23"/>
     <p:sldId id="304" r:id="rId24"/>
     <p:sldId id="307" r:id="rId25"/>
-    <p:sldId id="282" r:id="rId26"/>
+    <p:sldId id="308" r:id="rId26"/>
+    <p:sldId id="282" r:id="rId27"/>
   </p:sldIdLst>
   <p:sldSz cx="13004800" cy="9753600"/>
   <p:notesSz cx="6858000" cy="9144000"/>
@@ -2180,7 +2181,7 @@
           </a:ln>
           <a:extLst>
             <a:ext uri="{C572A759-6A51-4108-AA02-DFA0A04FC94B}">
-              <ma14:wrappingTextBoxFlag xmlns="" xmlns:ma14="http://schemas.microsoft.com/office/mac/drawingml/2011/main" val="1"/>
+              <ma14:wrappingTextBoxFlag xmlns:ma14="http://schemas.microsoft.com/office/mac/drawingml/2011/main" xmlns="" val="1"/>
             </a:ext>
           </a:extLst>
         </p:spPr>
@@ -2219,7 +2220,7 @@
           </a:ln>
           <a:extLst>
             <a:ext uri="{C572A759-6A51-4108-AA02-DFA0A04FC94B}">
-              <ma14:wrappingTextBoxFlag xmlns="" xmlns:ma14="http://schemas.microsoft.com/office/mac/drawingml/2011/main" val="1"/>
+              <ma14:wrappingTextBoxFlag xmlns:ma14="http://schemas.microsoft.com/office/mac/drawingml/2011/main" xmlns="" val="1"/>
             </a:ext>
           </a:extLst>
         </p:spPr>
@@ -11785,6 +11786,1750 @@
 </file>
 
 <file path=ppt/slides/slide25.xml><?xml version="1.0" encoding="utf-8"?>
+<p:sld xmlns:a="http://schemas.openxmlformats.org/drawingml/2006/main" xmlns:r="http://schemas.openxmlformats.org/officeDocument/2006/relationships" xmlns:p="http://schemas.openxmlformats.org/presentationml/2006/main">
+  <p:cSld>
+    <p:spTree>
+      <p:nvGrpSpPr>
+        <p:cNvPr id="1" name=""/>
+        <p:cNvGrpSpPr/>
+        <p:nvPr/>
+      </p:nvGrpSpPr>
+      <p:grpSpPr>
+        <a:xfrm>
+          <a:off x="0" y="0"/>
+          <a:ext cx="0" cy="0"/>
+          <a:chOff x="0" y="0"/>
+          <a:chExt cx="0" cy="0"/>
+        </a:xfrm>
+      </p:grpSpPr>
+      <p:sp>
+        <p:nvSpPr>
+          <p:cNvPr id="3" name="Text Placeholder 2">
+            <a:extLst>
+              <a:ext uri="{FF2B5EF4-FFF2-40B4-BE49-F238E27FC236}">
+                <a16:creationId xmlns:a16="http://schemas.microsoft.com/office/drawing/2014/main" id="{87007DE7-A54E-9142-B815-5EF792AFFCB5}"/>
+              </a:ext>
+            </a:extLst>
+          </p:cNvPr>
+          <p:cNvSpPr>
+            <a:spLocks noGrp="1"/>
+          </p:cNvSpPr>
+          <p:nvPr>
+            <p:ph type="body" idx="1"/>
+          </p:nvPr>
+        </p:nvSpPr>
+        <p:spPr>
+          <a:xfrm>
+            <a:off x="169681" y="7937368"/>
+            <a:ext cx="12594211" cy="1696825"/>
+          </a:xfrm>
+        </p:spPr>
+        <p:txBody>
+          <a:bodyPr/>
+          <a:lstStyle/>
+          <a:p>
+            <a:r>
+              <a:rPr lang="en-US" dirty="0"/>
+              <a:t>Each Pipe has a Consumer&lt;IN&gt;, and also a </a:t>
+            </a:r>
+            <a:r>
+              <a:rPr lang="en-US" i="1" dirty="0"/>
+              <a:t>downstream</a:t>
+            </a:r>
+            <a:r>
+              <a:rPr lang="en-US" dirty="0"/>
+              <a:t> reference to the Consumer&lt;OUT&gt; in the next pipe</a:t>
+            </a:r>
+          </a:p>
+        </p:txBody>
+      </p:sp>
+      <p:pic>
+        <p:nvPicPr>
+          <p:cNvPr id="4" name="Picture 2" descr="Image result for pipe cartoon">
+            <a:extLst>
+              <a:ext uri="{FF2B5EF4-FFF2-40B4-BE49-F238E27FC236}">
+                <a16:creationId xmlns:a16="http://schemas.microsoft.com/office/drawing/2014/main" id="{F0B9644D-AB5C-5644-8BA9-F8E24B85A7AA}"/>
+              </a:ext>
+            </a:extLst>
+          </p:cNvPr>
+          <p:cNvPicPr>
+            <a:picLocks noChangeAspect="1" noChangeArrowheads="1"/>
+          </p:cNvPicPr>
+          <p:nvPr/>
+        </p:nvPicPr>
+        <p:blipFill>
+          <a:blip r:embed="rId2" cstate="print">
+            <a:extLst>
+              <a:ext uri="{28A0092B-C50C-407E-A947-70E740481C1C}">
+                <a14:useLocalDpi xmlns:a14="http://schemas.microsoft.com/office/drawing/2010/main" val="0"/>
+              </a:ext>
+            </a:extLst>
+          </a:blip>
+          <a:srcRect/>
+          <a:stretch>
+            <a:fillRect/>
+          </a:stretch>
+        </p:blipFill>
+        <p:spPr bwMode="auto">
+          <a:xfrm>
+            <a:off x="2060332" y="1162718"/>
+            <a:ext cx="1577002" cy="1324682"/>
+          </a:xfrm>
+          <a:prstGeom prst="rect">
+            <a:avLst/>
+          </a:prstGeom>
+          <a:noFill/>
+          <a:extLst>
+            <a:ext uri="{909E8E84-426E-40DD-AFC4-6F175D3DCCD1}">
+              <a14:hiddenFill xmlns:a14="http://schemas.microsoft.com/office/drawing/2010/main">
+                <a:solidFill>
+                  <a:srgbClr val="FFFFFF"/>
+                </a:solidFill>
+              </a14:hiddenFill>
+            </a:ext>
+          </a:extLst>
+        </p:spPr>
+      </p:pic>
+      <p:sp>
+        <p:nvSpPr>
+          <p:cNvPr id="5" name="Right Arrow 4">
+            <a:extLst>
+              <a:ext uri="{FF2B5EF4-FFF2-40B4-BE49-F238E27FC236}">
+                <a16:creationId xmlns:a16="http://schemas.microsoft.com/office/drawing/2014/main" id="{DA2DA926-BF3E-B54F-9719-D11678E521D3}"/>
+              </a:ext>
+            </a:extLst>
+          </p:cNvPr>
+          <p:cNvSpPr/>
+          <p:nvPr/>
+        </p:nvSpPr>
+        <p:spPr>
+          <a:xfrm>
+            <a:off x="767909" y="1278010"/>
+            <a:ext cx="1018205" cy="1038013"/>
+          </a:xfrm>
+          <a:prstGeom prst="rightArrow">
+            <a:avLst/>
+          </a:prstGeom>
+          <a:solidFill>
+            <a:schemeClr val="tx1"/>
+          </a:solidFill>
+          <a:ln w="12700" cap="flat">
+            <a:noFill/>
+            <a:miter lim="400000"/>
+          </a:ln>
+          <a:effectLst>
+            <a:outerShdw blurRad="38100" dist="25400" dir="5400000" rotWithShape="0">
+              <a:srgbClr val="000000">
+                <a:alpha val="50000"/>
+              </a:srgbClr>
+            </a:outerShdw>
+          </a:effectLst>
+          <a:sp3d/>
+        </p:spPr>
+        <p:style>
+          <a:lnRef idx="0">
+            <a:scrgbClr r="0" g="0" b="0"/>
+          </a:lnRef>
+          <a:fillRef idx="0">
+            <a:scrgbClr r="0" g="0" b="0"/>
+          </a:fillRef>
+          <a:effectRef idx="0">
+            <a:scrgbClr r="0" g="0" b="0"/>
+          </a:effectRef>
+          <a:fontRef idx="none"/>
+        </p:style>
+        <p:txBody>
+          <a:bodyPr rot="0" spcFirstLastPara="1" vertOverflow="overflow" horzOverflow="overflow" vert="horz" wrap="square" lIns="50800" tIns="50800" rIns="50800" bIns="50800" numCol="1" spcCol="38100" rtlCol="0" anchor="ctr">
+            <a:spAutoFit/>
+          </a:bodyPr>
+          <a:lstStyle/>
+          <a:p>
+            <a:pPr marL="0" marR="0" indent="0" algn="ctr" defTabSz="584200" rtl="0" fontAlgn="auto" latinLnBrk="0" hangingPunct="0">
+              <a:lnSpc>
+                <a:spcPct val="100000"/>
+              </a:lnSpc>
+              <a:spcBef>
+                <a:spcPts val="0"/>
+              </a:spcBef>
+              <a:spcAft>
+                <a:spcPts val="0"/>
+              </a:spcAft>
+              <a:buClrTx/>
+              <a:buSzTx/>
+              <a:buFontTx/>
+              <a:buNone/>
+              <a:tabLst/>
+            </a:pPr>
+            <a:endParaRPr kumimoji="0" lang="en-US" sz="2400" b="0" i="0" u="none" strike="noStrike" cap="none" spc="0" normalizeH="0" baseline="0">
+              <a:ln>
+                <a:noFill/>
+              </a:ln>
+              <a:solidFill>
+                <a:srgbClr val="FFFFFF"/>
+              </a:solidFill>
+              <a:effectLst/>
+              <a:uFillTx/>
+              <a:latin typeface="+mn-lt"/>
+              <a:ea typeface="+mn-ea"/>
+              <a:cs typeface="+mn-cs"/>
+              <a:sym typeface="Helvetica Light"/>
+            </a:endParaRPr>
+          </a:p>
+        </p:txBody>
+      </p:sp>
+      <p:sp>
+        <p:nvSpPr>
+          <p:cNvPr id="6" name="Right Arrow 5">
+            <a:extLst>
+              <a:ext uri="{FF2B5EF4-FFF2-40B4-BE49-F238E27FC236}">
+                <a16:creationId xmlns:a16="http://schemas.microsoft.com/office/drawing/2014/main" id="{637098E0-D1AE-C04D-9565-F346A3057B7B}"/>
+              </a:ext>
+            </a:extLst>
+          </p:cNvPr>
+          <p:cNvSpPr/>
+          <p:nvPr/>
+        </p:nvSpPr>
+        <p:spPr>
+          <a:xfrm>
+            <a:off x="6988128" y="1239878"/>
+            <a:ext cx="1018205" cy="1038013"/>
+          </a:xfrm>
+          <a:prstGeom prst="rightArrow">
+            <a:avLst/>
+          </a:prstGeom>
+          <a:solidFill>
+            <a:schemeClr val="tx1"/>
+          </a:solidFill>
+          <a:ln w="12700" cap="flat">
+            <a:noFill/>
+            <a:miter lim="400000"/>
+          </a:ln>
+          <a:effectLst>
+            <a:outerShdw blurRad="38100" dist="25400" dir="5400000" rotWithShape="0">
+              <a:srgbClr val="000000">
+                <a:alpha val="50000"/>
+              </a:srgbClr>
+            </a:outerShdw>
+          </a:effectLst>
+          <a:sp3d/>
+        </p:spPr>
+        <p:style>
+          <a:lnRef idx="0">
+            <a:scrgbClr r="0" g="0" b="0"/>
+          </a:lnRef>
+          <a:fillRef idx="0">
+            <a:scrgbClr r="0" g="0" b="0"/>
+          </a:fillRef>
+          <a:effectRef idx="0">
+            <a:scrgbClr r="0" g="0" b="0"/>
+          </a:effectRef>
+          <a:fontRef idx="none"/>
+        </p:style>
+        <p:txBody>
+          <a:bodyPr rot="0" spcFirstLastPara="1" vertOverflow="overflow" horzOverflow="overflow" vert="horz" wrap="square" lIns="50800" tIns="50800" rIns="50800" bIns="50800" numCol="1" spcCol="38100" rtlCol="0" anchor="ctr">
+            <a:spAutoFit/>
+          </a:bodyPr>
+          <a:lstStyle/>
+          <a:p>
+            <a:pPr marL="0" marR="0" indent="0" algn="ctr" defTabSz="584200" rtl="0" fontAlgn="auto" latinLnBrk="0" hangingPunct="0">
+              <a:lnSpc>
+                <a:spcPct val="100000"/>
+              </a:lnSpc>
+              <a:spcBef>
+                <a:spcPts val="0"/>
+              </a:spcBef>
+              <a:spcAft>
+                <a:spcPts val="0"/>
+              </a:spcAft>
+              <a:buClrTx/>
+              <a:buSzTx/>
+              <a:buFontTx/>
+              <a:buNone/>
+              <a:tabLst/>
+            </a:pPr>
+            <a:endParaRPr kumimoji="0" lang="en-US" sz="2400" b="0" i="0" u="none" strike="noStrike" cap="none" spc="0" normalizeH="0" baseline="0">
+              <a:ln>
+                <a:noFill/>
+              </a:ln>
+              <a:solidFill>
+                <a:srgbClr val="FFFFFF"/>
+              </a:solidFill>
+              <a:effectLst/>
+              <a:uFillTx/>
+              <a:latin typeface="+mn-lt"/>
+              <a:ea typeface="+mn-ea"/>
+              <a:cs typeface="+mn-cs"/>
+              <a:sym typeface="Helvetica Light"/>
+            </a:endParaRPr>
+          </a:p>
+        </p:txBody>
+      </p:sp>
+      <p:sp>
+        <p:nvSpPr>
+          <p:cNvPr id="7" name="TextBox 6">
+            <a:extLst>
+              <a:ext uri="{FF2B5EF4-FFF2-40B4-BE49-F238E27FC236}">
+                <a16:creationId xmlns:a16="http://schemas.microsoft.com/office/drawing/2014/main" id="{A10273C5-22CE-2E42-9C25-4E48B982FDFE}"/>
+              </a:ext>
+            </a:extLst>
+          </p:cNvPr>
+          <p:cNvSpPr txBox="1"/>
+          <p:nvPr/>
+        </p:nvSpPr>
+        <p:spPr>
+          <a:xfrm>
+            <a:off x="1013855" y="2342915"/>
+            <a:ext cx="352661" cy="595035"/>
+          </a:xfrm>
+          <a:prstGeom prst="rect">
+            <a:avLst/>
+          </a:prstGeom>
+          <a:noFill/>
+          <a:ln w="12700" cap="flat">
+            <a:noFill/>
+            <a:miter lim="400000"/>
+          </a:ln>
+          <a:effectLst/>
+          <a:sp3d/>
+        </p:spPr>
+        <p:style>
+          <a:lnRef idx="0">
+            <a:scrgbClr r="0" g="0" b="0"/>
+          </a:lnRef>
+          <a:fillRef idx="0">
+            <a:scrgbClr r="0" g="0" b="0"/>
+          </a:fillRef>
+          <a:effectRef idx="0">
+            <a:scrgbClr r="0" g="0" b="0"/>
+          </a:effectRef>
+          <a:fontRef idx="none"/>
+        </p:style>
+        <p:txBody>
+          <a:bodyPr rot="0" spcFirstLastPara="1" vertOverflow="overflow" horzOverflow="overflow" vert="horz" wrap="none" lIns="50800" tIns="50800" rIns="50800" bIns="50800" numCol="1" spcCol="38100" rtlCol="0" anchor="ctr">
+            <a:spAutoFit/>
+          </a:bodyPr>
+          <a:lstStyle/>
+          <a:p>
+            <a:pPr marL="0" marR="0" indent="0" algn="ctr" defTabSz="584200" rtl="0" fontAlgn="auto" latinLnBrk="0" hangingPunct="0">
+              <a:lnSpc>
+                <a:spcPct val="100000"/>
+              </a:lnSpc>
+              <a:spcBef>
+                <a:spcPts val="0"/>
+              </a:spcBef>
+              <a:spcAft>
+                <a:spcPts val="0"/>
+              </a:spcAft>
+              <a:buClrTx/>
+              <a:buSzTx/>
+              <a:buFontTx/>
+              <a:buNone/>
+              <a:tabLst/>
+            </a:pPr>
+            <a:r>
+              <a:rPr lang="en-US" sz="3200" dirty="0"/>
+              <a:t>T</a:t>
+            </a:r>
+            <a:endParaRPr kumimoji="0" lang="en-US" sz="3200" b="0" i="0" u="none" strike="noStrike" cap="none" spc="0" normalizeH="0" baseline="0" dirty="0">
+              <a:ln>
+                <a:noFill/>
+              </a:ln>
+              <a:solidFill>
+                <a:srgbClr val="000000"/>
+              </a:solidFill>
+              <a:effectLst/>
+              <a:uFillTx/>
+              <a:latin typeface="+mn-lt"/>
+              <a:ea typeface="+mn-ea"/>
+              <a:cs typeface="+mn-cs"/>
+              <a:sym typeface="Helvetica Light"/>
+            </a:endParaRPr>
+          </a:p>
+        </p:txBody>
+      </p:sp>
+      <p:sp>
+        <p:nvSpPr>
+          <p:cNvPr id="8" name="TextBox 7">
+            <a:extLst>
+              <a:ext uri="{FF2B5EF4-FFF2-40B4-BE49-F238E27FC236}">
+                <a16:creationId xmlns:a16="http://schemas.microsoft.com/office/drawing/2014/main" id="{ADC6D6EA-6153-F54B-BD0C-57E6FB077DB4}"/>
+              </a:ext>
+            </a:extLst>
+          </p:cNvPr>
+          <p:cNvSpPr txBox="1"/>
+          <p:nvPr/>
+        </p:nvSpPr>
+        <p:spPr>
+          <a:xfrm>
+            <a:off x="6684659" y="2304783"/>
+            <a:ext cx="1469954" cy="595035"/>
+          </a:xfrm>
+          <a:prstGeom prst="rect">
+            <a:avLst/>
+          </a:prstGeom>
+          <a:noFill/>
+          <a:ln w="12700" cap="flat">
+            <a:noFill/>
+            <a:miter lim="400000"/>
+          </a:ln>
+          <a:effectLst/>
+          <a:sp3d/>
+        </p:spPr>
+        <p:style>
+          <a:lnRef idx="0">
+            <a:scrgbClr r="0" g="0" b="0"/>
+          </a:lnRef>
+          <a:fillRef idx="0">
+            <a:scrgbClr r="0" g="0" b="0"/>
+          </a:fillRef>
+          <a:effectRef idx="0">
+            <a:scrgbClr r="0" g="0" b="0"/>
+          </a:effectRef>
+          <a:fontRef idx="none"/>
+        </p:style>
+        <p:txBody>
+          <a:bodyPr rot="0" spcFirstLastPara="1" vertOverflow="overflow" horzOverflow="overflow" vert="horz" wrap="none" lIns="50800" tIns="50800" rIns="50800" bIns="50800" numCol="1" spcCol="38100" rtlCol="0" anchor="ctr">
+            <a:spAutoFit/>
+          </a:bodyPr>
+          <a:lstStyle/>
+          <a:p>
+            <a:pPr marL="0" marR="0" indent="0" algn="ctr" defTabSz="584200" rtl="0" fontAlgn="auto" latinLnBrk="0" hangingPunct="0">
+              <a:lnSpc>
+                <a:spcPct val="100000"/>
+              </a:lnSpc>
+              <a:spcBef>
+                <a:spcPts val="0"/>
+              </a:spcBef>
+              <a:spcAft>
+                <a:spcPts val="0"/>
+              </a:spcAft>
+              <a:buClrTx/>
+              <a:buSzTx/>
+              <a:buFontTx/>
+              <a:buNone/>
+              <a:tabLst/>
+            </a:pPr>
+            <a:r>
+              <a:rPr lang="en-US" sz="3200" dirty="0"/>
+              <a:t>OUT_B</a:t>
+            </a:r>
+            <a:endParaRPr kumimoji="0" lang="en-US" sz="3200" b="0" i="0" u="none" strike="noStrike" cap="none" spc="0" normalizeH="0" baseline="0" dirty="0">
+              <a:ln>
+                <a:noFill/>
+              </a:ln>
+              <a:solidFill>
+                <a:srgbClr val="000000"/>
+              </a:solidFill>
+              <a:effectLst/>
+              <a:uFillTx/>
+              <a:latin typeface="+mn-lt"/>
+              <a:ea typeface="+mn-ea"/>
+              <a:cs typeface="+mn-cs"/>
+              <a:sym typeface="Helvetica Light"/>
+            </a:endParaRPr>
+          </a:p>
+        </p:txBody>
+      </p:sp>
+      <p:pic>
+        <p:nvPicPr>
+          <p:cNvPr id="9" name="Picture 2" descr="Image result for pipe cartoon">
+            <a:extLst>
+              <a:ext uri="{FF2B5EF4-FFF2-40B4-BE49-F238E27FC236}">
+                <a16:creationId xmlns:a16="http://schemas.microsoft.com/office/drawing/2014/main" id="{F7DD8B4D-B695-F240-8ED7-B66D23D1D4AB}"/>
+              </a:ext>
+            </a:extLst>
+          </p:cNvPr>
+          <p:cNvPicPr>
+            <a:picLocks noChangeAspect="1" noChangeArrowheads="1"/>
+          </p:cNvPicPr>
+          <p:nvPr/>
+        </p:nvPicPr>
+        <p:blipFill>
+          <a:blip r:embed="rId2" cstate="print">
+            <a:extLst>
+              <a:ext uri="{28A0092B-C50C-407E-A947-70E740481C1C}">
+                <a14:useLocalDpi xmlns:a14="http://schemas.microsoft.com/office/drawing/2010/main" val="0"/>
+              </a:ext>
+            </a:extLst>
+          </a:blip>
+          <a:srcRect/>
+          <a:stretch>
+            <a:fillRect/>
+          </a:stretch>
+        </p:blipFill>
+        <p:spPr bwMode="auto">
+          <a:xfrm>
+            <a:off x="5129660" y="1162718"/>
+            <a:ext cx="1577002" cy="1324682"/>
+          </a:xfrm>
+          <a:prstGeom prst="rect">
+            <a:avLst/>
+          </a:prstGeom>
+          <a:noFill/>
+          <a:extLst>
+            <a:ext uri="{909E8E84-426E-40DD-AFC4-6F175D3DCCD1}">
+              <a14:hiddenFill xmlns:a14="http://schemas.microsoft.com/office/drawing/2010/main">
+                <a:solidFill>
+                  <a:srgbClr val="FFFFFF"/>
+                </a:solidFill>
+              </a14:hiddenFill>
+            </a:ext>
+          </a:extLst>
+        </p:spPr>
+      </p:pic>
+      <p:sp>
+        <p:nvSpPr>
+          <p:cNvPr id="10" name="Right Arrow 9">
+            <a:extLst>
+              <a:ext uri="{FF2B5EF4-FFF2-40B4-BE49-F238E27FC236}">
+                <a16:creationId xmlns:a16="http://schemas.microsoft.com/office/drawing/2014/main" id="{525AD1F2-C949-044A-B3AA-05FE390132C5}"/>
+              </a:ext>
+            </a:extLst>
+          </p:cNvPr>
+          <p:cNvSpPr/>
+          <p:nvPr/>
+        </p:nvSpPr>
+        <p:spPr>
+          <a:xfrm>
+            <a:off x="3837237" y="1278010"/>
+            <a:ext cx="1018205" cy="1038013"/>
+          </a:xfrm>
+          <a:prstGeom prst="rightArrow">
+            <a:avLst/>
+          </a:prstGeom>
+          <a:solidFill>
+            <a:schemeClr val="tx1"/>
+          </a:solidFill>
+          <a:ln w="12700" cap="flat">
+            <a:noFill/>
+            <a:miter lim="400000"/>
+          </a:ln>
+          <a:effectLst>
+            <a:outerShdw blurRad="38100" dist="25400" dir="5400000" rotWithShape="0">
+              <a:srgbClr val="000000">
+                <a:alpha val="50000"/>
+              </a:srgbClr>
+            </a:outerShdw>
+          </a:effectLst>
+          <a:sp3d/>
+        </p:spPr>
+        <p:style>
+          <a:lnRef idx="0">
+            <a:scrgbClr r="0" g="0" b="0"/>
+          </a:lnRef>
+          <a:fillRef idx="0">
+            <a:scrgbClr r="0" g="0" b="0"/>
+          </a:fillRef>
+          <a:effectRef idx="0">
+            <a:scrgbClr r="0" g="0" b="0"/>
+          </a:effectRef>
+          <a:fontRef idx="none"/>
+        </p:style>
+        <p:txBody>
+          <a:bodyPr rot="0" spcFirstLastPara="1" vertOverflow="overflow" horzOverflow="overflow" vert="horz" wrap="square" lIns="50800" tIns="50800" rIns="50800" bIns="50800" numCol="1" spcCol="38100" rtlCol="0" anchor="ctr">
+            <a:spAutoFit/>
+          </a:bodyPr>
+          <a:lstStyle/>
+          <a:p>
+            <a:pPr marL="0" marR="0" indent="0" algn="ctr" defTabSz="584200" rtl="0" fontAlgn="auto" latinLnBrk="0" hangingPunct="0">
+              <a:lnSpc>
+                <a:spcPct val="100000"/>
+              </a:lnSpc>
+              <a:spcBef>
+                <a:spcPts val="0"/>
+              </a:spcBef>
+              <a:spcAft>
+                <a:spcPts val="0"/>
+              </a:spcAft>
+              <a:buClrTx/>
+              <a:buSzTx/>
+              <a:buFontTx/>
+              <a:buNone/>
+              <a:tabLst/>
+            </a:pPr>
+            <a:endParaRPr kumimoji="0" lang="en-US" sz="2400" b="0" i="0" u="none" strike="noStrike" cap="none" spc="0" normalizeH="0" baseline="0">
+              <a:ln>
+                <a:noFill/>
+              </a:ln>
+              <a:solidFill>
+                <a:srgbClr val="FFFFFF"/>
+              </a:solidFill>
+              <a:effectLst/>
+              <a:uFillTx/>
+              <a:latin typeface="+mn-lt"/>
+              <a:ea typeface="+mn-ea"/>
+              <a:cs typeface="+mn-cs"/>
+              <a:sym typeface="Helvetica Light"/>
+            </a:endParaRPr>
+          </a:p>
+        </p:txBody>
+      </p:sp>
+      <p:sp>
+        <p:nvSpPr>
+          <p:cNvPr id="11" name="TextBox 10">
+            <a:extLst>
+              <a:ext uri="{FF2B5EF4-FFF2-40B4-BE49-F238E27FC236}">
+                <a16:creationId xmlns:a16="http://schemas.microsoft.com/office/drawing/2014/main" id="{0800225B-3532-4141-8A52-C8B2D616C8A2}"/>
+              </a:ext>
+            </a:extLst>
+          </p:cNvPr>
+          <p:cNvSpPr txBox="1"/>
+          <p:nvPr/>
+        </p:nvSpPr>
+        <p:spPr>
+          <a:xfrm>
+            <a:off x="3596173" y="2342914"/>
+            <a:ext cx="1469954" cy="595035"/>
+          </a:xfrm>
+          <a:prstGeom prst="rect">
+            <a:avLst/>
+          </a:prstGeom>
+          <a:noFill/>
+          <a:ln w="12700" cap="flat">
+            <a:noFill/>
+            <a:miter lim="400000"/>
+          </a:ln>
+          <a:effectLst/>
+          <a:sp3d/>
+        </p:spPr>
+        <p:style>
+          <a:lnRef idx="0">
+            <a:scrgbClr r="0" g="0" b="0"/>
+          </a:lnRef>
+          <a:fillRef idx="0">
+            <a:scrgbClr r="0" g="0" b="0"/>
+          </a:fillRef>
+          <a:effectRef idx="0">
+            <a:scrgbClr r="0" g="0" b="0"/>
+          </a:effectRef>
+          <a:fontRef idx="none"/>
+        </p:style>
+        <p:txBody>
+          <a:bodyPr rot="0" spcFirstLastPara="1" vertOverflow="overflow" horzOverflow="overflow" vert="horz" wrap="none" lIns="50800" tIns="50800" rIns="50800" bIns="50800" numCol="1" spcCol="38100" rtlCol="0" anchor="ctr">
+            <a:spAutoFit/>
+          </a:bodyPr>
+          <a:lstStyle/>
+          <a:p>
+            <a:pPr marL="0" marR="0" indent="0" algn="ctr" defTabSz="584200" rtl="0" fontAlgn="auto" latinLnBrk="0" hangingPunct="0">
+              <a:lnSpc>
+                <a:spcPct val="100000"/>
+              </a:lnSpc>
+              <a:spcBef>
+                <a:spcPts val="0"/>
+              </a:spcBef>
+              <a:spcAft>
+                <a:spcPts val="0"/>
+              </a:spcAft>
+              <a:buClrTx/>
+              <a:buSzTx/>
+              <a:buFontTx/>
+              <a:buNone/>
+              <a:tabLst/>
+            </a:pPr>
+            <a:r>
+              <a:rPr lang="en-US" sz="3200" dirty="0"/>
+              <a:t>OUT_A</a:t>
+            </a:r>
+            <a:endParaRPr kumimoji="0" lang="en-US" sz="3200" b="0" i="0" u="none" strike="noStrike" cap="none" spc="0" normalizeH="0" baseline="0" dirty="0">
+              <a:ln>
+                <a:noFill/>
+              </a:ln>
+              <a:solidFill>
+                <a:srgbClr val="000000"/>
+              </a:solidFill>
+              <a:effectLst/>
+              <a:uFillTx/>
+              <a:latin typeface="+mn-lt"/>
+              <a:ea typeface="+mn-ea"/>
+              <a:cs typeface="+mn-cs"/>
+              <a:sym typeface="Helvetica Light"/>
+            </a:endParaRPr>
+          </a:p>
+        </p:txBody>
+      </p:sp>
+      <p:sp>
+        <p:nvSpPr>
+          <p:cNvPr id="12" name="TextBox 11">
+            <a:extLst>
+              <a:ext uri="{FF2B5EF4-FFF2-40B4-BE49-F238E27FC236}">
+                <a16:creationId xmlns:a16="http://schemas.microsoft.com/office/drawing/2014/main" id="{1538AA8A-3A90-D442-A767-6D8DBF237871}"/>
+              </a:ext>
+            </a:extLst>
+          </p:cNvPr>
+          <p:cNvSpPr txBox="1"/>
+          <p:nvPr/>
+        </p:nvSpPr>
+        <p:spPr>
+          <a:xfrm>
+            <a:off x="5232299" y="282358"/>
+            <a:ext cx="1311256" cy="595035"/>
+          </a:xfrm>
+          <a:prstGeom prst="rect">
+            <a:avLst/>
+          </a:prstGeom>
+          <a:noFill/>
+          <a:ln w="12700" cap="flat">
+            <a:noFill/>
+            <a:miter lim="400000"/>
+          </a:ln>
+          <a:effectLst/>
+          <a:sp3d/>
+        </p:spPr>
+        <p:style>
+          <a:lnRef idx="0">
+            <a:scrgbClr r="0" g="0" b="0"/>
+          </a:lnRef>
+          <a:fillRef idx="0">
+            <a:scrgbClr r="0" g="0" b="0"/>
+          </a:fillRef>
+          <a:effectRef idx="0">
+            <a:scrgbClr r="0" g="0" b="0"/>
+          </a:effectRef>
+          <a:fontRef idx="none"/>
+        </p:style>
+        <p:txBody>
+          <a:bodyPr rot="0" spcFirstLastPara="1" vertOverflow="overflow" horzOverflow="overflow" vert="horz" wrap="none" lIns="50800" tIns="50800" rIns="50800" bIns="50800" numCol="1" spcCol="38100" rtlCol="0" anchor="ctr">
+            <a:spAutoFit/>
+          </a:bodyPr>
+          <a:lstStyle/>
+          <a:p>
+            <a:pPr marL="0" marR="0" indent="0" algn="ctr" defTabSz="584200" rtl="0" fontAlgn="auto" latinLnBrk="0" hangingPunct="0">
+              <a:lnSpc>
+                <a:spcPct val="100000"/>
+              </a:lnSpc>
+              <a:spcBef>
+                <a:spcPts val="0"/>
+              </a:spcBef>
+              <a:spcAft>
+                <a:spcPts val="0"/>
+              </a:spcAft>
+              <a:buClrTx/>
+              <a:buSzTx/>
+              <a:buFontTx/>
+              <a:buNone/>
+              <a:tabLst/>
+            </a:pPr>
+            <a:r>
+              <a:rPr kumimoji="0" lang="en-US" sz="3200" b="0" i="0" u="none" strike="noStrike" cap="none" spc="0" normalizeH="0" baseline="0" dirty="0">
+                <a:ln>
+                  <a:noFill/>
+                </a:ln>
+                <a:solidFill>
+                  <a:srgbClr val="000000"/>
+                </a:solidFill>
+                <a:effectLst/>
+                <a:uFillTx/>
+                <a:latin typeface="+mn-lt"/>
+                <a:ea typeface="+mn-ea"/>
+                <a:cs typeface="+mn-cs"/>
+                <a:sym typeface="Helvetica Light"/>
+              </a:rPr>
+              <a:t>Pipe</a:t>
+            </a:r>
+            <a:r>
+              <a:rPr kumimoji="0" lang="en-US" sz="3200" b="0" i="0" u="none" strike="noStrike" cap="none" spc="0" normalizeH="0" dirty="0">
+                <a:ln>
+                  <a:noFill/>
+                </a:ln>
+                <a:solidFill>
+                  <a:srgbClr val="000000"/>
+                </a:solidFill>
+                <a:effectLst/>
+                <a:uFillTx/>
+                <a:latin typeface="+mn-lt"/>
+                <a:ea typeface="+mn-ea"/>
+                <a:cs typeface="+mn-cs"/>
+                <a:sym typeface="Helvetica Light"/>
+              </a:rPr>
+              <a:t> B</a:t>
+            </a:r>
+            <a:endParaRPr kumimoji="0" lang="en-US" sz="3200" b="0" i="0" u="none" strike="noStrike" cap="none" spc="0" normalizeH="0" baseline="0" dirty="0">
+              <a:ln>
+                <a:noFill/>
+              </a:ln>
+              <a:solidFill>
+                <a:srgbClr val="000000"/>
+              </a:solidFill>
+              <a:effectLst/>
+              <a:uFillTx/>
+              <a:latin typeface="+mn-lt"/>
+              <a:ea typeface="+mn-ea"/>
+              <a:cs typeface="+mn-cs"/>
+              <a:sym typeface="Helvetica Light"/>
+            </a:endParaRPr>
+          </a:p>
+        </p:txBody>
+      </p:sp>
+      <p:sp>
+        <p:nvSpPr>
+          <p:cNvPr id="13" name="TextBox 12">
+            <a:extLst>
+              <a:ext uri="{FF2B5EF4-FFF2-40B4-BE49-F238E27FC236}">
+                <a16:creationId xmlns:a16="http://schemas.microsoft.com/office/drawing/2014/main" id="{572DC0D1-3FA7-944A-985B-1731F46B63D9}"/>
+              </a:ext>
+            </a:extLst>
+          </p:cNvPr>
+          <p:cNvSpPr txBox="1"/>
+          <p:nvPr/>
+        </p:nvSpPr>
+        <p:spPr>
+          <a:xfrm>
+            <a:off x="2193205" y="282358"/>
+            <a:ext cx="1311256" cy="595035"/>
+          </a:xfrm>
+          <a:prstGeom prst="rect">
+            <a:avLst/>
+          </a:prstGeom>
+          <a:noFill/>
+          <a:ln w="12700" cap="flat">
+            <a:noFill/>
+            <a:miter lim="400000"/>
+          </a:ln>
+          <a:effectLst/>
+          <a:sp3d/>
+        </p:spPr>
+        <p:style>
+          <a:lnRef idx="0">
+            <a:scrgbClr r="0" g="0" b="0"/>
+          </a:lnRef>
+          <a:fillRef idx="0">
+            <a:scrgbClr r="0" g="0" b="0"/>
+          </a:fillRef>
+          <a:effectRef idx="0">
+            <a:scrgbClr r="0" g="0" b="0"/>
+          </a:effectRef>
+          <a:fontRef idx="none"/>
+        </p:style>
+        <p:txBody>
+          <a:bodyPr rot="0" spcFirstLastPara="1" vertOverflow="overflow" horzOverflow="overflow" vert="horz" wrap="none" lIns="50800" tIns="50800" rIns="50800" bIns="50800" numCol="1" spcCol="38100" rtlCol="0" anchor="ctr">
+            <a:spAutoFit/>
+          </a:bodyPr>
+          <a:lstStyle/>
+          <a:p>
+            <a:pPr marL="0" marR="0" indent="0" algn="ctr" defTabSz="584200" rtl="0" fontAlgn="auto" latinLnBrk="0" hangingPunct="0">
+              <a:lnSpc>
+                <a:spcPct val="100000"/>
+              </a:lnSpc>
+              <a:spcBef>
+                <a:spcPts val="0"/>
+              </a:spcBef>
+              <a:spcAft>
+                <a:spcPts val="0"/>
+              </a:spcAft>
+              <a:buClrTx/>
+              <a:buSzTx/>
+              <a:buFontTx/>
+              <a:buNone/>
+              <a:tabLst/>
+            </a:pPr>
+            <a:r>
+              <a:rPr kumimoji="0" lang="en-US" sz="3200" b="0" i="0" u="none" strike="noStrike" cap="none" spc="0" normalizeH="0" baseline="0" dirty="0">
+                <a:ln>
+                  <a:noFill/>
+                </a:ln>
+                <a:solidFill>
+                  <a:srgbClr val="000000"/>
+                </a:solidFill>
+                <a:effectLst/>
+                <a:uFillTx/>
+                <a:latin typeface="+mn-lt"/>
+                <a:ea typeface="+mn-ea"/>
+                <a:cs typeface="+mn-cs"/>
+                <a:sym typeface="Helvetica Light"/>
+              </a:rPr>
+              <a:t>Pipe</a:t>
+            </a:r>
+            <a:r>
+              <a:rPr kumimoji="0" lang="en-US" sz="3200" b="0" i="0" u="none" strike="noStrike" cap="none" spc="0" normalizeH="0" dirty="0">
+                <a:ln>
+                  <a:noFill/>
+                </a:ln>
+                <a:solidFill>
+                  <a:srgbClr val="000000"/>
+                </a:solidFill>
+                <a:effectLst/>
+                <a:uFillTx/>
+                <a:latin typeface="+mn-lt"/>
+                <a:ea typeface="+mn-ea"/>
+                <a:cs typeface="+mn-cs"/>
+                <a:sym typeface="Helvetica Light"/>
+              </a:rPr>
+              <a:t> A</a:t>
+            </a:r>
+            <a:endParaRPr kumimoji="0" lang="en-US" sz="3200" b="0" i="0" u="none" strike="noStrike" cap="none" spc="0" normalizeH="0" baseline="0" dirty="0">
+              <a:ln>
+                <a:noFill/>
+              </a:ln>
+              <a:solidFill>
+                <a:srgbClr val="000000"/>
+              </a:solidFill>
+              <a:effectLst/>
+              <a:uFillTx/>
+              <a:latin typeface="+mn-lt"/>
+              <a:ea typeface="+mn-ea"/>
+              <a:cs typeface="+mn-cs"/>
+              <a:sym typeface="Helvetica Light"/>
+            </a:endParaRPr>
+          </a:p>
+        </p:txBody>
+      </p:sp>
+      <p:sp>
+        <p:nvSpPr>
+          <p:cNvPr id="14" name="Right Arrow 13">
+            <a:extLst>
+              <a:ext uri="{FF2B5EF4-FFF2-40B4-BE49-F238E27FC236}">
+                <a16:creationId xmlns:a16="http://schemas.microsoft.com/office/drawing/2014/main" id="{2015C5E1-7EC7-FF44-B931-A25EF62E1800}"/>
+              </a:ext>
+            </a:extLst>
+          </p:cNvPr>
+          <p:cNvSpPr/>
+          <p:nvPr/>
+        </p:nvSpPr>
+        <p:spPr>
+          <a:xfrm>
+            <a:off x="10183662" y="1245693"/>
+            <a:ext cx="1018205" cy="1038013"/>
+          </a:xfrm>
+          <a:prstGeom prst="rightArrow">
+            <a:avLst/>
+          </a:prstGeom>
+          <a:solidFill>
+            <a:schemeClr val="tx1"/>
+          </a:solidFill>
+          <a:ln w="12700" cap="flat">
+            <a:noFill/>
+            <a:miter lim="400000"/>
+          </a:ln>
+          <a:effectLst>
+            <a:outerShdw blurRad="38100" dist="25400" dir="5400000" rotWithShape="0">
+              <a:srgbClr val="000000">
+                <a:alpha val="50000"/>
+              </a:srgbClr>
+            </a:outerShdw>
+          </a:effectLst>
+          <a:sp3d/>
+        </p:spPr>
+        <p:style>
+          <a:lnRef idx="0">
+            <a:scrgbClr r="0" g="0" b="0"/>
+          </a:lnRef>
+          <a:fillRef idx="0">
+            <a:scrgbClr r="0" g="0" b="0"/>
+          </a:fillRef>
+          <a:effectRef idx="0">
+            <a:scrgbClr r="0" g="0" b="0"/>
+          </a:effectRef>
+          <a:fontRef idx="none"/>
+        </p:style>
+        <p:txBody>
+          <a:bodyPr rot="0" spcFirstLastPara="1" vertOverflow="overflow" horzOverflow="overflow" vert="horz" wrap="square" lIns="50800" tIns="50800" rIns="50800" bIns="50800" numCol="1" spcCol="38100" rtlCol="0" anchor="ctr">
+            <a:spAutoFit/>
+          </a:bodyPr>
+          <a:lstStyle/>
+          <a:p>
+            <a:pPr marL="0" marR="0" indent="0" algn="ctr" defTabSz="584200" rtl="0" fontAlgn="auto" latinLnBrk="0" hangingPunct="0">
+              <a:lnSpc>
+                <a:spcPct val="100000"/>
+              </a:lnSpc>
+              <a:spcBef>
+                <a:spcPts val="0"/>
+              </a:spcBef>
+              <a:spcAft>
+                <a:spcPts val="0"/>
+              </a:spcAft>
+              <a:buClrTx/>
+              <a:buSzTx/>
+              <a:buFontTx/>
+              <a:buNone/>
+              <a:tabLst/>
+            </a:pPr>
+            <a:endParaRPr kumimoji="0" lang="en-US" sz="2400" b="0" i="0" u="none" strike="noStrike" cap="none" spc="0" normalizeH="0" baseline="0">
+              <a:ln>
+                <a:noFill/>
+              </a:ln>
+              <a:solidFill>
+                <a:srgbClr val="FFFFFF"/>
+              </a:solidFill>
+              <a:effectLst/>
+              <a:uFillTx/>
+              <a:latin typeface="+mn-lt"/>
+              <a:ea typeface="+mn-ea"/>
+              <a:cs typeface="+mn-cs"/>
+              <a:sym typeface="Helvetica Light"/>
+            </a:endParaRPr>
+          </a:p>
+        </p:txBody>
+      </p:sp>
+      <p:sp>
+        <p:nvSpPr>
+          <p:cNvPr id="15" name="TextBox 14">
+            <a:extLst>
+              <a:ext uri="{FF2B5EF4-FFF2-40B4-BE49-F238E27FC236}">
+                <a16:creationId xmlns:a16="http://schemas.microsoft.com/office/drawing/2014/main" id="{FB7C059A-15EF-954A-9839-D9A62BB27A35}"/>
+              </a:ext>
+            </a:extLst>
+          </p:cNvPr>
+          <p:cNvSpPr txBox="1"/>
+          <p:nvPr/>
+        </p:nvSpPr>
+        <p:spPr>
+          <a:xfrm>
+            <a:off x="9891414" y="2310598"/>
+            <a:ext cx="1447512" cy="595035"/>
+          </a:xfrm>
+          <a:prstGeom prst="rect">
+            <a:avLst/>
+          </a:prstGeom>
+          <a:noFill/>
+          <a:ln w="12700" cap="flat">
+            <a:noFill/>
+            <a:miter lim="400000"/>
+          </a:ln>
+          <a:effectLst/>
+          <a:sp3d/>
+        </p:spPr>
+        <p:style>
+          <a:lnRef idx="0">
+            <a:scrgbClr r="0" g="0" b="0"/>
+          </a:lnRef>
+          <a:fillRef idx="0">
+            <a:scrgbClr r="0" g="0" b="0"/>
+          </a:fillRef>
+          <a:effectRef idx="0">
+            <a:scrgbClr r="0" g="0" b="0"/>
+          </a:effectRef>
+          <a:fontRef idx="none"/>
+        </p:style>
+        <p:txBody>
+          <a:bodyPr rot="0" spcFirstLastPara="1" vertOverflow="overflow" horzOverflow="overflow" vert="horz" wrap="none" lIns="50800" tIns="50800" rIns="50800" bIns="50800" numCol="1" spcCol="38100" rtlCol="0" anchor="ctr">
+            <a:spAutoFit/>
+          </a:bodyPr>
+          <a:lstStyle/>
+          <a:p>
+            <a:pPr marL="0" marR="0" indent="0" algn="ctr" defTabSz="584200" rtl="0" fontAlgn="auto" latinLnBrk="0" hangingPunct="0">
+              <a:lnSpc>
+                <a:spcPct val="100000"/>
+              </a:lnSpc>
+              <a:spcBef>
+                <a:spcPts val="0"/>
+              </a:spcBef>
+              <a:spcAft>
+                <a:spcPts val="0"/>
+              </a:spcAft>
+              <a:buClrTx/>
+              <a:buSzTx/>
+              <a:buFontTx/>
+              <a:buNone/>
+              <a:tabLst/>
+            </a:pPr>
+            <a:r>
+              <a:rPr lang="en-US" sz="3200" dirty="0"/>
+              <a:t>OUT_C</a:t>
+            </a:r>
+            <a:endParaRPr kumimoji="0" lang="en-US" sz="3200" b="0" i="0" u="none" strike="noStrike" cap="none" spc="0" normalizeH="0" baseline="0" dirty="0">
+              <a:ln>
+                <a:noFill/>
+              </a:ln>
+              <a:solidFill>
+                <a:srgbClr val="000000"/>
+              </a:solidFill>
+              <a:effectLst/>
+              <a:uFillTx/>
+              <a:latin typeface="+mn-lt"/>
+              <a:ea typeface="+mn-ea"/>
+              <a:cs typeface="+mn-cs"/>
+              <a:sym typeface="Helvetica Light"/>
+            </a:endParaRPr>
+          </a:p>
+        </p:txBody>
+      </p:sp>
+      <p:pic>
+        <p:nvPicPr>
+          <p:cNvPr id="16" name="Picture 2" descr="Image result for pipe cartoon">
+            <a:extLst>
+              <a:ext uri="{FF2B5EF4-FFF2-40B4-BE49-F238E27FC236}">
+                <a16:creationId xmlns:a16="http://schemas.microsoft.com/office/drawing/2014/main" id="{CD48078A-A37B-B747-97F7-E66A9C00F47C}"/>
+              </a:ext>
+            </a:extLst>
+          </p:cNvPr>
+          <p:cNvPicPr>
+            <a:picLocks noChangeAspect="1" noChangeArrowheads="1"/>
+          </p:cNvPicPr>
+          <p:nvPr/>
+        </p:nvPicPr>
+        <p:blipFill>
+          <a:blip r:embed="rId2" cstate="print">
+            <a:extLst>
+              <a:ext uri="{28A0092B-C50C-407E-A947-70E740481C1C}">
+                <a14:useLocalDpi xmlns:a14="http://schemas.microsoft.com/office/drawing/2010/main" val="0"/>
+              </a:ext>
+            </a:extLst>
+          </a:blip>
+          <a:srcRect/>
+          <a:stretch>
+            <a:fillRect/>
+          </a:stretch>
+        </p:blipFill>
+        <p:spPr bwMode="auto">
+          <a:xfrm>
+            <a:off x="8325194" y="1168533"/>
+            <a:ext cx="1577002" cy="1324682"/>
+          </a:xfrm>
+          <a:prstGeom prst="rect">
+            <a:avLst/>
+          </a:prstGeom>
+          <a:noFill/>
+          <a:extLst>
+            <a:ext uri="{909E8E84-426E-40DD-AFC4-6F175D3DCCD1}">
+              <a14:hiddenFill xmlns:a14="http://schemas.microsoft.com/office/drawing/2010/main">
+                <a:solidFill>
+                  <a:srgbClr val="FFFFFF"/>
+                </a:solidFill>
+              </a14:hiddenFill>
+            </a:ext>
+          </a:extLst>
+        </p:spPr>
+      </p:pic>
+      <p:sp>
+        <p:nvSpPr>
+          <p:cNvPr id="17" name="TextBox 16">
+            <a:extLst>
+              <a:ext uri="{FF2B5EF4-FFF2-40B4-BE49-F238E27FC236}">
+                <a16:creationId xmlns:a16="http://schemas.microsoft.com/office/drawing/2014/main" id="{931E60B8-3B49-9D4D-A58D-285BDC748B89}"/>
+              </a:ext>
+            </a:extLst>
+          </p:cNvPr>
+          <p:cNvSpPr txBox="1"/>
+          <p:nvPr/>
+        </p:nvSpPr>
+        <p:spPr>
+          <a:xfrm>
+            <a:off x="8417413" y="288173"/>
+            <a:ext cx="1332096" cy="595035"/>
+          </a:xfrm>
+          <a:prstGeom prst="rect">
+            <a:avLst/>
+          </a:prstGeom>
+          <a:noFill/>
+          <a:ln w="12700" cap="flat">
+            <a:noFill/>
+            <a:miter lim="400000"/>
+          </a:ln>
+          <a:effectLst/>
+          <a:sp3d/>
+        </p:spPr>
+        <p:style>
+          <a:lnRef idx="0">
+            <a:scrgbClr r="0" g="0" b="0"/>
+          </a:lnRef>
+          <a:fillRef idx="0">
+            <a:scrgbClr r="0" g="0" b="0"/>
+          </a:fillRef>
+          <a:effectRef idx="0">
+            <a:scrgbClr r="0" g="0" b="0"/>
+          </a:effectRef>
+          <a:fontRef idx="none"/>
+        </p:style>
+        <p:txBody>
+          <a:bodyPr rot="0" spcFirstLastPara="1" vertOverflow="overflow" horzOverflow="overflow" vert="horz" wrap="none" lIns="50800" tIns="50800" rIns="50800" bIns="50800" numCol="1" spcCol="38100" rtlCol="0" anchor="ctr">
+            <a:spAutoFit/>
+          </a:bodyPr>
+          <a:lstStyle/>
+          <a:p>
+            <a:pPr marL="0" marR="0" indent="0" algn="ctr" defTabSz="584200" rtl="0" fontAlgn="auto" latinLnBrk="0" hangingPunct="0">
+              <a:lnSpc>
+                <a:spcPct val="100000"/>
+              </a:lnSpc>
+              <a:spcBef>
+                <a:spcPts val="0"/>
+              </a:spcBef>
+              <a:spcAft>
+                <a:spcPts val="0"/>
+              </a:spcAft>
+              <a:buClrTx/>
+              <a:buSzTx/>
+              <a:buFontTx/>
+              <a:buNone/>
+              <a:tabLst/>
+            </a:pPr>
+            <a:r>
+              <a:rPr kumimoji="0" lang="en-US" sz="3200" b="0" i="0" u="none" strike="noStrike" cap="none" spc="0" normalizeH="0" baseline="0" dirty="0">
+                <a:ln>
+                  <a:noFill/>
+                </a:ln>
+                <a:solidFill>
+                  <a:srgbClr val="000000"/>
+                </a:solidFill>
+                <a:effectLst/>
+                <a:uFillTx/>
+                <a:latin typeface="+mn-lt"/>
+                <a:ea typeface="+mn-ea"/>
+                <a:cs typeface="+mn-cs"/>
+                <a:sym typeface="Helvetica Light"/>
+              </a:rPr>
+              <a:t>Pipe</a:t>
+            </a:r>
+            <a:r>
+              <a:rPr kumimoji="0" lang="en-US" sz="3200" b="0" i="0" u="none" strike="noStrike" cap="none" spc="0" normalizeH="0" dirty="0">
+                <a:ln>
+                  <a:noFill/>
+                </a:ln>
+                <a:solidFill>
+                  <a:srgbClr val="000000"/>
+                </a:solidFill>
+                <a:effectLst/>
+                <a:uFillTx/>
+                <a:latin typeface="+mn-lt"/>
+                <a:ea typeface="+mn-ea"/>
+                <a:cs typeface="+mn-cs"/>
+                <a:sym typeface="Helvetica Light"/>
+              </a:rPr>
+              <a:t> C</a:t>
+            </a:r>
+            <a:endParaRPr kumimoji="0" lang="en-US" sz="3200" b="0" i="0" u="none" strike="noStrike" cap="none" spc="0" normalizeH="0" baseline="0" dirty="0">
+              <a:ln>
+                <a:noFill/>
+              </a:ln>
+              <a:solidFill>
+                <a:srgbClr val="000000"/>
+              </a:solidFill>
+              <a:effectLst/>
+              <a:uFillTx/>
+              <a:latin typeface="+mn-lt"/>
+              <a:ea typeface="+mn-ea"/>
+              <a:cs typeface="+mn-cs"/>
+              <a:sym typeface="Helvetica Light"/>
+            </a:endParaRPr>
+          </a:p>
+        </p:txBody>
+      </p:sp>
+      <p:sp>
+        <p:nvSpPr>
+          <p:cNvPr id="18" name="TextBox 17">
+            <a:extLst>
+              <a:ext uri="{FF2B5EF4-FFF2-40B4-BE49-F238E27FC236}">
+                <a16:creationId xmlns:a16="http://schemas.microsoft.com/office/drawing/2014/main" id="{D59A2DB9-7362-6244-A7B5-17BDAB548D9A}"/>
+              </a:ext>
+            </a:extLst>
+          </p:cNvPr>
+          <p:cNvSpPr txBox="1"/>
+          <p:nvPr/>
+        </p:nvSpPr>
+        <p:spPr>
+          <a:xfrm>
+            <a:off x="628098" y="2945524"/>
+            <a:ext cx="5188240" cy="2257028"/>
+          </a:xfrm>
+          <a:prstGeom prst="rect">
+            <a:avLst/>
+          </a:prstGeom>
+          <a:noFill/>
+          <a:ln w="12700" cap="flat">
+            <a:noFill/>
+            <a:miter lim="400000"/>
+          </a:ln>
+          <a:effectLst/>
+          <a:sp3d/>
+        </p:spPr>
+        <p:style>
+          <a:lnRef idx="0">
+            <a:scrgbClr r="0" g="0" b="0"/>
+          </a:lnRef>
+          <a:fillRef idx="0">
+            <a:scrgbClr r="0" g="0" b="0"/>
+          </a:fillRef>
+          <a:effectRef idx="0">
+            <a:scrgbClr r="0" g="0" b="0"/>
+          </a:effectRef>
+          <a:fontRef idx="none"/>
+        </p:style>
+        <p:txBody>
+          <a:bodyPr rot="0" spcFirstLastPara="1" vertOverflow="overflow" horzOverflow="overflow" vert="horz" wrap="square" lIns="50800" tIns="50800" rIns="50800" bIns="50800" numCol="1" spcCol="38100" rtlCol="0" anchor="ctr">
+            <a:spAutoFit/>
+          </a:bodyPr>
+          <a:lstStyle/>
+          <a:p>
+            <a:pPr marL="0" marR="0" indent="0" algn="l" defTabSz="584200" rtl="0" fontAlgn="auto" latinLnBrk="0" hangingPunct="0">
+              <a:lnSpc>
+                <a:spcPct val="100000"/>
+              </a:lnSpc>
+              <a:spcBef>
+                <a:spcPts val="0"/>
+              </a:spcBef>
+              <a:spcAft>
+                <a:spcPts val="0"/>
+              </a:spcAft>
+              <a:buClrTx/>
+              <a:buSzTx/>
+              <a:buFontTx/>
+              <a:buNone/>
+              <a:tabLst/>
+            </a:pPr>
+            <a:r>
+              <a:rPr kumimoji="0" lang="en-US" sz="2800" b="0" i="0" u="none" strike="noStrike" cap="none" spc="0" normalizeH="0" baseline="0" dirty="0">
+                <a:ln>
+                  <a:noFill/>
+                </a:ln>
+                <a:solidFill>
+                  <a:srgbClr val="000000"/>
+                </a:solidFill>
+                <a:effectLst/>
+                <a:uFillTx/>
+                <a:latin typeface="+mn-lt"/>
+                <a:ea typeface="+mn-ea"/>
+                <a:cs typeface="+mn-cs"/>
+                <a:sym typeface="Helvetica Light"/>
+              </a:rPr>
+              <a:t>//Pipe A</a:t>
+            </a:r>
+          </a:p>
+          <a:p>
+            <a:pPr marL="0" marR="0" indent="0" algn="l" defTabSz="584200" rtl="0" fontAlgn="auto" latinLnBrk="0" hangingPunct="0">
+              <a:lnSpc>
+                <a:spcPct val="100000"/>
+              </a:lnSpc>
+              <a:spcBef>
+                <a:spcPts val="0"/>
+              </a:spcBef>
+              <a:spcAft>
+                <a:spcPts val="0"/>
+              </a:spcAft>
+              <a:buClrTx/>
+              <a:buSzTx/>
+              <a:buFontTx/>
+              <a:buNone/>
+              <a:tabLst/>
+            </a:pPr>
+            <a:r>
+              <a:rPr kumimoji="0" lang="en-US" sz="2800" b="0" i="0" u="none" strike="noStrike" cap="none" spc="0" normalizeH="0" baseline="0" dirty="0">
+                <a:ln>
+                  <a:noFill/>
+                </a:ln>
+                <a:solidFill>
+                  <a:srgbClr val="000000"/>
+                </a:solidFill>
+                <a:effectLst/>
+                <a:uFillTx/>
+                <a:latin typeface="+mn-lt"/>
+                <a:ea typeface="+mn-ea"/>
+                <a:cs typeface="+mn-cs"/>
+                <a:sym typeface="Helvetica Light"/>
+              </a:rPr>
+              <a:t>Consumer&lt;T&gt;.accept(T in){</a:t>
+            </a:r>
+          </a:p>
+          <a:p>
+            <a:pPr marL="0" marR="0" indent="0" algn="l" defTabSz="584200" rtl="0" fontAlgn="auto" latinLnBrk="0" hangingPunct="0">
+              <a:lnSpc>
+                <a:spcPct val="100000"/>
+              </a:lnSpc>
+              <a:spcBef>
+                <a:spcPts val="0"/>
+              </a:spcBef>
+              <a:spcAft>
+                <a:spcPts val="0"/>
+              </a:spcAft>
+              <a:buClrTx/>
+              <a:buSzTx/>
+              <a:buFontTx/>
+              <a:buNone/>
+              <a:tabLst/>
+            </a:pPr>
+            <a:r>
+              <a:rPr lang="en-US" sz="2800" dirty="0"/>
+              <a:t>    … //process </a:t>
+            </a:r>
+            <a:r>
+              <a:rPr lang="en-US" sz="2800" b="1" dirty="0"/>
+              <a:t>in</a:t>
+            </a:r>
+            <a:r>
+              <a:rPr lang="en-US" sz="2800" dirty="0"/>
+              <a:t>, compute </a:t>
+            </a:r>
+            <a:r>
+              <a:rPr lang="en-US" sz="2800" b="1" dirty="0"/>
+              <a:t>out</a:t>
+            </a:r>
+          </a:p>
+          <a:p>
+            <a:pPr marL="0" marR="0" indent="0" algn="l" defTabSz="584200" rtl="0" fontAlgn="auto" latinLnBrk="0" hangingPunct="0">
+              <a:lnSpc>
+                <a:spcPct val="100000"/>
+              </a:lnSpc>
+              <a:spcBef>
+                <a:spcPts val="0"/>
+              </a:spcBef>
+              <a:spcAft>
+                <a:spcPts val="0"/>
+              </a:spcAft>
+              <a:buClrTx/>
+              <a:buSzTx/>
+              <a:buFontTx/>
+              <a:buNone/>
+              <a:tabLst/>
+            </a:pPr>
+            <a:r>
+              <a:rPr kumimoji="0" lang="en-US" sz="2800" b="0" i="0" u="none" strike="noStrike" cap="none" spc="0" normalizeH="0" baseline="0" dirty="0">
+                <a:ln>
+                  <a:noFill/>
+                </a:ln>
+                <a:solidFill>
+                  <a:srgbClr val="000000"/>
+                </a:solidFill>
+                <a:effectLst/>
+                <a:uFillTx/>
+                <a:latin typeface="+mn-lt"/>
+                <a:ea typeface="+mn-ea"/>
+                <a:cs typeface="+mn-cs"/>
+                <a:sym typeface="Helvetica Light"/>
+              </a:rPr>
+              <a:t>    </a:t>
+            </a:r>
+            <a:r>
+              <a:rPr kumimoji="0" lang="en-US" sz="2800" b="0" i="0" u="none" strike="noStrike" cap="none" spc="0" normalizeH="0" baseline="0" dirty="0" err="1">
+                <a:ln>
+                  <a:noFill/>
+                </a:ln>
+                <a:solidFill>
+                  <a:srgbClr val="000000"/>
+                </a:solidFill>
+                <a:effectLst/>
+                <a:uFillTx/>
+                <a:latin typeface="+mn-lt"/>
+                <a:ea typeface="+mn-ea"/>
+                <a:cs typeface="+mn-cs"/>
+                <a:sym typeface="Helvetica Light"/>
+              </a:rPr>
+              <a:t>pipeB.accept</a:t>
+            </a:r>
+            <a:r>
+              <a:rPr kumimoji="0" lang="en-US" sz="2800" b="0" i="0" u="none" strike="noStrike" cap="none" spc="0" normalizeH="0" baseline="0" dirty="0">
+                <a:ln>
+                  <a:noFill/>
+                </a:ln>
+                <a:solidFill>
+                  <a:srgbClr val="000000"/>
+                </a:solidFill>
+                <a:effectLst/>
+                <a:uFillTx/>
+                <a:latin typeface="+mn-lt"/>
+                <a:ea typeface="+mn-ea"/>
+                <a:cs typeface="+mn-cs"/>
+                <a:sym typeface="Helvetica Light"/>
+              </a:rPr>
+              <a:t>(out)</a:t>
+            </a:r>
+          </a:p>
+          <a:p>
+            <a:pPr marL="0" marR="0" indent="0" algn="l" defTabSz="584200" rtl="0" fontAlgn="auto" latinLnBrk="0" hangingPunct="0">
+              <a:lnSpc>
+                <a:spcPct val="100000"/>
+              </a:lnSpc>
+              <a:spcBef>
+                <a:spcPts val="0"/>
+              </a:spcBef>
+              <a:spcAft>
+                <a:spcPts val="0"/>
+              </a:spcAft>
+              <a:buClrTx/>
+              <a:buSzTx/>
+              <a:buFontTx/>
+              <a:buNone/>
+              <a:tabLst/>
+            </a:pPr>
+            <a:r>
+              <a:rPr lang="en-US" sz="2800" dirty="0"/>
+              <a:t>}</a:t>
+            </a:r>
+            <a:endParaRPr kumimoji="0" lang="en-US" sz="2800" b="0" i="0" u="none" strike="noStrike" cap="none" spc="0" normalizeH="0" baseline="0" dirty="0">
+              <a:ln>
+                <a:noFill/>
+              </a:ln>
+              <a:solidFill>
+                <a:srgbClr val="000000"/>
+              </a:solidFill>
+              <a:effectLst/>
+              <a:uFillTx/>
+              <a:latin typeface="+mn-lt"/>
+              <a:ea typeface="+mn-ea"/>
+              <a:cs typeface="+mn-cs"/>
+              <a:sym typeface="Helvetica Light"/>
+            </a:endParaRPr>
+          </a:p>
+        </p:txBody>
+      </p:sp>
+      <p:sp>
+        <p:nvSpPr>
+          <p:cNvPr id="19" name="TextBox 18">
+            <a:extLst>
+              <a:ext uri="{FF2B5EF4-FFF2-40B4-BE49-F238E27FC236}">
+                <a16:creationId xmlns:a16="http://schemas.microsoft.com/office/drawing/2014/main" id="{8C8B003B-9123-6941-AF4F-CC941C92A68C}"/>
+              </a:ext>
+            </a:extLst>
+          </p:cNvPr>
+          <p:cNvSpPr txBox="1"/>
+          <p:nvPr/>
+        </p:nvSpPr>
+        <p:spPr>
+          <a:xfrm>
+            <a:off x="4572226" y="4792244"/>
+            <a:ext cx="6477538" cy="2257028"/>
+          </a:xfrm>
+          <a:prstGeom prst="rect">
+            <a:avLst/>
+          </a:prstGeom>
+          <a:noFill/>
+          <a:ln w="12700" cap="flat">
+            <a:noFill/>
+            <a:miter lim="400000"/>
+          </a:ln>
+          <a:effectLst/>
+          <a:sp3d/>
+        </p:spPr>
+        <p:style>
+          <a:lnRef idx="0">
+            <a:scrgbClr r="0" g="0" b="0"/>
+          </a:lnRef>
+          <a:fillRef idx="0">
+            <a:scrgbClr r="0" g="0" b="0"/>
+          </a:fillRef>
+          <a:effectRef idx="0">
+            <a:scrgbClr r="0" g="0" b="0"/>
+          </a:effectRef>
+          <a:fontRef idx="none"/>
+        </p:style>
+        <p:txBody>
+          <a:bodyPr rot="0" spcFirstLastPara="1" vertOverflow="overflow" horzOverflow="overflow" vert="horz" wrap="square" lIns="50800" tIns="50800" rIns="50800" bIns="50800" numCol="1" spcCol="38100" rtlCol="0" anchor="ctr">
+            <a:spAutoFit/>
+          </a:bodyPr>
+          <a:lstStyle/>
+          <a:p>
+            <a:pPr marL="0" marR="0" indent="0" algn="l" defTabSz="584200" rtl="0" fontAlgn="auto" latinLnBrk="0" hangingPunct="0">
+              <a:lnSpc>
+                <a:spcPct val="100000"/>
+              </a:lnSpc>
+              <a:spcBef>
+                <a:spcPts val="0"/>
+              </a:spcBef>
+              <a:spcAft>
+                <a:spcPts val="0"/>
+              </a:spcAft>
+              <a:buClrTx/>
+              <a:buSzTx/>
+              <a:buFontTx/>
+              <a:buNone/>
+              <a:tabLst/>
+            </a:pPr>
+            <a:r>
+              <a:rPr kumimoji="0" lang="en-US" sz="2800" b="0" i="0" u="none" strike="noStrike" cap="none" spc="0" normalizeH="0" baseline="0" dirty="0">
+                <a:ln>
+                  <a:noFill/>
+                </a:ln>
+                <a:solidFill>
+                  <a:srgbClr val="000000"/>
+                </a:solidFill>
+                <a:effectLst/>
+                <a:uFillTx/>
+                <a:latin typeface="+mn-lt"/>
+                <a:ea typeface="+mn-ea"/>
+                <a:cs typeface="+mn-cs"/>
+                <a:sym typeface="Helvetica Light"/>
+              </a:rPr>
+              <a:t>// Pipe B</a:t>
+            </a:r>
+          </a:p>
+          <a:p>
+            <a:pPr marL="0" marR="0" indent="0" algn="l" defTabSz="584200" rtl="0" fontAlgn="auto" latinLnBrk="0" hangingPunct="0">
+              <a:lnSpc>
+                <a:spcPct val="100000"/>
+              </a:lnSpc>
+              <a:spcBef>
+                <a:spcPts val="0"/>
+              </a:spcBef>
+              <a:spcAft>
+                <a:spcPts val="0"/>
+              </a:spcAft>
+              <a:buClrTx/>
+              <a:buSzTx/>
+              <a:buFontTx/>
+              <a:buNone/>
+              <a:tabLst/>
+            </a:pPr>
+            <a:r>
+              <a:rPr kumimoji="0" lang="en-US" sz="2800" b="0" i="0" u="none" strike="noStrike" cap="none" spc="0" normalizeH="0" baseline="0" dirty="0">
+                <a:ln>
+                  <a:noFill/>
+                </a:ln>
+                <a:solidFill>
+                  <a:srgbClr val="000000"/>
+                </a:solidFill>
+                <a:effectLst/>
+                <a:uFillTx/>
+                <a:latin typeface="+mn-lt"/>
+                <a:ea typeface="+mn-ea"/>
+                <a:cs typeface="+mn-cs"/>
+                <a:sym typeface="Helvetica Light"/>
+              </a:rPr>
+              <a:t>Consumer&lt;OUT_A&gt;.accept(OUT_A in){</a:t>
+            </a:r>
+          </a:p>
+          <a:p>
+            <a:pPr marL="0" marR="0" indent="0" algn="l" defTabSz="584200" rtl="0" fontAlgn="auto" latinLnBrk="0" hangingPunct="0">
+              <a:lnSpc>
+                <a:spcPct val="100000"/>
+              </a:lnSpc>
+              <a:spcBef>
+                <a:spcPts val="0"/>
+              </a:spcBef>
+              <a:spcAft>
+                <a:spcPts val="0"/>
+              </a:spcAft>
+              <a:buClrTx/>
+              <a:buSzTx/>
+              <a:buFontTx/>
+              <a:buNone/>
+              <a:tabLst/>
+            </a:pPr>
+            <a:r>
+              <a:rPr lang="en-US" sz="2800" dirty="0"/>
+              <a:t>    … //process </a:t>
+            </a:r>
+            <a:r>
+              <a:rPr lang="en-US" sz="2800" b="1" dirty="0"/>
+              <a:t>in</a:t>
+            </a:r>
+            <a:r>
+              <a:rPr lang="en-US" sz="2800" dirty="0"/>
+              <a:t>, compute </a:t>
+            </a:r>
+            <a:r>
+              <a:rPr lang="en-US" sz="2800" b="1" dirty="0"/>
+              <a:t>out</a:t>
+            </a:r>
+          </a:p>
+          <a:p>
+            <a:pPr marL="0" marR="0" indent="0" algn="l" defTabSz="584200" rtl="0" fontAlgn="auto" latinLnBrk="0" hangingPunct="0">
+              <a:lnSpc>
+                <a:spcPct val="100000"/>
+              </a:lnSpc>
+              <a:spcBef>
+                <a:spcPts val="0"/>
+              </a:spcBef>
+              <a:spcAft>
+                <a:spcPts val="0"/>
+              </a:spcAft>
+              <a:buClrTx/>
+              <a:buSzTx/>
+              <a:buFontTx/>
+              <a:buNone/>
+              <a:tabLst/>
+            </a:pPr>
+            <a:r>
+              <a:rPr kumimoji="0" lang="en-US" sz="2800" b="0" i="0" u="none" strike="noStrike" cap="none" spc="0" normalizeH="0" baseline="0" dirty="0">
+                <a:ln>
+                  <a:noFill/>
+                </a:ln>
+                <a:solidFill>
+                  <a:srgbClr val="000000"/>
+                </a:solidFill>
+                <a:effectLst/>
+                <a:uFillTx/>
+                <a:latin typeface="+mn-lt"/>
+                <a:ea typeface="+mn-ea"/>
+                <a:cs typeface="+mn-cs"/>
+                <a:sym typeface="Helvetica Light"/>
+              </a:rPr>
+              <a:t>    </a:t>
+            </a:r>
+            <a:r>
+              <a:rPr kumimoji="0" lang="en-US" sz="2800" b="0" i="0" u="none" strike="noStrike" cap="none" spc="0" normalizeH="0" baseline="0" dirty="0" err="1">
+                <a:ln>
+                  <a:noFill/>
+                </a:ln>
+                <a:solidFill>
+                  <a:srgbClr val="000000"/>
+                </a:solidFill>
+                <a:effectLst/>
+                <a:uFillTx/>
+                <a:latin typeface="+mn-lt"/>
+                <a:ea typeface="+mn-ea"/>
+                <a:cs typeface="+mn-cs"/>
+                <a:sym typeface="Helvetica Light"/>
+              </a:rPr>
+              <a:t>pipeC.accept</a:t>
+            </a:r>
+            <a:r>
+              <a:rPr kumimoji="0" lang="en-US" sz="2800" b="0" i="0" u="none" strike="noStrike" cap="none" spc="0" normalizeH="0" baseline="0" dirty="0">
+                <a:ln>
+                  <a:noFill/>
+                </a:ln>
+                <a:solidFill>
+                  <a:srgbClr val="000000"/>
+                </a:solidFill>
+                <a:effectLst/>
+                <a:uFillTx/>
+                <a:latin typeface="+mn-lt"/>
+                <a:ea typeface="+mn-ea"/>
+                <a:cs typeface="+mn-cs"/>
+                <a:sym typeface="Helvetica Light"/>
+              </a:rPr>
+              <a:t>(out)</a:t>
+            </a:r>
+          </a:p>
+          <a:p>
+            <a:pPr marL="0" marR="0" indent="0" algn="l" defTabSz="584200" rtl="0" fontAlgn="auto" latinLnBrk="0" hangingPunct="0">
+              <a:lnSpc>
+                <a:spcPct val="100000"/>
+              </a:lnSpc>
+              <a:spcBef>
+                <a:spcPts val="0"/>
+              </a:spcBef>
+              <a:spcAft>
+                <a:spcPts val="0"/>
+              </a:spcAft>
+              <a:buClrTx/>
+              <a:buSzTx/>
+              <a:buFontTx/>
+              <a:buNone/>
+              <a:tabLst/>
+            </a:pPr>
+            <a:r>
+              <a:rPr lang="en-US" sz="2800" dirty="0"/>
+              <a:t>}</a:t>
+            </a:r>
+            <a:endParaRPr kumimoji="0" lang="en-US" sz="2800" b="0" i="0" u="none" strike="noStrike" cap="none" spc="0" normalizeH="0" baseline="0" dirty="0">
+              <a:ln>
+                <a:noFill/>
+              </a:ln>
+              <a:solidFill>
+                <a:srgbClr val="000000"/>
+              </a:solidFill>
+              <a:effectLst/>
+              <a:uFillTx/>
+              <a:latin typeface="+mn-lt"/>
+              <a:ea typeface="+mn-ea"/>
+              <a:cs typeface="+mn-cs"/>
+              <a:sym typeface="Helvetica Light"/>
+            </a:endParaRPr>
+          </a:p>
+        </p:txBody>
+      </p:sp>
+    </p:spTree>
+    <p:extLst>
+      <p:ext uri="{BB962C8B-B14F-4D97-AF65-F5344CB8AC3E}">
+        <p14:creationId xmlns:p14="http://schemas.microsoft.com/office/powerpoint/2010/main" val="2788558942"/>
+      </p:ext>
+    </p:extLst>
+  </p:cSld>
+  <p:clrMapOvr>
+    <a:masterClrMapping/>
+  </p:clrMapOvr>
+  <p:transition spd="med"/>
+</p:sld>
+</file>
+
+<file path=ppt/slides/slide26.xml><?xml version="1.0" encoding="utf-8"?>
 <p:sld xmlns:a="http://schemas.openxmlformats.org/drawingml/2006/main" xmlns:r="http://schemas.openxmlformats.org/officeDocument/2006/relationships" xmlns:p="http://schemas.openxmlformats.org/presentationml/2006/main">
   <p:cSld>
     <p:spTree>
